--- a/Módulo 02 - JavaScript/Aula 13 - Manipulando o DOM/Introdução ao DOM.pptx
+++ b/Módulo 02 - JavaScript/Aula 13 - Manipulando o DOM/Introdução ao DOM.pptx
@@ -5,19 +5,22 @@
     <p:sldMasterId id="2147483675" r:id="rId4"/>
   </p:sldMasterIdLst>
   <p:notesMasterIdLst>
-    <p:notesMasterId r:id="rId12"/>
+    <p:notesMasterId r:id="rId15"/>
   </p:notesMasterIdLst>
   <p:handoutMasterIdLst>
-    <p:handoutMasterId r:id="rId13"/>
+    <p:handoutMasterId r:id="rId16"/>
   </p:handoutMasterIdLst>
   <p:sldIdLst>
     <p:sldId id="353" r:id="rId5"/>
     <p:sldId id="347" r:id="rId6"/>
     <p:sldId id="348" r:id="rId7"/>
-    <p:sldId id="349" r:id="rId8"/>
-    <p:sldId id="350" r:id="rId9"/>
-    <p:sldId id="351" r:id="rId10"/>
-    <p:sldId id="352" r:id="rId11"/>
+    <p:sldId id="354" r:id="rId8"/>
+    <p:sldId id="355" r:id="rId9"/>
+    <p:sldId id="356" r:id="rId10"/>
+    <p:sldId id="357" r:id="rId11"/>
+    <p:sldId id="358" r:id="rId12"/>
+    <p:sldId id="359" r:id="rId13"/>
+    <p:sldId id="352" r:id="rId14"/>
   </p:sldIdLst>
   <p:sldSz cx="12192000" cy="6858000"/>
   <p:notesSz cx="6858000" cy="9144000"/>
@@ -259,7 +262,7 @@
             <a:pPr rtl="0"/>
             <a:fld id="{7EC2D398-3936-41B5-966E-F3315CDD3010}" type="datetime1">
               <a:rPr lang="pt-BR" smtClean="0"/>
-              <a:t>04/02/2025</a:t>
+              <a:t>05/02/2025</a:t>
             </a:fld>
             <a:endParaRPr lang="pt-BR" dirty="0"/>
           </a:p>
@@ -441,7 +444,7 @@
             <a:fld id="{BC262851-6E14-4143-AE1A-5B9A602DC550}" type="datetime1">
               <a:rPr lang="pt-BR" smtClean="0"/>
               <a:pPr/>
-              <a:t>04/02/2025</a:t>
+              <a:t>05/02/2025</a:t>
             </a:fld>
             <a:endParaRPr lang="pt-BR" dirty="0"/>
           </a:p>
@@ -3013,6 +3016,283 @@
     <p:extLst>
       <p:ext uri="{BB962C8B-B14F-4D97-AF65-F5344CB8AC3E}">
         <p14:creationId xmlns:p14="http://schemas.microsoft.com/office/powerpoint/2010/main" val="1156687881"/>
+      </p:ext>
+    </p:extLst>
+  </p:cSld>
+  <p:clrMapOvr>
+    <a:masterClrMapping/>
+  </p:clrMapOvr>
+</p:sld>
+</file>
+
+<file path=ppt/slides/slide10.xml><?xml version="1.0" encoding="utf-8"?>
+<p:sld xmlns:a="http://schemas.openxmlformats.org/drawingml/2006/main" xmlns:r="http://schemas.openxmlformats.org/officeDocument/2006/relationships" xmlns:p="http://schemas.openxmlformats.org/presentationml/2006/main">
+  <p:cSld>
+    <p:spTree>
+      <p:nvGrpSpPr>
+        <p:cNvPr id="1" name=""/>
+        <p:cNvGrpSpPr/>
+        <p:nvPr/>
+      </p:nvGrpSpPr>
+      <p:grpSpPr>
+        <a:xfrm>
+          <a:off x="0" y="0"/>
+          <a:ext cx="0" cy="0"/>
+          <a:chOff x="0" y="0"/>
+          <a:chExt cx="0" cy="0"/>
+        </a:xfrm>
+      </p:grpSpPr>
+      <p:sp>
+        <p:nvSpPr>
+          <p:cNvPr id="2" name="Título 1">
+            <a:extLst>
+              <a:ext uri="{FF2B5EF4-FFF2-40B4-BE49-F238E27FC236}">
+                <a16:creationId xmlns:a16="http://schemas.microsoft.com/office/drawing/2014/main" id="{1639EE9C-287D-49A2-BECA-00396D303B36}"/>
+              </a:ext>
+            </a:extLst>
+          </p:cNvPr>
+          <p:cNvSpPr>
+            <a:spLocks noGrp="1"/>
+          </p:cNvSpPr>
+          <p:nvPr>
+            <p:ph type="title"/>
+          </p:nvPr>
+        </p:nvSpPr>
+        <p:spPr/>
+        <p:txBody>
+          <a:bodyPr>
+            <a:normAutofit fontScale="90000"/>
+          </a:bodyPr>
+          <a:lstStyle/>
+          <a:p>
+            <a:r>
+              <a:rPr lang="pt-BR" sz="3600" dirty="0"/>
+              <a:t>Desafio</a:t>
+            </a:r>
+          </a:p>
+        </p:txBody>
+      </p:sp>
+      <p:sp>
+        <p:nvSpPr>
+          <p:cNvPr id="4" name="Espaço Reservado para Conteúdo 3">
+            <a:extLst>
+              <a:ext uri="{FF2B5EF4-FFF2-40B4-BE49-F238E27FC236}">
+                <a16:creationId xmlns:a16="http://schemas.microsoft.com/office/drawing/2014/main" id="{57D6A741-980D-4773-A9B7-5990CEEA8144}"/>
+              </a:ext>
+            </a:extLst>
+          </p:cNvPr>
+          <p:cNvSpPr>
+            <a:spLocks noGrp="1"/>
+          </p:cNvSpPr>
+          <p:nvPr>
+            <p:ph idx="1"/>
+          </p:nvPr>
+        </p:nvSpPr>
+        <p:spPr>
+          <a:xfrm>
+            <a:off x="592347" y="1844675"/>
+            <a:ext cx="11007306" cy="1286390"/>
+          </a:xfrm>
+        </p:spPr>
+        <p:txBody>
+          <a:bodyPr/>
+          <a:lstStyle/>
+          <a:p>
+            <a:r>
+              <a:rPr lang="pt-BR" dirty="0"/>
+              <a:t>Utilizando o DOM, modifique a cor e o conteúdo dentro da </a:t>
+            </a:r>
+            <a:r>
+              <a:rPr lang="pt-BR" dirty="0" err="1"/>
+              <a:t>tag</a:t>
+            </a:r>
+            <a:r>
+              <a:rPr lang="pt-BR" dirty="0"/>
+              <a:t> &lt;</a:t>
+            </a:r>
+            <a:r>
+              <a:rPr lang="pt-BR" dirty="0" err="1"/>
+              <a:t>div</a:t>
+            </a:r>
+            <a:r>
+              <a:rPr lang="pt-BR" dirty="0"/>
+              <a:t>&gt; do arquivo HTML "index.html“ fornecido.</a:t>
+            </a:r>
+          </a:p>
+          <a:p>
+            <a:endParaRPr lang="pt-BR" dirty="0"/>
+          </a:p>
+        </p:txBody>
+      </p:sp>
+      <p:grpSp>
+        <p:nvGrpSpPr>
+          <p:cNvPr id="11" name="Agrupar 10">
+            <a:extLst>
+              <a:ext uri="{FF2B5EF4-FFF2-40B4-BE49-F238E27FC236}">
+                <a16:creationId xmlns:a16="http://schemas.microsoft.com/office/drawing/2014/main" id="{6699052F-958C-4545-AE64-16FA4168ED52}"/>
+              </a:ext>
+            </a:extLst>
+          </p:cNvPr>
+          <p:cNvGrpSpPr/>
+          <p:nvPr/>
+        </p:nvGrpSpPr>
+        <p:grpSpPr>
+          <a:xfrm>
+            <a:off x="2690191" y="3340359"/>
+            <a:ext cx="6811618" cy="3157684"/>
+            <a:chOff x="1921835" y="1831544"/>
+            <a:chExt cx="8564405" cy="4106662"/>
+          </a:xfrm>
+        </p:grpSpPr>
+        <p:pic>
+          <p:nvPicPr>
+            <p:cNvPr id="6" name="Imagem 5">
+              <a:extLst>
+                <a:ext uri="{FF2B5EF4-FFF2-40B4-BE49-F238E27FC236}">
+                  <a16:creationId xmlns:a16="http://schemas.microsoft.com/office/drawing/2014/main" id="{8C5A08B8-F8C2-4D96-9E51-4069F54C8F60}"/>
+                </a:ext>
+              </a:extLst>
+            </p:cNvPr>
+            <p:cNvPicPr>
+              <a:picLocks noChangeAspect="1"/>
+            </p:cNvPicPr>
+            <p:nvPr/>
+          </p:nvPicPr>
+          <p:blipFill>
+            <a:blip r:embed="rId2"/>
+            <a:stretch>
+              <a:fillRect/>
+            </a:stretch>
+          </p:blipFill>
+          <p:spPr>
+            <a:xfrm>
+              <a:off x="1921835" y="2334297"/>
+              <a:ext cx="3500941" cy="3603909"/>
+            </a:xfrm>
+            <a:prstGeom prst="rect">
+              <a:avLst/>
+            </a:prstGeom>
+          </p:spPr>
+        </p:pic>
+        <p:pic>
+          <p:nvPicPr>
+            <p:cNvPr id="7" name="Imagem 6">
+              <a:extLst>
+                <a:ext uri="{FF2B5EF4-FFF2-40B4-BE49-F238E27FC236}">
+                  <a16:creationId xmlns:a16="http://schemas.microsoft.com/office/drawing/2014/main" id="{8792C611-9B4E-465D-9485-DDD16B32CBF0}"/>
+                </a:ext>
+              </a:extLst>
+            </p:cNvPr>
+            <p:cNvPicPr>
+              <a:picLocks noChangeAspect="1"/>
+            </p:cNvPicPr>
+            <p:nvPr/>
+          </p:nvPicPr>
+          <p:blipFill>
+            <a:blip r:embed="rId3"/>
+            <a:stretch>
+              <a:fillRect/>
+            </a:stretch>
+          </p:blipFill>
+          <p:spPr>
+            <a:xfrm>
+              <a:off x="6985300" y="2328931"/>
+              <a:ext cx="3500940" cy="3609275"/>
+            </a:xfrm>
+            <a:prstGeom prst="rect">
+              <a:avLst/>
+            </a:prstGeom>
+          </p:spPr>
+        </p:pic>
+        <p:sp>
+          <p:nvSpPr>
+            <p:cNvPr id="9" name="CaixaDeTexto 8">
+              <a:extLst>
+                <a:ext uri="{FF2B5EF4-FFF2-40B4-BE49-F238E27FC236}">
+                  <a16:creationId xmlns:a16="http://schemas.microsoft.com/office/drawing/2014/main" id="{D7290006-C3FF-403D-A6C3-9EC5455A0772}"/>
+                </a:ext>
+              </a:extLst>
+            </p:cNvPr>
+            <p:cNvSpPr txBox="1"/>
+            <p:nvPr/>
+          </p:nvSpPr>
+          <p:spPr>
+            <a:xfrm>
+              <a:off x="3192256" y="1831544"/>
+              <a:ext cx="1212938" cy="440300"/>
+            </a:xfrm>
+            <a:prstGeom prst="rect">
+              <a:avLst/>
+            </a:prstGeom>
+            <a:noFill/>
+          </p:spPr>
+          <p:txBody>
+            <a:bodyPr wrap="square" rtlCol="0">
+              <a:spAutoFit/>
+            </a:bodyPr>
+            <a:lstStyle/>
+            <a:p>
+              <a:r>
+                <a:rPr lang="pt-BR" sz="1600" b="1" dirty="0">
+                  <a:latin typeface="Times New Roman" panose="02020603050405020304" pitchFamily="18" charset="0"/>
+                  <a:cs typeface="Times New Roman" panose="02020603050405020304" pitchFamily="18" charset="0"/>
+                </a:rPr>
+                <a:t>ATUAL</a:t>
+              </a:r>
+              <a:endParaRPr lang="pt-BR" b="1" dirty="0">
+                <a:latin typeface="Times New Roman" panose="02020603050405020304" pitchFamily="18" charset="0"/>
+                <a:cs typeface="Times New Roman" panose="02020603050405020304" pitchFamily="18" charset="0"/>
+              </a:endParaRPr>
+            </a:p>
+          </p:txBody>
+        </p:sp>
+        <p:sp>
+          <p:nvSpPr>
+            <p:cNvPr id="10" name="CaixaDeTexto 9">
+              <a:extLst>
+                <a:ext uri="{FF2B5EF4-FFF2-40B4-BE49-F238E27FC236}">
+                  <a16:creationId xmlns:a16="http://schemas.microsoft.com/office/drawing/2014/main" id="{C25A8414-7BFD-465E-B799-51ABE83D5218}"/>
+                </a:ext>
+              </a:extLst>
+            </p:cNvPr>
+            <p:cNvSpPr txBox="1"/>
+            <p:nvPr/>
+          </p:nvSpPr>
+          <p:spPr>
+            <a:xfrm>
+              <a:off x="7860101" y="1831544"/>
+              <a:ext cx="2152796" cy="440300"/>
+            </a:xfrm>
+            <a:prstGeom prst="rect">
+              <a:avLst/>
+            </a:prstGeom>
+            <a:noFill/>
+          </p:spPr>
+          <p:txBody>
+            <a:bodyPr wrap="square" rtlCol="0">
+              <a:spAutoFit/>
+            </a:bodyPr>
+            <a:lstStyle/>
+            <a:p>
+              <a:r>
+                <a:rPr lang="pt-BR" sz="1600" b="1" dirty="0">
+                  <a:latin typeface="Times New Roman" panose="02020603050405020304" pitchFamily="18" charset="0"/>
+                  <a:cs typeface="Times New Roman" panose="02020603050405020304" pitchFamily="18" charset="0"/>
+                </a:rPr>
+                <a:t>MODIFICADO</a:t>
+              </a:r>
+              <a:endParaRPr lang="pt-BR" b="1" dirty="0">
+                <a:latin typeface="Times New Roman" panose="02020603050405020304" pitchFamily="18" charset="0"/>
+                <a:cs typeface="Times New Roman" panose="02020603050405020304" pitchFamily="18" charset="0"/>
+              </a:endParaRPr>
+            </a:p>
+          </p:txBody>
+        </p:sp>
+      </p:grpSp>
+    </p:spTree>
+    <p:extLst>
+      <p:ext uri="{BB962C8B-B14F-4D97-AF65-F5344CB8AC3E}">
+        <p14:creationId xmlns:p14="http://schemas.microsoft.com/office/powerpoint/2010/main" val="817032575"/>
       </p:ext>
     </p:extLst>
   </p:cSld>
@@ -4005,7 +4285,7 @@
         </p:nvGrpSpPr>
         <p:grpSpPr>
           <a:xfrm>
-            <a:off x="3223830" y="2212059"/>
+            <a:off x="3223829" y="2053439"/>
             <a:ext cx="5744341" cy="4336897"/>
             <a:chOff x="3816634" y="1192211"/>
             <a:chExt cx="5237764" cy="4889510"/>
@@ -5505,10 +5785,10 @@
       </p:grpSpPr>
       <p:sp>
         <p:nvSpPr>
-          <p:cNvPr id="2" name="Título 1">
+          <p:cNvPr id="4" name="Título 3">
             <a:extLst>
               <a:ext uri="{FF2B5EF4-FFF2-40B4-BE49-F238E27FC236}">
-                <a16:creationId xmlns:a16="http://schemas.microsoft.com/office/drawing/2014/main" id="{1639EE9C-287D-49A2-BECA-00396D303B36}"/>
+                <a16:creationId xmlns:a16="http://schemas.microsoft.com/office/drawing/2014/main" id="{5F7AB114-5B74-4D27-9000-F49324D86F0E}"/>
               </a:ext>
             </a:extLst>
           </p:cNvPr>
@@ -5521,24 +5801,27 @@
         </p:nvSpPr>
         <p:spPr/>
         <p:txBody>
-          <a:bodyPr>
-            <a:normAutofit fontScale="90000"/>
-          </a:bodyPr>
+          <a:bodyPr/>
           <a:lstStyle/>
           <a:p>
             <a:r>
-              <a:rPr lang="pt-BR" sz="3600" dirty="0"/>
-              <a:t>Interagindo no HTML usando JS</a:t>
-            </a:r>
+              <a:rPr lang="pt-BR" dirty="0"/>
+              <a:t>Manipulando Elementos HTML com </a:t>
+            </a:r>
+            <a:r>
+              <a:rPr lang="pt-BR" dirty="0" err="1"/>
+              <a:t>JavaScript</a:t>
+            </a:r>
+            <a:endParaRPr lang="pt-BR" dirty="0"/>
           </a:p>
         </p:txBody>
       </p:sp>
       <p:sp>
         <p:nvSpPr>
-          <p:cNvPr id="6" name="Espaço Reservado para Conteúdo 5">
+          <p:cNvPr id="5" name="Espaço Reservado para Conteúdo 4">
             <a:extLst>
               <a:ext uri="{FF2B5EF4-FFF2-40B4-BE49-F238E27FC236}">
-                <a16:creationId xmlns:a16="http://schemas.microsoft.com/office/drawing/2014/main" id="{4D2E7D81-F8B4-4807-9A90-9CEC55783F95}"/>
+                <a16:creationId xmlns:a16="http://schemas.microsoft.com/office/drawing/2014/main" id="{2B2D252E-74AE-4038-8574-B3A7D66FF242}"/>
               </a:ext>
             </a:extLst>
           </p:cNvPr>
@@ -5549,80 +5832,627 @@
             <p:ph idx="1"/>
           </p:nvPr>
         </p:nvSpPr>
-        <p:spPr/>
+        <p:spPr>
+          <a:xfrm>
+            <a:off x="592347" y="3358803"/>
+            <a:ext cx="11007306" cy="448573"/>
+          </a:xfrm>
+        </p:spPr>
         <p:txBody>
           <a:bodyPr/>
           <a:lstStyle/>
           <a:p>
+            <a:pPr>
+              <a:lnSpc>
+                <a:spcPct val="100000"/>
+              </a:lnSpc>
+              <a:spcBef>
+                <a:spcPts val="0"/>
+              </a:spcBef>
+            </a:pPr>
+            <a:r>
+              <a:rPr lang="pt-BR" dirty="0"/>
+              <a:t>Alterando a cor da tela de fundo:</a:t>
+            </a:r>
+          </a:p>
+        </p:txBody>
+      </p:sp>
+      <p:sp>
+        <p:nvSpPr>
+          <p:cNvPr id="6" name="Retângulo 5">
+            <a:extLst>
+              <a:ext uri="{FF2B5EF4-FFF2-40B4-BE49-F238E27FC236}">
+                <a16:creationId xmlns:a16="http://schemas.microsoft.com/office/drawing/2014/main" id="{A4DDF6EA-FCF2-416D-9AC3-6DB1691A0A49}"/>
+              </a:ext>
+            </a:extLst>
+          </p:cNvPr>
+          <p:cNvSpPr/>
+          <p:nvPr/>
+        </p:nvSpPr>
+        <p:spPr>
+          <a:xfrm>
+            <a:off x="2936033" y="4217706"/>
+            <a:ext cx="6319935" cy="369332"/>
+          </a:xfrm>
+          <a:prstGeom prst="rect">
+            <a:avLst/>
+          </a:prstGeom>
+        </p:spPr>
+        <p:txBody>
+          <a:bodyPr wrap="square">
+            <a:spAutoFit/>
+          </a:bodyPr>
+          <a:lstStyle/>
+          <a:p>
+            <a:r>
+              <a:rPr lang="pt-BR" dirty="0" err="1">
+                <a:solidFill>
+                  <a:srgbClr val="000000"/>
+                </a:solidFill>
+                <a:latin typeface="Consolas" panose="020B0609020204030204" pitchFamily="49" charset="0"/>
+              </a:rPr>
+              <a:t>window.document.body.style.background</a:t>
+            </a:r>
+            <a:r>
+              <a:rPr lang="pt-BR" dirty="0">
+                <a:solidFill>
+                  <a:srgbClr val="000000"/>
+                </a:solidFill>
+                <a:latin typeface="Consolas" panose="020B0609020204030204" pitchFamily="49" charset="0"/>
+              </a:rPr>
+              <a:t> = </a:t>
+            </a:r>
+            <a:r>
+              <a:rPr lang="pt-BR" dirty="0">
+                <a:solidFill>
+                  <a:srgbClr val="A31515"/>
+                </a:solidFill>
+                <a:latin typeface="Consolas" panose="020B0609020204030204" pitchFamily="49" charset="0"/>
+              </a:rPr>
+              <a:t>"</a:t>
+            </a:r>
+            <a:r>
+              <a:rPr lang="pt-BR" dirty="0" err="1">
+                <a:solidFill>
+                  <a:srgbClr val="A31515"/>
+                </a:solidFill>
+                <a:latin typeface="Consolas" panose="020B0609020204030204" pitchFamily="49" charset="0"/>
+              </a:rPr>
+              <a:t>black</a:t>
+            </a:r>
+            <a:r>
+              <a:rPr lang="pt-BR" dirty="0">
+                <a:solidFill>
+                  <a:srgbClr val="A31515"/>
+                </a:solidFill>
+                <a:latin typeface="Consolas" panose="020B0609020204030204" pitchFamily="49" charset="0"/>
+              </a:rPr>
+              <a:t>"</a:t>
+            </a:r>
+            <a:r>
+              <a:rPr lang="pt-BR" dirty="0">
+                <a:solidFill>
+                  <a:srgbClr val="000000"/>
+                </a:solidFill>
+                <a:latin typeface="Consolas" panose="020B0609020204030204" pitchFamily="49" charset="0"/>
+              </a:rPr>
+              <a:t>;</a:t>
+            </a:r>
+            <a:endParaRPr lang="pt-BR" b="0" dirty="0">
+              <a:solidFill>
+                <a:srgbClr val="000000"/>
+              </a:solidFill>
+              <a:effectLst/>
+              <a:latin typeface="Consolas" panose="020B0609020204030204" pitchFamily="49" charset="0"/>
+            </a:endParaRPr>
+          </a:p>
+        </p:txBody>
+      </p:sp>
+      <p:sp>
+        <p:nvSpPr>
+          <p:cNvPr id="7" name="Espaço Reservado para Conteúdo 4">
+            <a:extLst>
+              <a:ext uri="{FF2B5EF4-FFF2-40B4-BE49-F238E27FC236}">
+                <a16:creationId xmlns:a16="http://schemas.microsoft.com/office/drawing/2014/main" id="{8B3223EB-EC13-458A-A483-432B30CAAAD2}"/>
+              </a:ext>
+            </a:extLst>
+          </p:cNvPr>
+          <p:cNvSpPr txBox="1">
+            <a:spLocks/>
+          </p:cNvSpPr>
+          <p:nvPr/>
+        </p:nvSpPr>
+        <p:spPr>
+          <a:xfrm>
+            <a:off x="592347" y="4997368"/>
+            <a:ext cx="11007306" cy="448573"/>
+          </a:xfrm>
+          <a:prstGeom prst="rect">
+            <a:avLst/>
+          </a:prstGeom>
+        </p:spPr>
+        <p:txBody>
+          <a:bodyPr/>
+          <a:lstStyle>
+            <a:lvl1pPr marL="0" indent="0" algn="just" defTabSz="914400" rtl="0" eaLnBrk="1" latinLnBrk="0" hangingPunct="1">
+              <a:lnSpc>
+                <a:spcPct val="150000"/>
+              </a:lnSpc>
+              <a:spcBef>
+                <a:spcPts val="1000"/>
+              </a:spcBef>
+              <a:buFont typeface="Arial" panose="020B0604020202020204" pitchFamily="34" charset="0"/>
+              <a:buNone/>
+              <a:defRPr sz="2000" kern="1200">
+                <a:solidFill>
+                  <a:schemeClr val="tx1"/>
+                </a:solidFill>
+                <a:latin typeface="Times New Roman" panose="02020603050405020304" pitchFamily="18" charset="0"/>
+                <a:ea typeface="+mn-ea"/>
+                <a:cs typeface="Times New Roman" panose="02020603050405020304" pitchFamily="18" charset="0"/>
+              </a:defRPr>
+            </a:lvl1pPr>
+            <a:lvl2pPr marL="685800" indent="-228600" algn="l" defTabSz="914400" rtl="0" eaLnBrk="1" latinLnBrk="0" hangingPunct="1">
+              <a:lnSpc>
+                <a:spcPct val="150000"/>
+              </a:lnSpc>
+              <a:spcBef>
+                <a:spcPts val="500"/>
+              </a:spcBef>
+              <a:buFont typeface="Arial" panose="020B0604020202020204" pitchFamily="34" charset="0"/>
+              <a:buChar char="•"/>
+              <a:defRPr sz="1600" kern="1200">
+                <a:solidFill>
+                  <a:schemeClr val="tx1"/>
+                </a:solidFill>
+                <a:latin typeface="Times New Roman" panose="02020603050405020304" pitchFamily="18" charset="0"/>
+                <a:ea typeface="+mn-ea"/>
+                <a:cs typeface="Times New Roman" panose="02020603050405020304" pitchFamily="18" charset="0"/>
+              </a:defRPr>
+            </a:lvl2pPr>
+            <a:lvl3pPr marL="1143000" indent="-228600" algn="l" defTabSz="914400" rtl="0" eaLnBrk="1" latinLnBrk="0" hangingPunct="1">
+              <a:lnSpc>
+                <a:spcPct val="150000"/>
+              </a:lnSpc>
+              <a:spcBef>
+                <a:spcPts val="500"/>
+              </a:spcBef>
+              <a:buFont typeface="Arial" panose="020B0604020202020204" pitchFamily="34" charset="0"/>
+              <a:buChar char="•"/>
+              <a:defRPr sz="1400" kern="1200">
+                <a:solidFill>
+                  <a:schemeClr val="tx1"/>
+                </a:solidFill>
+                <a:latin typeface="Times New Roman" panose="02020603050405020304" pitchFamily="18" charset="0"/>
+                <a:ea typeface="+mn-ea"/>
+                <a:cs typeface="Times New Roman" panose="02020603050405020304" pitchFamily="18" charset="0"/>
+              </a:defRPr>
+            </a:lvl3pPr>
+            <a:lvl4pPr marL="1600200" indent="-228600" algn="l" defTabSz="914400" rtl="0" eaLnBrk="1" latinLnBrk="0" hangingPunct="1">
+              <a:lnSpc>
+                <a:spcPct val="150000"/>
+              </a:lnSpc>
+              <a:spcBef>
+                <a:spcPts val="500"/>
+              </a:spcBef>
+              <a:buFont typeface="Arial" panose="020B0604020202020204" pitchFamily="34" charset="0"/>
+              <a:buChar char="•"/>
+              <a:defRPr sz="1200" kern="1200">
+                <a:solidFill>
+                  <a:schemeClr val="tx1"/>
+                </a:solidFill>
+                <a:latin typeface="Times New Roman" panose="02020603050405020304" pitchFamily="18" charset="0"/>
+                <a:ea typeface="+mn-ea"/>
+                <a:cs typeface="Times New Roman" panose="02020603050405020304" pitchFamily="18" charset="0"/>
+              </a:defRPr>
+            </a:lvl4pPr>
+            <a:lvl5pPr marL="2057400" indent="-228600" algn="l" defTabSz="914400" rtl="0" eaLnBrk="1" latinLnBrk="0" hangingPunct="1">
+              <a:lnSpc>
+                <a:spcPct val="150000"/>
+              </a:lnSpc>
+              <a:spcBef>
+                <a:spcPts val="500"/>
+              </a:spcBef>
+              <a:buFont typeface="Arial" panose="020B0604020202020204" pitchFamily="34" charset="0"/>
+              <a:buChar char="•"/>
+              <a:defRPr sz="1000" kern="1200">
+                <a:solidFill>
+                  <a:schemeClr val="tx1"/>
+                </a:solidFill>
+                <a:latin typeface="Times New Roman" panose="02020603050405020304" pitchFamily="18" charset="0"/>
+                <a:ea typeface="+mn-ea"/>
+                <a:cs typeface="Times New Roman" panose="02020603050405020304" pitchFamily="18" charset="0"/>
+              </a:defRPr>
+            </a:lvl5pPr>
+            <a:lvl6pPr marL="2514600" indent="-228600" algn="l" defTabSz="914400" rtl="0" eaLnBrk="1" latinLnBrk="0" hangingPunct="1">
+              <a:lnSpc>
+                <a:spcPct val="90000"/>
+              </a:lnSpc>
+              <a:spcBef>
+                <a:spcPts val="500"/>
+              </a:spcBef>
+              <a:buFont typeface="Arial" panose="020B0604020202020204" pitchFamily="34" charset="0"/>
+              <a:buChar char="•"/>
+              <a:defRPr sz="1800" kern="1200">
+                <a:solidFill>
+                  <a:schemeClr val="tx1"/>
+                </a:solidFill>
+                <a:latin typeface="+mn-lt"/>
+                <a:ea typeface="+mn-ea"/>
+                <a:cs typeface="+mn-cs"/>
+              </a:defRPr>
+            </a:lvl6pPr>
+            <a:lvl7pPr marL="2971800" indent="-228600" algn="l" defTabSz="914400" rtl="0" eaLnBrk="1" latinLnBrk="0" hangingPunct="1">
+              <a:lnSpc>
+                <a:spcPct val="90000"/>
+              </a:lnSpc>
+              <a:spcBef>
+                <a:spcPts val="500"/>
+              </a:spcBef>
+              <a:buFont typeface="Arial" panose="020B0604020202020204" pitchFamily="34" charset="0"/>
+              <a:buChar char="•"/>
+              <a:defRPr sz="1800" kern="1200">
+                <a:solidFill>
+                  <a:schemeClr val="tx1"/>
+                </a:solidFill>
+                <a:latin typeface="+mn-lt"/>
+                <a:ea typeface="+mn-ea"/>
+                <a:cs typeface="+mn-cs"/>
+              </a:defRPr>
+            </a:lvl7pPr>
+            <a:lvl8pPr marL="3429000" indent="-228600" algn="l" defTabSz="914400" rtl="0" eaLnBrk="1" latinLnBrk="0" hangingPunct="1">
+              <a:lnSpc>
+                <a:spcPct val="90000"/>
+              </a:lnSpc>
+              <a:spcBef>
+                <a:spcPts val="500"/>
+              </a:spcBef>
+              <a:buFont typeface="Arial" panose="020B0604020202020204" pitchFamily="34" charset="0"/>
+              <a:buChar char="•"/>
+              <a:defRPr sz="1800" kern="1200">
+                <a:solidFill>
+                  <a:schemeClr val="tx1"/>
+                </a:solidFill>
+                <a:latin typeface="+mn-lt"/>
+                <a:ea typeface="+mn-ea"/>
+                <a:cs typeface="+mn-cs"/>
+              </a:defRPr>
+            </a:lvl8pPr>
+            <a:lvl9pPr marL="3886200" indent="-228600" algn="l" defTabSz="914400" rtl="0" eaLnBrk="1" latinLnBrk="0" hangingPunct="1">
+              <a:lnSpc>
+                <a:spcPct val="90000"/>
+              </a:lnSpc>
+              <a:spcBef>
+                <a:spcPts val="500"/>
+              </a:spcBef>
+              <a:buFont typeface="Arial" panose="020B0604020202020204" pitchFamily="34" charset="0"/>
+              <a:buChar char="•"/>
+              <a:defRPr sz="1800" kern="1200">
+                <a:solidFill>
+                  <a:schemeClr val="tx1"/>
+                </a:solidFill>
+                <a:latin typeface="+mn-lt"/>
+                <a:ea typeface="+mn-ea"/>
+                <a:cs typeface="+mn-cs"/>
+              </a:defRPr>
+            </a:lvl9pPr>
+          </a:lstStyle>
+          <a:p>
+            <a:pPr>
+              <a:lnSpc>
+                <a:spcPct val="100000"/>
+              </a:lnSpc>
+              <a:spcBef>
+                <a:spcPts val="0"/>
+              </a:spcBef>
+            </a:pPr>
+            <a:r>
+              <a:rPr lang="pt-BR" dirty="0"/>
+              <a:t>Alterando a cor do texto:</a:t>
+            </a:r>
+          </a:p>
+        </p:txBody>
+      </p:sp>
+      <p:sp>
+        <p:nvSpPr>
+          <p:cNvPr id="8" name="Retângulo 7">
+            <a:extLst>
+              <a:ext uri="{FF2B5EF4-FFF2-40B4-BE49-F238E27FC236}">
+                <a16:creationId xmlns:a16="http://schemas.microsoft.com/office/drawing/2014/main" id="{CD970250-075A-4A47-A5AF-19B66E30F458}"/>
+              </a:ext>
+            </a:extLst>
+          </p:cNvPr>
+          <p:cNvSpPr/>
+          <p:nvPr/>
+        </p:nvSpPr>
+        <p:spPr>
+          <a:xfrm>
+            <a:off x="2936033" y="5856270"/>
+            <a:ext cx="6319935" cy="369332"/>
+          </a:xfrm>
+          <a:prstGeom prst="rect">
+            <a:avLst/>
+          </a:prstGeom>
+        </p:spPr>
+        <p:txBody>
+          <a:bodyPr wrap="square">
+            <a:spAutoFit/>
+          </a:bodyPr>
+          <a:lstStyle/>
+          <a:p>
+            <a:r>
+              <a:rPr lang="pt-BR" dirty="0" err="1">
+                <a:solidFill>
+                  <a:srgbClr val="000000"/>
+                </a:solidFill>
+                <a:latin typeface="Consolas" panose="020B0609020204030204" pitchFamily="49" charset="0"/>
+              </a:rPr>
+              <a:t>window.document.body.style.color</a:t>
+            </a:r>
+            <a:r>
+              <a:rPr lang="pt-BR" dirty="0">
+                <a:solidFill>
+                  <a:srgbClr val="000000"/>
+                </a:solidFill>
+                <a:latin typeface="Consolas" panose="020B0609020204030204" pitchFamily="49" charset="0"/>
+              </a:rPr>
+              <a:t> = </a:t>
+            </a:r>
+            <a:r>
+              <a:rPr lang="pt-BR" dirty="0">
+                <a:solidFill>
+                  <a:srgbClr val="A31515"/>
+                </a:solidFill>
+                <a:latin typeface="Consolas" panose="020B0609020204030204" pitchFamily="49" charset="0"/>
+              </a:rPr>
+              <a:t>"</a:t>
+            </a:r>
+            <a:r>
+              <a:rPr lang="pt-BR" dirty="0" err="1">
+                <a:solidFill>
+                  <a:srgbClr val="A31515"/>
+                </a:solidFill>
+                <a:latin typeface="Consolas" panose="020B0609020204030204" pitchFamily="49" charset="0"/>
+              </a:rPr>
+              <a:t>white</a:t>
+            </a:r>
+            <a:r>
+              <a:rPr lang="pt-BR" dirty="0">
+                <a:solidFill>
+                  <a:srgbClr val="A31515"/>
+                </a:solidFill>
+                <a:latin typeface="Consolas" panose="020B0609020204030204" pitchFamily="49" charset="0"/>
+              </a:rPr>
+              <a:t>"</a:t>
+            </a:r>
+            <a:r>
+              <a:rPr lang="pt-BR" dirty="0">
+                <a:solidFill>
+                  <a:srgbClr val="000000"/>
+                </a:solidFill>
+                <a:latin typeface="Consolas" panose="020B0609020204030204" pitchFamily="49" charset="0"/>
+              </a:rPr>
+              <a:t>;</a:t>
+            </a:r>
+            <a:endParaRPr lang="pt-BR" b="0" dirty="0">
+              <a:solidFill>
+                <a:srgbClr val="000000"/>
+              </a:solidFill>
+              <a:effectLst/>
+              <a:latin typeface="Consolas" panose="020B0609020204030204" pitchFamily="49" charset="0"/>
+            </a:endParaRPr>
+          </a:p>
+        </p:txBody>
+      </p:sp>
+      <p:sp>
+        <p:nvSpPr>
+          <p:cNvPr id="10" name="Espaço Reservado para Conteúdo 6">
+            <a:extLst>
+              <a:ext uri="{FF2B5EF4-FFF2-40B4-BE49-F238E27FC236}">
+                <a16:creationId xmlns:a16="http://schemas.microsoft.com/office/drawing/2014/main" id="{A7B5E0B1-4391-41C6-B3D7-83863E033BC7}"/>
+              </a:ext>
+            </a:extLst>
+          </p:cNvPr>
+          <p:cNvSpPr txBox="1">
+            <a:spLocks/>
+          </p:cNvSpPr>
+          <p:nvPr/>
+        </p:nvSpPr>
+        <p:spPr>
+          <a:xfrm>
+            <a:off x="592347" y="1844675"/>
+            <a:ext cx="11007306" cy="1103798"/>
+          </a:xfrm>
+          <a:prstGeom prst="rect">
+            <a:avLst/>
+          </a:prstGeom>
+        </p:spPr>
+        <p:txBody>
+          <a:bodyPr/>
+          <a:lstStyle>
+            <a:lvl1pPr marL="0" indent="0" algn="just" defTabSz="914400" rtl="0" eaLnBrk="1" latinLnBrk="0" hangingPunct="1">
+              <a:lnSpc>
+                <a:spcPct val="150000"/>
+              </a:lnSpc>
+              <a:spcBef>
+                <a:spcPts val="1000"/>
+              </a:spcBef>
+              <a:buFont typeface="Arial" panose="020B0604020202020204" pitchFamily="34" charset="0"/>
+              <a:buNone/>
+              <a:defRPr sz="2000" kern="1200">
+                <a:solidFill>
+                  <a:schemeClr val="tx1"/>
+                </a:solidFill>
+                <a:latin typeface="Times New Roman" panose="02020603050405020304" pitchFamily="18" charset="0"/>
+                <a:ea typeface="+mn-ea"/>
+                <a:cs typeface="Times New Roman" panose="02020603050405020304" pitchFamily="18" charset="0"/>
+              </a:defRPr>
+            </a:lvl1pPr>
+            <a:lvl2pPr marL="685800" indent="-228600" algn="l" defTabSz="914400" rtl="0" eaLnBrk="1" latinLnBrk="0" hangingPunct="1">
+              <a:lnSpc>
+                <a:spcPct val="150000"/>
+              </a:lnSpc>
+              <a:spcBef>
+                <a:spcPts val="500"/>
+              </a:spcBef>
+              <a:buFont typeface="Arial" panose="020B0604020202020204" pitchFamily="34" charset="0"/>
+              <a:buChar char="•"/>
+              <a:defRPr sz="1600" kern="1200">
+                <a:solidFill>
+                  <a:schemeClr val="tx1"/>
+                </a:solidFill>
+                <a:latin typeface="Times New Roman" panose="02020603050405020304" pitchFamily="18" charset="0"/>
+                <a:ea typeface="+mn-ea"/>
+                <a:cs typeface="Times New Roman" panose="02020603050405020304" pitchFamily="18" charset="0"/>
+              </a:defRPr>
+            </a:lvl2pPr>
+            <a:lvl3pPr marL="1143000" indent="-228600" algn="l" defTabSz="914400" rtl="0" eaLnBrk="1" latinLnBrk="0" hangingPunct="1">
+              <a:lnSpc>
+                <a:spcPct val="150000"/>
+              </a:lnSpc>
+              <a:spcBef>
+                <a:spcPts val="500"/>
+              </a:spcBef>
+              <a:buFont typeface="Arial" panose="020B0604020202020204" pitchFamily="34" charset="0"/>
+              <a:buChar char="•"/>
+              <a:defRPr sz="1400" kern="1200">
+                <a:solidFill>
+                  <a:schemeClr val="tx1"/>
+                </a:solidFill>
+                <a:latin typeface="Times New Roman" panose="02020603050405020304" pitchFamily="18" charset="0"/>
+                <a:ea typeface="+mn-ea"/>
+                <a:cs typeface="Times New Roman" panose="02020603050405020304" pitchFamily="18" charset="0"/>
+              </a:defRPr>
+            </a:lvl3pPr>
+            <a:lvl4pPr marL="1600200" indent="-228600" algn="l" defTabSz="914400" rtl="0" eaLnBrk="1" latinLnBrk="0" hangingPunct="1">
+              <a:lnSpc>
+                <a:spcPct val="150000"/>
+              </a:lnSpc>
+              <a:spcBef>
+                <a:spcPts val="500"/>
+              </a:spcBef>
+              <a:buFont typeface="Arial" panose="020B0604020202020204" pitchFamily="34" charset="0"/>
+              <a:buChar char="•"/>
+              <a:defRPr sz="1200" kern="1200">
+                <a:solidFill>
+                  <a:schemeClr val="tx1"/>
+                </a:solidFill>
+                <a:latin typeface="Times New Roman" panose="02020603050405020304" pitchFamily="18" charset="0"/>
+                <a:ea typeface="+mn-ea"/>
+                <a:cs typeface="Times New Roman" panose="02020603050405020304" pitchFamily="18" charset="0"/>
+              </a:defRPr>
+            </a:lvl4pPr>
+            <a:lvl5pPr marL="2057400" indent="-228600" algn="l" defTabSz="914400" rtl="0" eaLnBrk="1" latinLnBrk="0" hangingPunct="1">
+              <a:lnSpc>
+                <a:spcPct val="150000"/>
+              </a:lnSpc>
+              <a:spcBef>
+                <a:spcPts val="500"/>
+              </a:spcBef>
+              <a:buFont typeface="Arial" panose="020B0604020202020204" pitchFamily="34" charset="0"/>
+              <a:buChar char="•"/>
+              <a:defRPr sz="1000" kern="1200">
+                <a:solidFill>
+                  <a:schemeClr val="tx1"/>
+                </a:solidFill>
+                <a:latin typeface="Times New Roman" panose="02020603050405020304" pitchFamily="18" charset="0"/>
+                <a:ea typeface="+mn-ea"/>
+                <a:cs typeface="Times New Roman" panose="02020603050405020304" pitchFamily="18" charset="0"/>
+              </a:defRPr>
+            </a:lvl5pPr>
+            <a:lvl6pPr marL="2514600" indent="-228600" algn="l" defTabSz="914400" rtl="0" eaLnBrk="1" latinLnBrk="0" hangingPunct="1">
+              <a:lnSpc>
+                <a:spcPct val="90000"/>
+              </a:lnSpc>
+              <a:spcBef>
+                <a:spcPts val="500"/>
+              </a:spcBef>
+              <a:buFont typeface="Arial" panose="020B0604020202020204" pitchFamily="34" charset="0"/>
+              <a:buChar char="•"/>
+              <a:defRPr sz="1800" kern="1200">
+                <a:solidFill>
+                  <a:schemeClr val="tx1"/>
+                </a:solidFill>
+                <a:latin typeface="+mn-lt"/>
+                <a:ea typeface="+mn-ea"/>
+                <a:cs typeface="+mn-cs"/>
+              </a:defRPr>
+            </a:lvl6pPr>
+            <a:lvl7pPr marL="2971800" indent="-228600" algn="l" defTabSz="914400" rtl="0" eaLnBrk="1" latinLnBrk="0" hangingPunct="1">
+              <a:lnSpc>
+                <a:spcPct val="90000"/>
+              </a:lnSpc>
+              <a:spcBef>
+                <a:spcPts val="500"/>
+              </a:spcBef>
+              <a:buFont typeface="Arial" panose="020B0604020202020204" pitchFamily="34" charset="0"/>
+              <a:buChar char="•"/>
+              <a:defRPr sz="1800" kern="1200">
+                <a:solidFill>
+                  <a:schemeClr val="tx1"/>
+                </a:solidFill>
+                <a:latin typeface="+mn-lt"/>
+                <a:ea typeface="+mn-ea"/>
+                <a:cs typeface="+mn-cs"/>
+              </a:defRPr>
+            </a:lvl7pPr>
+            <a:lvl8pPr marL="3429000" indent="-228600" algn="l" defTabSz="914400" rtl="0" eaLnBrk="1" latinLnBrk="0" hangingPunct="1">
+              <a:lnSpc>
+                <a:spcPct val="90000"/>
+              </a:lnSpc>
+              <a:spcBef>
+                <a:spcPts val="500"/>
+              </a:spcBef>
+              <a:buFont typeface="Arial" panose="020B0604020202020204" pitchFamily="34" charset="0"/>
+              <a:buChar char="•"/>
+              <a:defRPr sz="1800" kern="1200">
+                <a:solidFill>
+                  <a:schemeClr val="tx1"/>
+                </a:solidFill>
+                <a:latin typeface="+mn-lt"/>
+                <a:ea typeface="+mn-ea"/>
+                <a:cs typeface="+mn-cs"/>
+              </a:defRPr>
+            </a:lvl8pPr>
+            <a:lvl9pPr marL="3886200" indent="-228600" algn="l" defTabSz="914400" rtl="0" eaLnBrk="1" latinLnBrk="0" hangingPunct="1">
+              <a:lnSpc>
+                <a:spcPct val="90000"/>
+              </a:lnSpc>
+              <a:spcBef>
+                <a:spcPts val="500"/>
+              </a:spcBef>
+              <a:buFont typeface="Arial" panose="020B0604020202020204" pitchFamily="34" charset="0"/>
+              <a:buChar char="•"/>
+              <a:defRPr sz="1800" kern="1200">
+                <a:solidFill>
+                  <a:schemeClr val="tx1"/>
+                </a:solidFill>
+                <a:latin typeface="+mn-lt"/>
+                <a:ea typeface="+mn-ea"/>
+                <a:cs typeface="+mn-cs"/>
+              </a:defRPr>
+            </a:lvl9pPr>
+          </a:lstStyle>
+          <a:p>
+            <a:r>
+              <a:rPr lang="pt-BR" dirty="0"/>
+              <a:t>A linguagem </a:t>
+            </a:r>
             <a:r>
               <a:rPr lang="pt-BR" dirty="0" err="1"/>
-              <a:t>window.document.write</a:t>
+              <a:t>JavaScript</a:t>
             </a:r>
             <a:r>
               <a:rPr lang="pt-BR" dirty="0"/>
-              <a:t>(“Olá Mundo”) – Escreve um texto na pagina HTML</a:t>
-            </a:r>
-          </a:p>
-          <a:p>
-            <a:r>
-              <a:rPr lang="pt-BR" dirty="0" err="1"/>
-              <a:t>window.document.write</a:t>
-            </a:r>
-            <a:r>
-              <a:rPr lang="pt-BR" dirty="0"/>
-              <a:t>(</a:t>
-            </a:r>
-            <a:r>
-              <a:rPr lang="pt-BR" dirty="0" err="1"/>
-              <a:t>window.navigator.appName</a:t>
-            </a:r>
-            <a:r>
-              <a:rPr lang="pt-BR" dirty="0"/>
-              <a:t>) – Nome do navegador da pagina</a:t>
-            </a:r>
-          </a:p>
-          <a:p>
-            <a:r>
-              <a:rPr lang="pt-BR" dirty="0" err="1"/>
-              <a:t>window.document.write</a:t>
-            </a:r>
-            <a:r>
-              <a:rPr lang="pt-BR" dirty="0"/>
-              <a:t>(window.document.URL) – URL da pagina Web</a:t>
-            </a:r>
-          </a:p>
-          <a:p>
-            <a:r>
-              <a:rPr lang="pt-BR" dirty="0" err="1"/>
-              <a:t>window.document.body.style.background</a:t>
-            </a:r>
-            <a:r>
-              <a:rPr lang="pt-BR" dirty="0"/>
-              <a:t> = “</a:t>
-            </a:r>
-            <a:r>
-              <a:rPr lang="pt-BR" dirty="0" err="1"/>
-              <a:t>black</a:t>
-            </a:r>
-            <a:r>
-              <a:rPr lang="pt-BR" dirty="0"/>
-              <a:t>” – Muda a cor do </a:t>
-            </a:r>
-            <a:r>
-              <a:rPr lang="pt-BR" dirty="0" err="1"/>
-              <a:t>body</a:t>
-            </a:r>
-            <a:endParaRPr lang="pt-BR" dirty="0"/>
-          </a:p>
-          <a:p>
-            <a:endParaRPr lang="pt-BR" dirty="0"/>
+              <a:t> permite interações dinâmicas com páginas HTML, como modificar elementos, alterar estilos e capturar eventos. Neste tópico, veremos como manipular o HTML de forma prática.</a:t>
+            </a:r>
           </a:p>
         </p:txBody>
       </p:sp>
     </p:spTree>
     <p:extLst>
       <p:ext uri="{BB962C8B-B14F-4D97-AF65-F5344CB8AC3E}">
-        <p14:creationId xmlns:p14="http://schemas.microsoft.com/office/powerpoint/2010/main" val="2334211973"/>
+        <p14:creationId xmlns:p14="http://schemas.microsoft.com/office/powerpoint/2010/main" val="1533214118"/>
       </p:ext>
     </p:extLst>
   </p:cSld>
@@ -5651,10 +6481,10 @@
       </p:grpSpPr>
       <p:sp>
         <p:nvSpPr>
-          <p:cNvPr id="2" name="Título 1">
+          <p:cNvPr id="6" name="Título 5">
             <a:extLst>
               <a:ext uri="{FF2B5EF4-FFF2-40B4-BE49-F238E27FC236}">
-                <a16:creationId xmlns:a16="http://schemas.microsoft.com/office/drawing/2014/main" id="{1639EE9C-287D-49A2-BECA-00396D303B36}"/>
+                <a16:creationId xmlns:a16="http://schemas.microsoft.com/office/drawing/2014/main" id="{3D218D98-50C5-4C7C-A026-213FE00F481B}"/>
               </a:ext>
             </a:extLst>
           </p:cNvPr>
@@ -5667,179 +6497,904 @@
         </p:nvSpPr>
         <p:spPr/>
         <p:txBody>
-          <a:bodyPr>
-            <a:normAutofit fontScale="90000"/>
-          </a:bodyPr>
+          <a:bodyPr/>
           <a:lstStyle/>
           <a:p>
             <a:r>
-              <a:rPr lang="pt-BR" sz="3600" dirty="0"/>
-              <a:t>Selecionando elementos dentro de uma árvore DOM</a:t>
-            </a:r>
+              <a:rPr lang="pt-BR" dirty="0"/>
+              <a:t>Manipulando Elementos HTML com </a:t>
+            </a:r>
+            <a:r>
+              <a:rPr lang="pt-BR" dirty="0" err="1"/>
+              <a:t>JavaScript</a:t>
+            </a:r>
+            <a:endParaRPr lang="pt-BR" dirty="0"/>
           </a:p>
         </p:txBody>
       </p:sp>
       <p:sp>
         <p:nvSpPr>
-          <p:cNvPr id="6" name="Espaço Reservado para Conteúdo 5">
+          <p:cNvPr id="11" name="Espaço Reservado para Conteúdo 4">
             <a:extLst>
               <a:ext uri="{FF2B5EF4-FFF2-40B4-BE49-F238E27FC236}">
-                <a16:creationId xmlns:a16="http://schemas.microsoft.com/office/drawing/2014/main" id="{CFE08FB5-91F2-4E56-A9DD-2CAE6FBE1A79}"/>
+                <a16:creationId xmlns:a16="http://schemas.microsoft.com/office/drawing/2014/main" id="{9B801084-DB15-4DA4-A74F-358B8CC0B066}"/>
               </a:ext>
             </a:extLst>
           </p:cNvPr>
-          <p:cNvSpPr>
-            <a:spLocks noGrp="1"/>
+          <p:cNvSpPr txBox="1">
+            <a:spLocks/>
           </p:cNvSpPr>
-          <p:nvPr>
-            <p:ph idx="1"/>
-          </p:nvPr>
+          <p:nvPr/>
         </p:nvSpPr>
-        <p:spPr/>
+        <p:spPr>
+          <a:xfrm>
+            <a:off x="592347" y="1844675"/>
+            <a:ext cx="11007306" cy="448573"/>
+          </a:xfrm>
+          <a:prstGeom prst="rect">
+            <a:avLst/>
+          </a:prstGeom>
+        </p:spPr>
         <p:txBody>
           <a:bodyPr/>
+          <a:lstStyle>
+            <a:lvl1pPr marL="0" indent="0" algn="just" defTabSz="914400" rtl="0" eaLnBrk="1" latinLnBrk="0" hangingPunct="1">
+              <a:lnSpc>
+                <a:spcPct val="150000"/>
+              </a:lnSpc>
+              <a:spcBef>
+                <a:spcPts val="1000"/>
+              </a:spcBef>
+              <a:buFont typeface="Arial" panose="020B0604020202020204" pitchFamily="34" charset="0"/>
+              <a:buNone/>
+              <a:defRPr sz="2000" kern="1200">
+                <a:solidFill>
+                  <a:schemeClr val="tx1"/>
+                </a:solidFill>
+                <a:latin typeface="Times New Roman" panose="02020603050405020304" pitchFamily="18" charset="0"/>
+                <a:ea typeface="+mn-ea"/>
+                <a:cs typeface="Times New Roman" panose="02020603050405020304" pitchFamily="18" charset="0"/>
+              </a:defRPr>
+            </a:lvl1pPr>
+            <a:lvl2pPr marL="685800" indent="-228600" algn="l" defTabSz="914400" rtl="0" eaLnBrk="1" latinLnBrk="0" hangingPunct="1">
+              <a:lnSpc>
+                <a:spcPct val="150000"/>
+              </a:lnSpc>
+              <a:spcBef>
+                <a:spcPts val="500"/>
+              </a:spcBef>
+              <a:buFont typeface="Arial" panose="020B0604020202020204" pitchFamily="34" charset="0"/>
+              <a:buChar char="•"/>
+              <a:defRPr sz="1600" kern="1200">
+                <a:solidFill>
+                  <a:schemeClr val="tx1"/>
+                </a:solidFill>
+                <a:latin typeface="Times New Roman" panose="02020603050405020304" pitchFamily="18" charset="0"/>
+                <a:ea typeface="+mn-ea"/>
+                <a:cs typeface="Times New Roman" panose="02020603050405020304" pitchFamily="18" charset="0"/>
+              </a:defRPr>
+            </a:lvl2pPr>
+            <a:lvl3pPr marL="1143000" indent="-228600" algn="l" defTabSz="914400" rtl="0" eaLnBrk="1" latinLnBrk="0" hangingPunct="1">
+              <a:lnSpc>
+                <a:spcPct val="150000"/>
+              </a:lnSpc>
+              <a:spcBef>
+                <a:spcPts val="500"/>
+              </a:spcBef>
+              <a:buFont typeface="Arial" panose="020B0604020202020204" pitchFamily="34" charset="0"/>
+              <a:buChar char="•"/>
+              <a:defRPr sz="1400" kern="1200">
+                <a:solidFill>
+                  <a:schemeClr val="tx1"/>
+                </a:solidFill>
+                <a:latin typeface="Times New Roman" panose="02020603050405020304" pitchFamily="18" charset="0"/>
+                <a:ea typeface="+mn-ea"/>
+                <a:cs typeface="Times New Roman" panose="02020603050405020304" pitchFamily="18" charset="0"/>
+              </a:defRPr>
+            </a:lvl3pPr>
+            <a:lvl4pPr marL="1600200" indent="-228600" algn="l" defTabSz="914400" rtl="0" eaLnBrk="1" latinLnBrk="0" hangingPunct="1">
+              <a:lnSpc>
+                <a:spcPct val="150000"/>
+              </a:lnSpc>
+              <a:spcBef>
+                <a:spcPts val="500"/>
+              </a:spcBef>
+              <a:buFont typeface="Arial" panose="020B0604020202020204" pitchFamily="34" charset="0"/>
+              <a:buChar char="•"/>
+              <a:defRPr sz="1200" kern="1200">
+                <a:solidFill>
+                  <a:schemeClr val="tx1"/>
+                </a:solidFill>
+                <a:latin typeface="Times New Roman" panose="02020603050405020304" pitchFamily="18" charset="0"/>
+                <a:ea typeface="+mn-ea"/>
+                <a:cs typeface="Times New Roman" panose="02020603050405020304" pitchFamily="18" charset="0"/>
+              </a:defRPr>
+            </a:lvl4pPr>
+            <a:lvl5pPr marL="2057400" indent="-228600" algn="l" defTabSz="914400" rtl="0" eaLnBrk="1" latinLnBrk="0" hangingPunct="1">
+              <a:lnSpc>
+                <a:spcPct val="150000"/>
+              </a:lnSpc>
+              <a:spcBef>
+                <a:spcPts val="500"/>
+              </a:spcBef>
+              <a:buFont typeface="Arial" panose="020B0604020202020204" pitchFamily="34" charset="0"/>
+              <a:buChar char="•"/>
+              <a:defRPr sz="1000" kern="1200">
+                <a:solidFill>
+                  <a:schemeClr val="tx1"/>
+                </a:solidFill>
+                <a:latin typeface="Times New Roman" panose="02020603050405020304" pitchFamily="18" charset="0"/>
+                <a:ea typeface="+mn-ea"/>
+                <a:cs typeface="Times New Roman" panose="02020603050405020304" pitchFamily="18" charset="0"/>
+              </a:defRPr>
+            </a:lvl5pPr>
+            <a:lvl6pPr marL="2514600" indent="-228600" algn="l" defTabSz="914400" rtl="0" eaLnBrk="1" latinLnBrk="0" hangingPunct="1">
+              <a:lnSpc>
+                <a:spcPct val="90000"/>
+              </a:lnSpc>
+              <a:spcBef>
+                <a:spcPts val="500"/>
+              </a:spcBef>
+              <a:buFont typeface="Arial" panose="020B0604020202020204" pitchFamily="34" charset="0"/>
+              <a:buChar char="•"/>
+              <a:defRPr sz="1800" kern="1200">
+                <a:solidFill>
+                  <a:schemeClr val="tx1"/>
+                </a:solidFill>
+                <a:latin typeface="+mn-lt"/>
+                <a:ea typeface="+mn-ea"/>
+                <a:cs typeface="+mn-cs"/>
+              </a:defRPr>
+            </a:lvl6pPr>
+            <a:lvl7pPr marL="2971800" indent="-228600" algn="l" defTabSz="914400" rtl="0" eaLnBrk="1" latinLnBrk="0" hangingPunct="1">
+              <a:lnSpc>
+                <a:spcPct val="90000"/>
+              </a:lnSpc>
+              <a:spcBef>
+                <a:spcPts val="500"/>
+              </a:spcBef>
+              <a:buFont typeface="Arial" panose="020B0604020202020204" pitchFamily="34" charset="0"/>
+              <a:buChar char="•"/>
+              <a:defRPr sz="1800" kern="1200">
+                <a:solidFill>
+                  <a:schemeClr val="tx1"/>
+                </a:solidFill>
+                <a:latin typeface="+mn-lt"/>
+                <a:ea typeface="+mn-ea"/>
+                <a:cs typeface="+mn-cs"/>
+              </a:defRPr>
+            </a:lvl7pPr>
+            <a:lvl8pPr marL="3429000" indent="-228600" algn="l" defTabSz="914400" rtl="0" eaLnBrk="1" latinLnBrk="0" hangingPunct="1">
+              <a:lnSpc>
+                <a:spcPct val="90000"/>
+              </a:lnSpc>
+              <a:spcBef>
+                <a:spcPts val="500"/>
+              </a:spcBef>
+              <a:buFont typeface="Arial" panose="020B0604020202020204" pitchFamily="34" charset="0"/>
+              <a:buChar char="•"/>
+              <a:defRPr sz="1800" kern="1200">
+                <a:solidFill>
+                  <a:schemeClr val="tx1"/>
+                </a:solidFill>
+                <a:latin typeface="+mn-lt"/>
+                <a:ea typeface="+mn-ea"/>
+                <a:cs typeface="+mn-cs"/>
+              </a:defRPr>
+            </a:lvl8pPr>
+            <a:lvl9pPr marL="3886200" indent="-228600" algn="l" defTabSz="914400" rtl="0" eaLnBrk="1" latinLnBrk="0" hangingPunct="1">
+              <a:lnSpc>
+                <a:spcPct val="90000"/>
+              </a:lnSpc>
+              <a:spcBef>
+                <a:spcPts val="500"/>
+              </a:spcBef>
+              <a:buFont typeface="Arial" panose="020B0604020202020204" pitchFamily="34" charset="0"/>
+              <a:buChar char="•"/>
+              <a:defRPr sz="1800" kern="1200">
+                <a:solidFill>
+                  <a:schemeClr val="tx1"/>
+                </a:solidFill>
+                <a:latin typeface="+mn-lt"/>
+                <a:ea typeface="+mn-ea"/>
+                <a:cs typeface="+mn-cs"/>
+              </a:defRPr>
+            </a:lvl9pPr>
+          </a:lstStyle>
+          <a:p>
+            <a:pPr>
+              <a:lnSpc>
+                <a:spcPct val="100000"/>
+              </a:lnSpc>
+              <a:spcBef>
+                <a:spcPts val="0"/>
+              </a:spcBef>
+            </a:pPr>
+            <a:r>
+              <a:rPr lang="pt-BR" dirty="0"/>
+              <a:t>Modificando o texto de um elemento específico:</a:t>
+            </a:r>
+          </a:p>
+        </p:txBody>
+      </p:sp>
+      <p:sp>
+        <p:nvSpPr>
+          <p:cNvPr id="13" name="Espaço Reservado para Conteúdo 4">
+            <a:extLst>
+              <a:ext uri="{FF2B5EF4-FFF2-40B4-BE49-F238E27FC236}">
+                <a16:creationId xmlns:a16="http://schemas.microsoft.com/office/drawing/2014/main" id="{449C149F-A0FE-43E9-B07B-B5AB235DE6BA}"/>
+              </a:ext>
+            </a:extLst>
+          </p:cNvPr>
+          <p:cNvSpPr txBox="1">
+            <a:spLocks/>
+          </p:cNvSpPr>
+          <p:nvPr/>
+        </p:nvSpPr>
+        <p:spPr>
+          <a:xfrm>
+            <a:off x="592347" y="3390100"/>
+            <a:ext cx="11007306" cy="448573"/>
+          </a:xfrm>
+          <a:prstGeom prst="rect">
+            <a:avLst/>
+          </a:prstGeom>
+        </p:spPr>
+        <p:txBody>
+          <a:bodyPr/>
+          <a:lstStyle>
+            <a:lvl1pPr marL="0" indent="0" algn="just" defTabSz="914400" rtl="0" eaLnBrk="1" latinLnBrk="0" hangingPunct="1">
+              <a:lnSpc>
+                <a:spcPct val="150000"/>
+              </a:lnSpc>
+              <a:spcBef>
+                <a:spcPts val="1000"/>
+              </a:spcBef>
+              <a:buFont typeface="Arial" panose="020B0604020202020204" pitchFamily="34" charset="0"/>
+              <a:buNone/>
+              <a:defRPr sz="2000" kern="1200">
+                <a:solidFill>
+                  <a:schemeClr val="tx1"/>
+                </a:solidFill>
+                <a:latin typeface="Times New Roman" panose="02020603050405020304" pitchFamily="18" charset="0"/>
+                <a:ea typeface="+mn-ea"/>
+                <a:cs typeface="Times New Roman" panose="02020603050405020304" pitchFamily="18" charset="0"/>
+              </a:defRPr>
+            </a:lvl1pPr>
+            <a:lvl2pPr marL="685800" indent="-228600" algn="l" defTabSz="914400" rtl="0" eaLnBrk="1" latinLnBrk="0" hangingPunct="1">
+              <a:lnSpc>
+                <a:spcPct val="150000"/>
+              </a:lnSpc>
+              <a:spcBef>
+                <a:spcPts val="500"/>
+              </a:spcBef>
+              <a:buFont typeface="Arial" panose="020B0604020202020204" pitchFamily="34" charset="0"/>
+              <a:buChar char="•"/>
+              <a:defRPr sz="1600" kern="1200">
+                <a:solidFill>
+                  <a:schemeClr val="tx1"/>
+                </a:solidFill>
+                <a:latin typeface="Times New Roman" panose="02020603050405020304" pitchFamily="18" charset="0"/>
+                <a:ea typeface="+mn-ea"/>
+                <a:cs typeface="Times New Roman" panose="02020603050405020304" pitchFamily="18" charset="0"/>
+              </a:defRPr>
+            </a:lvl2pPr>
+            <a:lvl3pPr marL="1143000" indent="-228600" algn="l" defTabSz="914400" rtl="0" eaLnBrk="1" latinLnBrk="0" hangingPunct="1">
+              <a:lnSpc>
+                <a:spcPct val="150000"/>
+              </a:lnSpc>
+              <a:spcBef>
+                <a:spcPts val="500"/>
+              </a:spcBef>
+              <a:buFont typeface="Arial" panose="020B0604020202020204" pitchFamily="34" charset="0"/>
+              <a:buChar char="•"/>
+              <a:defRPr sz="1400" kern="1200">
+                <a:solidFill>
+                  <a:schemeClr val="tx1"/>
+                </a:solidFill>
+                <a:latin typeface="Times New Roman" panose="02020603050405020304" pitchFamily="18" charset="0"/>
+                <a:ea typeface="+mn-ea"/>
+                <a:cs typeface="Times New Roman" panose="02020603050405020304" pitchFamily="18" charset="0"/>
+              </a:defRPr>
+            </a:lvl3pPr>
+            <a:lvl4pPr marL="1600200" indent="-228600" algn="l" defTabSz="914400" rtl="0" eaLnBrk="1" latinLnBrk="0" hangingPunct="1">
+              <a:lnSpc>
+                <a:spcPct val="150000"/>
+              </a:lnSpc>
+              <a:spcBef>
+                <a:spcPts val="500"/>
+              </a:spcBef>
+              <a:buFont typeface="Arial" panose="020B0604020202020204" pitchFamily="34" charset="0"/>
+              <a:buChar char="•"/>
+              <a:defRPr sz="1200" kern="1200">
+                <a:solidFill>
+                  <a:schemeClr val="tx1"/>
+                </a:solidFill>
+                <a:latin typeface="Times New Roman" panose="02020603050405020304" pitchFamily="18" charset="0"/>
+                <a:ea typeface="+mn-ea"/>
+                <a:cs typeface="Times New Roman" panose="02020603050405020304" pitchFamily="18" charset="0"/>
+              </a:defRPr>
+            </a:lvl4pPr>
+            <a:lvl5pPr marL="2057400" indent="-228600" algn="l" defTabSz="914400" rtl="0" eaLnBrk="1" latinLnBrk="0" hangingPunct="1">
+              <a:lnSpc>
+                <a:spcPct val="150000"/>
+              </a:lnSpc>
+              <a:spcBef>
+                <a:spcPts val="500"/>
+              </a:spcBef>
+              <a:buFont typeface="Arial" panose="020B0604020202020204" pitchFamily="34" charset="0"/>
+              <a:buChar char="•"/>
+              <a:defRPr sz="1000" kern="1200">
+                <a:solidFill>
+                  <a:schemeClr val="tx1"/>
+                </a:solidFill>
+                <a:latin typeface="Times New Roman" panose="02020603050405020304" pitchFamily="18" charset="0"/>
+                <a:ea typeface="+mn-ea"/>
+                <a:cs typeface="Times New Roman" panose="02020603050405020304" pitchFamily="18" charset="0"/>
+              </a:defRPr>
+            </a:lvl5pPr>
+            <a:lvl6pPr marL="2514600" indent="-228600" algn="l" defTabSz="914400" rtl="0" eaLnBrk="1" latinLnBrk="0" hangingPunct="1">
+              <a:lnSpc>
+                <a:spcPct val="90000"/>
+              </a:lnSpc>
+              <a:spcBef>
+                <a:spcPts val="500"/>
+              </a:spcBef>
+              <a:buFont typeface="Arial" panose="020B0604020202020204" pitchFamily="34" charset="0"/>
+              <a:buChar char="•"/>
+              <a:defRPr sz="1800" kern="1200">
+                <a:solidFill>
+                  <a:schemeClr val="tx1"/>
+                </a:solidFill>
+                <a:latin typeface="+mn-lt"/>
+                <a:ea typeface="+mn-ea"/>
+                <a:cs typeface="+mn-cs"/>
+              </a:defRPr>
+            </a:lvl6pPr>
+            <a:lvl7pPr marL="2971800" indent="-228600" algn="l" defTabSz="914400" rtl="0" eaLnBrk="1" latinLnBrk="0" hangingPunct="1">
+              <a:lnSpc>
+                <a:spcPct val="90000"/>
+              </a:lnSpc>
+              <a:spcBef>
+                <a:spcPts val="500"/>
+              </a:spcBef>
+              <a:buFont typeface="Arial" panose="020B0604020202020204" pitchFamily="34" charset="0"/>
+              <a:buChar char="•"/>
+              <a:defRPr sz="1800" kern="1200">
+                <a:solidFill>
+                  <a:schemeClr val="tx1"/>
+                </a:solidFill>
+                <a:latin typeface="+mn-lt"/>
+                <a:ea typeface="+mn-ea"/>
+                <a:cs typeface="+mn-cs"/>
+              </a:defRPr>
+            </a:lvl7pPr>
+            <a:lvl8pPr marL="3429000" indent="-228600" algn="l" defTabSz="914400" rtl="0" eaLnBrk="1" latinLnBrk="0" hangingPunct="1">
+              <a:lnSpc>
+                <a:spcPct val="90000"/>
+              </a:lnSpc>
+              <a:spcBef>
+                <a:spcPts val="500"/>
+              </a:spcBef>
+              <a:buFont typeface="Arial" panose="020B0604020202020204" pitchFamily="34" charset="0"/>
+              <a:buChar char="•"/>
+              <a:defRPr sz="1800" kern="1200">
+                <a:solidFill>
+                  <a:schemeClr val="tx1"/>
+                </a:solidFill>
+                <a:latin typeface="+mn-lt"/>
+                <a:ea typeface="+mn-ea"/>
+                <a:cs typeface="+mn-cs"/>
+              </a:defRPr>
+            </a:lvl8pPr>
+            <a:lvl9pPr marL="3886200" indent="-228600" algn="l" defTabSz="914400" rtl="0" eaLnBrk="1" latinLnBrk="0" hangingPunct="1">
+              <a:lnSpc>
+                <a:spcPct val="90000"/>
+              </a:lnSpc>
+              <a:spcBef>
+                <a:spcPts val="500"/>
+              </a:spcBef>
+              <a:buFont typeface="Arial" panose="020B0604020202020204" pitchFamily="34" charset="0"/>
+              <a:buChar char="•"/>
+              <a:defRPr sz="1800" kern="1200">
+                <a:solidFill>
+                  <a:schemeClr val="tx1"/>
+                </a:solidFill>
+                <a:latin typeface="+mn-lt"/>
+                <a:ea typeface="+mn-ea"/>
+                <a:cs typeface="+mn-cs"/>
+              </a:defRPr>
+            </a:lvl9pPr>
+          </a:lstStyle>
+          <a:p>
+            <a:pPr>
+              <a:lnSpc>
+                <a:spcPct val="100000"/>
+              </a:lnSpc>
+              <a:spcBef>
+                <a:spcPts val="0"/>
+              </a:spcBef>
+            </a:pPr>
+            <a:r>
+              <a:rPr lang="pt-BR" dirty="0"/>
+              <a:t>Criando um novo elemento: </a:t>
+            </a:r>
+          </a:p>
+        </p:txBody>
+      </p:sp>
+      <p:sp>
+        <p:nvSpPr>
+          <p:cNvPr id="15" name="Retângulo 14">
+            <a:extLst>
+              <a:ext uri="{FF2B5EF4-FFF2-40B4-BE49-F238E27FC236}">
+                <a16:creationId xmlns:a16="http://schemas.microsoft.com/office/drawing/2014/main" id="{37180392-6ED9-4ED0-80A3-1EF7C11C44D6}"/>
+              </a:ext>
+            </a:extLst>
+          </p:cNvPr>
+          <p:cNvSpPr/>
+          <p:nvPr/>
+        </p:nvSpPr>
+        <p:spPr>
+          <a:xfrm>
+            <a:off x="2128935" y="4202433"/>
+            <a:ext cx="7934131" cy="369332"/>
+          </a:xfrm>
+          <a:prstGeom prst="rect">
+            <a:avLst/>
+          </a:prstGeom>
+        </p:spPr>
+        <p:txBody>
+          <a:bodyPr wrap="square">
+            <a:spAutoFit/>
+          </a:bodyPr>
           <a:lstStyle/>
           <a:p>
             <a:r>
-              <a:rPr lang="pt-BR" dirty="0" err="1"/>
-              <a:t>TagName</a:t>
-            </a:r>
+              <a:rPr lang="pt-BR" dirty="0" err="1">
+                <a:solidFill>
+                  <a:srgbClr val="000000"/>
+                </a:solidFill>
+                <a:latin typeface="Consolas" panose="020B0609020204030204" pitchFamily="49" charset="0"/>
+              </a:rPr>
+              <a:t>window.document.body.innerHTML</a:t>
+            </a:r>
+            <a:r>
+              <a:rPr lang="pt-BR" dirty="0">
+                <a:solidFill>
+                  <a:srgbClr val="000000"/>
+                </a:solidFill>
+                <a:latin typeface="Consolas" panose="020B0609020204030204" pitchFamily="49" charset="0"/>
+              </a:rPr>
+              <a:t> += </a:t>
+            </a:r>
+            <a:r>
+              <a:rPr lang="pt-BR" dirty="0">
+                <a:solidFill>
+                  <a:srgbClr val="A31515"/>
+                </a:solidFill>
+                <a:latin typeface="Consolas" panose="020B0609020204030204" pitchFamily="49" charset="0"/>
+              </a:rPr>
+              <a:t>"&lt;h1&gt;Título da Página&lt;/h1&gt;"</a:t>
+            </a:r>
+            <a:endParaRPr lang="pt-BR" dirty="0">
+              <a:solidFill>
+                <a:srgbClr val="000000"/>
+              </a:solidFill>
+              <a:latin typeface="Consolas" panose="020B0609020204030204" pitchFamily="49" charset="0"/>
+            </a:endParaRPr>
+          </a:p>
+        </p:txBody>
+      </p:sp>
+      <p:sp>
+        <p:nvSpPr>
+          <p:cNvPr id="16" name="Retângulo 15">
+            <a:extLst>
+              <a:ext uri="{FF2B5EF4-FFF2-40B4-BE49-F238E27FC236}">
+                <a16:creationId xmlns:a16="http://schemas.microsoft.com/office/drawing/2014/main" id="{8446687A-D036-4481-AB99-32F4745FFD6D}"/>
+              </a:ext>
+            </a:extLst>
+          </p:cNvPr>
+          <p:cNvSpPr/>
+          <p:nvPr/>
+        </p:nvSpPr>
+        <p:spPr>
+          <a:xfrm>
+            <a:off x="1359160" y="2657008"/>
+            <a:ext cx="9473681" cy="369332"/>
+          </a:xfrm>
+          <a:prstGeom prst="rect">
+            <a:avLst/>
+          </a:prstGeom>
+        </p:spPr>
+        <p:txBody>
+          <a:bodyPr wrap="square">
+            <a:spAutoFit/>
+          </a:bodyPr>
+          <a:lstStyle/>
+          <a:p>
+            <a:r>
+              <a:rPr lang="pt-BR" dirty="0" err="1">
+                <a:solidFill>
+                  <a:srgbClr val="000000"/>
+                </a:solidFill>
+                <a:latin typeface="Consolas" panose="020B0609020204030204" pitchFamily="49" charset="0"/>
+              </a:rPr>
+              <a:t>window.document.getElementsByTagName</a:t>
+            </a:r>
+            <a:r>
+              <a:rPr lang="pt-BR" dirty="0">
+                <a:solidFill>
+                  <a:srgbClr val="000000"/>
+                </a:solidFill>
+                <a:latin typeface="Consolas" panose="020B0609020204030204" pitchFamily="49" charset="0"/>
+              </a:rPr>
+              <a:t>(</a:t>
+            </a:r>
+            <a:r>
+              <a:rPr lang="pt-BR" dirty="0">
+                <a:solidFill>
+                  <a:srgbClr val="A31515"/>
+                </a:solidFill>
+                <a:latin typeface="Consolas" panose="020B0609020204030204" pitchFamily="49" charset="0"/>
+              </a:rPr>
+              <a:t>"</a:t>
+            </a:r>
+            <a:r>
+              <a:rPr lang="pt-BR" dirty="0" err="1">
+                <a:solidFill>
+                  <a:srgbClr val="A31515"/>
+                </a:solidFill>
+                <a:latin typeface="Consolas" panose="020B0609020204030204" pitchFamily="49" charset="0"/>
+              </a:rPr>
+              <a:t>div</a:t>
+            </a:r>
+            <a:r>
+              <a:rPr lang="pt-BR" dirty="0">
+                <a:solidFill>
+                  <a:srgbClr val="A31515"/>
+                </a:solidFill>
+                <a:latin typeface="Consolas" panose="020B0609020204030204" pitchFamily="49" charset="0"/>
+              </a:rPr>
+              <a:t>"</a:t>
+            </a:r>
+            <a:r>
+              <a:rPr lang="pt-BR" dirty="0">
+                <a:solidFill>
+                  <a:srgbClr val="000000"/>
+                </a:solidFill>
+                <a:latin typeface="Consolas" panose="020B0609020204030204" pitchFamily="49" charset="0"/>
+              </a:rPr>
+              <a:t>)[</a:t>
+            </a:r>
+            <a:r>
+              <a:rPr lang="pt-BR" dirty="0">
+                <a:solidFill>
+                  <a:srgbClr val="098658"/>
+                </a:solidFill>
+                <a:latin typeface="Consolas" panose="020B0609020204030204" pitchFamily="49" charset="0"/>
+              </a:rPr>
+              <a:t>0</a:t>
+            </a:r>
+            <a:r>
+              <a:rPr lang="pt-BR" dirty="0">
+                <a:solidFill>
+                  <a:srgbClr val="000000"/>
+                </a:solidFill>
+                <a:latin typeface="Consolas" panose="020B0609020204030204" pitchFamily="49" charset="0"/>
+              </a:rPr>
+              <a:t>].</a:t>
+            </a:r>
+            <a:r>
+              <a:rPr lang="pt-BR" dirty="0" err="1">
+                <a:solidFill>
+                  <a:srgbClr val="000000"/>
+                </a:solidFill>
+                <a:latin typeface="Consolas" panose="020B0609020204030204" pitchFamily="49" charset="0"/>
+              </a:rPr>
+              <a:t>innerHTML</a:t>
+            </a:r>
+            <a:r>
+              <a:rPr lang="pt-BR" dirty="0">
+                <a:solidFill>
+                  <a:srgbClr val="000000"/>
+                </a:solidFill>
+                <a:latin typeface="Consolas" panose="020B0609020204030204" pitchFamily="49" charset="0"/>
+              </a:rPr>
+              <a:t> = </a:t>
+            </a:r>
+            <a:r>
+              <a:rPr lang="pt-BR" dirty="0">
+                <a:solidFill>
+                  <a:srgbClr val="A31515"/>
+                </a:solidFill>
+                <a:latin typeface="Consolas" panose="020B0609020204030204" pitchFamily="49" charset="0"/>
+              </a:rPr>
+              <a:t>"Novo Título"</a:t>
+            </a:r>
+            <a:endParaRPr lang="pt-BR" dirty="0">
+              <a:solidFill>
+                <a:srgbClr val="000000"/>
+              </a:solidFill>
+              <a:latin typeface="Consolas" panose="020B0609020204030204" pitchFamily="49" charset="0"/>
+            </a:endParaRPr>
+          </a:p>
+        </p:txBody>
+      </p:sp>
+      <p:sp>
+        <p:nvSpPr>
+          <p:cNvPr id="17" name="Retângulo 16">
+            <a:extLst>
+              <a:ext uri="{FF2B5EF4-FFF2-40B4-BE49-F238E27FC236}">
+                <a16:creationId xmlns:a16="http://schemas.microsoft.com/office/drawing/2014/main" id="{9D461E62-42E0-456E-9808-E6FA6FDB48B1}"/>
+              </a:ext>
+            </a:extLst>
+          </p:cNvPr>
+          <p:cNvSpPr/>
+          <p:nvPr/>
+        </p:nvSpPr>
+        <p:spPr>
+          <a:xfrm>
+            <a:off x="4214326" y="5747857"/>
+            <a:ext cx="3763347" cy="369332"/>
+          </a:xfrm>
+          <a:prstGeom prst="rect">
+            <a:avLst/>
+          </a:prstGeom>
+        </p:spPr>
+        <p:txBody>
+          <a:bodyPr wrap="square">
+            <a:spAutoFit/>
+          </a:bodyPr>
+          <a:lstStyle/>
+          <a:p>
+            <a:r>
+              <a:rPr lang="pt-BR" dirty="0" err="1">
+                <a:solidFill>
+                  <a:srgbClr val="000000"/>
+                </a:solidFill>
+                <a:latin typeface="Consolas" panose="020B0609020204030204" pitchFamily="49" charset="0"/>
+              </a:rPr>
+              <a:t>window.alert</a:t>
+            </a:r>
+            <a:r>
+              <a:rPr lang="pt-BR" dirty="0">
+                <a:solidFill>
+                  <a:srgbClr val="000000"/>
+                </a:solidFill>
+                <a:latin typeface="Consolas" panose="020B0609020204030204" pitchFamily="49" charset="0"/>
+              </a:rPr>
+              <a:t>(</a:t>
+            </a:r>
+            <a:r>
+              <a:rPr lang="pt-BR" dirty="0">
+                <a:solidFill>
+                  <a:srgbClr val="A31515"/>
+                </a:solidFill>
+                <a:latin typeface="Consolas" panose="020B0609020204030204" pitchFamily="49" charset="0"/>
+              </a:rPr>
+              <a:t>"Olá, mundo!"</a:t>
+            </a:r>
+            <a:r>
+              <a:rPr lang="pt-BR" dirty="0">
+                <a:solidFill>
+                  <a:srgbClr val="000000"/>
+                </a:solidFill>
+                <a:latin typeface="Consolas" panose="020B0609020204030204" pitchFamily="49" charset="0"/>
+              </a:rPr>
+              <a:t>); </a:t>
+            </a:r>
+          </a:p>
+        </p:txBody>
+      </p:sp>
+      <p:sp>
+        <p:nvSpPr>
+          <p:cNvPr id="18" name="Espaço Reservado para Conteúdo 4">
+            <a:extLst>
+              <a:ext uri="{FF2B5EF4-FFF2-40B4-BE49-F238E27FC236}">
+                <a16:creationId xmlns:a16="http://schemas.microsoft.com/office/drawing/2014/main" id="{578E88AA-A1A4-4BF8-9192-0481EC81CF9B}"/>
+              </a:ext>
+            </a:extLst>
+          </p:cNvPr>
+          <p:cNvSpPr txBox="1">
+            <a:spLocks/>
+          </p:cNvSpPr>
+          <p:nvPr/>
+        </p:nvSpPr>
+        <p:spPr>
+          <a:xfrm>
+            <a:off x="592347" y="4935525"/>
+            <a:ext cx="11007306" cy="448573"/>
+          </a:xfrm>
+          <a:prstGeom prst="rect">
+            <a:avLst/>
+          </a:prstGeom>
+        </p:spPr>
+        <p:txBody>
+          <a:bodyPr/>
+          <a:lstStyle>
+            <a:lvl1pPr marL="0" indent="0" algn="just" defTabSz="914400" rtl="0" eaLnBrk="1" latinLnBrk="0" hangingPunct="1">
+              <a:lnSpc>
+                <a:spcPct val="150000"/>
+              </a:lnSpc>
+              <a:spcBef>
+                <a:spcPts val="1000"/>
+              </a:spcBef>
+              <a:buFont typeface="Arial" panose="020B0604020202020204" pitchFamily="34" charset="0"/>
+              <a:buNone/>
+              <a:defRPr sz="2000" kern="1200">
+                <a:solidFill>
+                  <a:schemeClr val="tx1"/>
+                </a:solidFill>
+                <a:latin typeface="Times New Roman" panose="02020603050405020304" pitchFamily="18" charset="0"/>
+                <a:ea typeface="+mn-ea"/>
+                <a:cs typeface="Times New Roman" panose="02020603050405020304" pitchFamily="18" charset="0"/>
+              </a:defRPr>
+            </a:lvl1pPr>
+            <a:lvl2pPr marL="685800" indent="-228600" algn="l" defTabSz="914400" rtl="0" eaLnBrk="1" latinLnBrk="0" hangingPunct="1">
+              <a:lnSpc>
+                <a:spcPct val="150000"/>
+              </a:lnSpc>
+              <a:spcBef>
+                <a:spcPts val="500"/>
+              </a:spcBef>
+              <a:buFont typeface="Arial" panose="020B0604020202020204" pitchFamily="34" charset="0"/>
+              <a:buChar char="•"/>
+              <a:defRPr sz="1600" kern="1200">
+                <a:solidFill>
+                  <a:schemeClr val="tx1"/>
+                </a:solidFill>
+                <a:latin typeface="Times New Roman" panose="02020603050405020304" pitchFamily="18" charset="0"/>
+                <a:ea typeface="+mn-ea"/>
+                <a:cs typeface="Times New Roman" panose="02020603050405020304" pitchFamily="18" charset="0"/>
+              </a:defRPr>
+            </a:lvl2pPr>
+            <a:lvl3pPr marL="1143000" indent="-228600" algn="l" defTabSz="914400" rtl="0" eaLnBrk="1" latinLnBrk="0" hangingPunct="1">
+              <a:lnSpc>
+                <a:spcPct val="150000"/>
+              </a:lnSpc>
+              <a:spcBef>
+                <a:spcPts val="500"/>
+              </a:spcBef>
+              <a:buFont typeface="Arial" panose="020B0604020202020204" pitchFamily="34" charset="0"/>
+              <a:buChar char="•"/>
+              <a:defRPr sz="1400" kern="1200">
+                <a:solidFill>
+                  <a:schemeClr val="tx1"/>
+                </a:solidFill>
+                <a:latin typeface="Times New Roman" panose="02020603050405020304" pitchFamily="18" charset="0"/>
+                <a:ea typeface="+mn-ea"/>
+                <a:cs typeface="Times New Roman" panose="02020603050405020304" pitchFamily="18" charset="0"/>
+              </a:defRPr>
+            </a:lvl3pPr>
+            <a:lvl4pPr marL="1600200" indent="-228600" algn="l" defTabSz="914400" rtl="0" eaLnBrk="1" latinLnBrk="0" hangingPunct="1">
+              <a:lnSpc>
+                <a:spcPct val="150000"/>
+              </a:lnSpc>
+              <a:spcBef>
+                <a:spcPts val="500"/>
+              </a:spcBef>
+              <a:buFont typeface="Arial" panose="020B0604020202020204" pitchFamily="34" charset="0"/>
+              <a:buChar char="•"/>
+              <a:defRPr sz="1200" kern="1200">
+                <a:solidFill>
+                  <a:schemeClr val="tx1"/>
+                </a:solidFill>
+                <a:latin typeface="Times New Roman" panose="02020603050405020304" pitchFamily="18" charset="0"/>
+                <a:ea typeface="+mn-ea"/>
+                <a:cs typeface="Times New Roman" panose="02020603050405020304" pitchFamily="18" charset="0"/>
+              </a:defRPr>
+            </a:lvl4pPr>
+            <a:lvl5pPr marL="2057400" indent="-228600" algn="l" defTabSz="914400" rtl="0" eaLnBrk="1" latinLnBrk="0" hangingPunct="1">
+              <a:lnSpc>
+                <a:spcPct val="150000"/>
+              </a:lnSpc>
+              <a:spcBef>
+                <a:spcPts val="500"/>
+              </a:spcBef>
+              <a:buFont typeface="Arial" panose="020B0604020202020204" pitchFamily="34" charset="0"/>
+              <a:buChar char="•"/>
+              <a:defRPr sz="1000" kern="1200">
+                <a:solidFill>
+                  <a:schemeClr val="tx1"/>
+                </a:solidFill>
+                <a:latin typeface="Times New Roman" panose="02020603050405020304" pitchFamily="18" charset="0"/>
+                <a:ea typeface="+mn-ea"/>
+                <a:cs typeface="Times New Roman" panose="02020603050405020304" pitchFamily="18" charset="0"/>
+              </a:defRPr>
+            </a:lvl5pPr>
+            <a:lvl6pPr marL="2514600" indent="-228600" algn="l" defTabSz="914400" rtl="0" eaLnBrk="1" latinLnBrk="0" hangingPunct="1">
+              <a:lnSpc>
+                <a:spcPct val="90000"/>
+              </a:lnSpc>
+              <a:spcBef>
+                <a:spcPts val="500"/>
+              </a:spcBef>
+              <a:buFont typeface="Arial" panose="020B0604020202020204" pitchFamily="34" charset="0"/>
+              <a:buChar char="•"/>
+              <a:defRPr sz="1800" kern="1200">
+                <a:solidFill>
+                  <a:schemeClr val="tx1"/>
+                </a:solidFill>
+                <a:latin typeface="+mn-lt"/>
+                <a:ea typeface="+mn-ea"/>
+                <a:cs typeface="+mn-cs"/>
+              </a:defRPr>
+            </a:lvl6pPr>
+            <a:lvl7pPr marL="2971800" indent="-228600" algn="l" defTabSz="914400" rtl="0" eaLnBrk="1" latinLnBrk="0" hangingPunct="1">
+              <a:lnSpc>
+                <a:spcPct val="90000"/>
+              </a:lnSpc>
+              <a:spcBef>
+                <a:spcPts val="500"/>
+              </a:spcBef>
+              <a:buFont typeface="Arial" panose="020B0604020202020204" pitchFamily="34" charset="0"/>
+              <a:buChar char="•"/>
+              <a:defRPr sz="1800" kern="1200">
+                <a:solidFill>
+                  <a:schemeClr val="tx1"/>
+                </a:solidFill>
+                <a:latin typeface="+mn-lt"/>
+                <a:ea typeface="+mn-ea"/>
+                <a:cs typeface="+mn-cs"/>
+              </a:defRPr>
+            </a:lvl7pPr>
+            <a:lvl8pPr marL="3429000" indent="-228600" algn="l" defTabSz="914400" rtl="0" eaLnBrk="1" latinLnBrk="0" hangingPunct="1">
+              <a:lnSpc>
+                <a:spcPct val="90000"/>
+              </a:lnSpc>
+              <a:spcBef>
+                <a:spcPts val="500"/>
+              </a:spcBef>
+              <a:buFont typeface="Arial" panose="020B0604020202020204" pitchFamily="34" charset="0"/>
+              <a:buChar char="•"/>
+              <a:defRPr sz="1800" kern="1200">
+                <a:solidFill>
+                  <a:schemeClr val="tx1"/>
+                </a:solidFill>
+                <a:latin typeface="+mn-lt"/>
+                <a:ea typeface="+mn-ea"/>
+                <a:cs typeface="+mn-cs"/>
+              </a:defRPr>
+            </a:lvl8pPr>
+            <a:lvl9pPr marL="3886200" indent="-228600" algn="l" defTabSz="914400" rtl="0" eaLnBrk="1" latinLnBrk="0" hangingPunct="1">
+              <a:lnSpc>
+                <a:spcPct val="90000"/>
+              </a:lnSpc>
+              <a:spcBef>
+                <a:spcPts val="500"/>
+              </a:spcBef>
+              <a:buFont typeface="Arial" panose="020B0604020202020204" pitchFamily="34" charset="0"/>
+              <a:buChar char="•"/>
+              <a:defRPr sz="1800" kern="1200">
+                <a:solidFill>
+                  <a:schemeClr val="tx1"/>
+                </a:solidFill>
+                <a:latin typeface="+mn-lt"/>
+                <a:ea typeface="+mn-ea"/>
+                <a:cs typeface="+mn-cs"/>
+              </a:defRPr>
+            </a:lvl9pPr>
+          </a:lstStyle>
+          <a:p>
+            <a:pPr>
+              <a:lnSpc>
+                <a:spcPct val="100000"/>
+              </a:lnSpc>
+              <a:spcBef>
+                <a:spcPts val="0"/>
+              </a:spcBef>
+            </a:pPr>
             <a:r>
               <a:rPr lang="pt-BR" dirty="0"/>
-              <a:t> – Seleciona a partir da TAG </a:t>
-            </a:r>
-            <a:r>
-              <a:rPr lang="pt-BR" dirty="0" err="1"/>
-              <a:t>html</a:t>
-            </a:r>
-            <a:r>
-              <a:rPr lang="pt-BR" dirty="0"/>
-              <a:t>.</a:t>
-            </a:r>
-          </a:p>
-          <a:p>
-            <a:r>
-              <a:rPr lang="pt-BR" dirty="0"/>
-              <a:t>	</a:t>
-            </a:r>
-            <a:r>
-              <a:rPr lang="pt-BR" dirty="0" err="1"/>
-              <a:t>getElementsByTagName</a:t>
-            </a:r>
-            <a:r>
-              <a:rPr lang="pt-BR" dirty="0"/>
-              <a:t>(“</a:t>
-            </a:r>
-            <a:r>
-              <a:rPr lang="pt-BR" dirty="0" err="1"/>
-              <a:t>tag</a:t>
-            </a:r>
-            <a:r>
-              <a:rPr lang="pt-BR" dirty="0"/>
-              <a:t>”)</a:t>
-            </a:r>
-          </a:p>
-          <a:p>
-            <a:r>
-              <a:rPr lang="pt-BR" dirty="0"/>
-              <a:t>ID – Seleciona a partir do ID da </a:t>
-            </a:r>
-            <a:r>
-              <a:rPr lang="pt-BR" dirty="0" err="1"/>
-              <a:t>tag</a:t>
-            </a:r>
-            <a:r>
-              <a:rPr lang="pt-BR" dirty="0"/>
-              <a:t> </a:t>
-            </a:r>
-            <a:r>
-              <a:rPr lang="pt-BR" dirty="0" err="1"/>
-              <a:t>html</a:t>
-            </a:r>
-            <a:r>
-              <a:rPr lang="pt-BR" dirty="0"/>
-              <a:t>.</a:t>
-            </a:r>
-          </a:p>
-          <a:p>
-            <a:r>
-              <a:rPr lang="pt-BR" dirty="0"/>
-              <a:t>	 </a:t>
-            </a:r>
-            <a:r>
-              <a:rPr lang="pt-BR" dirty="0" err="1"/>
-              <a:t>getElementById</a:t>
-            </a:r>
-            <a:r>
-              <a:rPr lang="pt-BR" dirty="0"/>
-              <a:t>(“</a:t>
-            </a:r>
-            <a:r>
-              <a:rPr lang="pt-BR" dirty="0" err="1"/>
-              <a:t>nomeID</a:t>
-            </a:r>
-            <a:r>
-              <a:rPr lang="pt-BR" dirty="0"/>
-              <a:t>”)</a:t>
-            </a:r>
-          </a:p>
-          <a:p>
-            <a:r>
-              <a:rPr lang="pt-BR" dirty="0" err="1"/>
-              <a:t>ClassName</a:t>
-            </a:r>
-            <a:r>
-              <a:rPr lang="pt-BR" dirty="0"/>
-              <a:t> - Seleciona a partir da CLASSE da </a:t>
-            </a:r>
-            <a:r>
-              <a:rPr lang="pt-BR" dirty="0" err="1"/>
-              <a:t>tag</a:t>
-            </a:r>
-            <a:r>
-              <a:rPr lang="pt-BR" dirty="0"/>
-              <a:t> </a:t>
-            </a:r>
-            <a:r>
-              <a:rPr lang="pt-BR" dirty="0" err="1"/>
-              <a:t>html</a:t>
-            </a:r>
-            <a:r>
-              <a:rPr lang="pt-BR" dirty="0"/>
-              <a:t>.</a:t>
-            </a:r>
-          </a:p>
-          <a:p>
-            <a:r>
-              <a:rPr lang="pt-BR" dirty="0"/>
-              <a:t>	 </a:t>
-            </a:r>
-            <a:r>
-              <a:rPr lang="pt-BR" dirty="0" err="1"/>
-              <a:t>getElementsByClasseName</a:t>
-            </a:r>
-            <a:r>
-              <a:rPr lang="pt-BR" dirty="0"/>
-              <a:t>(“</a:t>
-            </a:r>
-            <a:r>
-              <a:rPr lang="pt-BR" dirty="0" err="1"/>
-              <a:t>nomeClasse</a:t>
-            </a:r>
-            <a:r>
-              <a:rPr lang="pt-BR" dirty="0"/>
-              <a:t>”)</a:t>
-            </a:r>
-          </a:p>
-          <a:p>
-            <a:endParaRPr lang="pt-BR" dirty="0"/>
+              <a:t>Exibindo um alerta na tela:</a:t>
+            </a:r>
           </a:p>
         </p:txBody>
       </p:sp>
     </p:spTree>
     <p:extLst>
       <p:ext uri="{BB962C8B-B14F-4D97-AF65-F5344CB8AC3E}">
-        <p14:creationId xmlns:p14="http://schemas.microsoft.com/office/powerpoint/2010/main" val="4175383160"/>
+        <p14:creationId xmlns:p14="http://schemas.microsoft.com/office/powerpoint/2010/main" val="4116688715"/>
       </p:ext>
     </p:extLst>
   </p:cSld>
@@ -5868,10 +7423,10 @@
       </p:grpSpPr>
       <p:sp>
         <p:nvSpPr>
-          <p:cNvPr id="2" name="Título 1">
+          <p:cNvPr id="4" name="Título 3">
             <a:extLst>
               <a:ext uri="{FF2B5EF4-FFF2-40B4-BE49-F238E27FC236}">
-                <a16:creationId xmlns:a16="http://schemas.microsoft.com/office/drawing/2014/main" id="{1639EE9C-287D-49A2-BECA-00396D303B36}"/>
+                <a16:creationId xmlns:a16="http://schemas.microsoft.com/office/drawing/2014/main" id="{778084C6-919C-488B-9EB1-4C5C2D017D1E}"/>
               </a:ext>
             </a:extLst>
           </p:cNvPr>
@@ -5884,184 +7439,731 @@
         </p:nvSpPr>
         <p:spPr/>
         <p:txBody>
-          <a:bodyPr>
-            <a:normAutofit fontScale="90000"/>
-          </a:bodyPr>
+          <a:bodyPr/>
           <a:lstStyle/>
           <a:p>
             <a:r>
-              <a:rPr lang="pt-BR" sz="3600" dirty="0"/>
-              <a:t>Selecionando elementos dentro de uma arvore dom</a:t>
-            </a:r>
+              <a:rPr lang="pt-BR" dirty="0"/>
+              <a:t>Manipulando Elementos HTML com </a:t>
+            </a:r>
+            <a:r>
+              <a:rPr lang="pt-BR" dirty="0" err="1"/>
+              <a:t>JavaScript</a:t>
+            </a:r>
+            <a:endParaRPr lang="pt-BR" dirty="0"/>
           </a:p>
         </p:txBody>
       </p:sp>
       <p:sp>
         <p:nvSpPr>
-          <p:cNvPr id="6" name="Espaço Reservado para Conteúdo 5">
+          <p:cNvPr id="6" name="Espaço Reservado para Conteúdo 4">
             <a:extLst>
               <a:ext uri="{FF2B5EF4-FFF2-40B4-BE49-F238E27FC236}">
-                <a16:creationId xmlns:a16="http://schemas.microsoft.com/office/drawing/2014/main" id="{6EAD307C-1F2C-4549-8E36-57BC09987024}"/>
+                <a16:creationId xmlns:a16="http://schemas.microsoft.com/office/drawing/2014/main" id="{E543AF74-AFAD-4631-9AC1-D35F2829FD58}"/>
               </a:ext>
             </a:extLst>
           </p:cNvPr>
-          <p:cNvSpPr>
-            <a:spLocks noGrp="1"/>
+          <p:cNvSpPr txBox="1">
+            <a:spLocks/>
           </p:cNvSpPr>
-          <p:nvPr>
-            <p:ph idx="1"/>
-          </p:nvPr>
+          <p:nvPr/>
         </p:nvSpPr>
         <p:spPr>
           <a:xfrm>
             <a:off x="592347" y="1844675"/>
-            <a:ext cx="11007306" cy="4351338"/>
+            <a:ext cx="11007306" cy="448573"/>
           </a:xfrm>
+          <a:prstGeom prst="rect">
+            <a:avLst/>
+          </a:prstGeom>
         </p:spPr>
         <p:txBody>
           <a:bodyPr/>
+          <a:lstStyle>
+            <a:lvl1pPr marL="0" indent="0" algn="just" defTabSz="914400" rtl="0" eaLnBrk="1" latinLnBrk="0" hangingPunct="1">
+              <a:lnSpc>
+                <a:spcPct val="150000"/>
+              </a:lnSpc>
+              <a:spcBef>
+                <a:spcPts val="1000"/>
+              </a:spcBef>
+              <a:buFont typeface="Arial" panose="020B0604020202020204" pitchFamily="34" charset="0"/>
+              <a:buNone/>
+              <a:defRPr sz="2000" kern="1200">
+                <a:solidFill>
+                  <a:schemeClr val="tx1"/>
+                </a:solidFill>
+                <a:latin typeface="Times New Roman" panose="02020603050405020304" pitchFamily="18" charset="0"/>
+                <a:ea typeface="+mn-ea"/>
+                <a:cs typeface="Times New Roman" panose="02020603050405020304" pitchFamily="18" charset="0"/>
+              </a:defRPr>
+            </a:lvl1pPr>
+            <a:lvl2pPr marL="685800" indent="-228600" algn="l" defTabSz="914400" rtl="0" eaLnBrk="1" latinLnBrk="0" hangingPunct="1">
+              <a:lnSpc>
+                <a:spcPct val="150000"/>
+              </a:lnSpc>
+              <a:spcBef>
+                <a:spcPts val="500"/>
+              </a:spcBef>
+              <a:buFont typeface="Arial" panose="020B0604020202020204" pitchFamily="34" charset="0"/>
+              <a:buChar char="•"/>
+              <a:defRPr sz="1600" kern="1200">
+                <a:solidFill>
+                  <a:schemeClr val="tx1"/>
+                </a:solidFill>
+                <a:latin typeface="Times New Roman" panose="02020603050405020304" pitchFamily="18" charset="0"/>
+                <a:ea typeface="+mn-ea"/>
+                <a:cs typeface="Times New Roman" panose="02020603050405020304" pitchFamily="18" charset="0"/>
+              </a:defRPr>
+            </a:lvl2pPr>
+            <a:lvl3pPr marL="1143000" indent="-228600" algn="l" defTabSz="914400" rtl="0" eaLnBrk="1" latinLnBrk="0" hangingPunct="1">
+              <a:lnSpc>
+                <a:spcPct val="150000"/>
+              </a:lnSpc>
+              <a:spcBef>
+                <a:spcPts val="500"/>
+              </a:spcBef>
+              <a:buFont typeface="Arial" panose="020B0604020202020204" pitchFamily="34" charset="0"/>
+              <a:buChar char="•"/>
+              <a:defRPr sz="1400" kern="1200">
+                <a:solidFill>
+                  <a:schemeClr val="tx1"/>
+                </a:solidFill>
+                <a:latin typeface="Times New Roman" panose="02020603050405020304" pitchFamily="18" charset="0"/>
+                <a:ea typeface="+mn-ea"/>
+                <a:cs typeface="Times New Roman" panose="02020603050405020304" pitchFamily="18" charset="0"/>
+              </a:defRPr>
+            </a:lvl3pPr>
+            <a:lvl4pPr marL="1600200" indent="-228600" algn="l" defTabSz="914400" rtl="0" eaLnBrk="1" latinLnBrk="0" hangingPunct="1">
+              <a:lnSpc>
+                <a:spcPct val="150000"/>
+              </a:lnSpc>
+              <a:spcBef>
+                <a:spcPts val="500"/>
+              </a:spcBef>
+              <a:buFont typeface="Arial" panose="020B0604020202020204" pitchFamily="34" charset="0"/>
+              <a:buChar char="•"/>
+              <a:defRPr sz="1200" kern="1200">
+                <a:solidFill>
+                  <a:schemeClr val="tx1"/>
+                </a:solidFill>
+                <a:latin typeface="Times New Roman" panose="02020603050405020304" pitchFamily="18" charset="0"/>
+                <a:ea typeface="+mn-ea"/>
+                <a:cs typeface="Times New Roman" panose="02020603050405020304" pitchFamily="18" charset="0"/>
+              </a:defRPr>
+            </a:lvl4pPr>
+            <a:lvl5pPr marL="2057400" indent="-228600" algn="l" defTabSz="914400" rtl="0" eaLnBrk="1" latinLnBrk="0" hangingPunct="1">
+              <a:lnSpc>
+                <a:spcPct val="150000"/>
+              </a:lnSpc>
+              <a:spcBef>
+                <a:spcPts val="500"/>
+              </a:spcBef>
+              <a:buFont typeface="Arial" panose="020B0604020202020204" pitchFamily="34" charset="0"/>
+              <a:buChar char="•"/>
+              <a:defRPr sz="1000" kern="1200">
+                <a:solidFill>
+                  <a:schemeClr val="tx1"/>
+                </a:solidFill>
+                <a:latin typeface="Times New Roman" panose="02020603050405020304" pitchFamily="18" charset="0"/>
+                <a:ea typeface="+mn-ea"/>
+                <a:cs typeface="Times New Roman" panose="02020603050405020304" pitchFamily="18" charset="0"/>
+              </a:defRPr>
+            </a:lvl5pPr>
+            <a:lvl6pPr marL="2514600" indent="-228600" algn="l" defTabSz="914400" rtl="0" eaLnBrk="1" latinLnBrk="0" hangingPunct="1">
+              <a:lnSpc>
+                <a:spcPct val="90000"/>
+              </a:lnSpc>
+              <a:spcBef>
+                <a:spcPts val="500"/>
+              </a:spcBef>
+              <a:buFont typeface="Arial" panose="020B0604020202020204" pitchFamily="34" charset="0"/>
+              <a:buChar char="•"/>
+              <a:defRPr sz="1800" kern="1200">
+                <a:solidFill>
+                  <a:schemeClr val="tx1"/>
+                </a:solidFill>
+                <a:latin typeface="+mn-lt"/>
+                <a:ea typeface="+mn-ea"/>
+                <a:cs typeface="+mn-cs"/>
+              </a:defRPr>
+            </a:lvl6pPr>
+            <a:lvl7pPr marL="2971800" indent="-228600" algn="l" defTabSz="914400" rtl="0" eaLnBrk="1" latinLnBrk="0" hangingPunct="1">
+              <a:lnSpc>
+                <a:spcPct val="90000"/>
+              </a:lnSpc>
+              <a:spcBef>
+                <a:spcPts val="500"/>
+              </a:spcBef>
+              <a:buFont typeface="Arial" panose="020B0604020202020204" pitchFamily="34" charset="0"/>
+              <a:buChar char="•"/>
+              <a:defRPr sz="1800" kern="1200">
+                <a:solidFill>
+                  <a:schemeClr val="tx1"/>
+                </a:solidFill>
+                <a:latin typeface="+mn-lt"/>
+                <a:ea typeface="+mn-ea"/>
+                <a:cs typeface="+mn-cs"/>
+              </a:defRPr>
+            </a:lvl7pPr>
+            <a:lvl8pPr marL="3429000" indent="-228600" algn="l" defTabSz="914400" rtl="0" eaLnBrk="1" latinLnBrk="0" hangingPunct="1">
+              <a:lnSpc>
+                <a:spcPct val="90000"/>
+              </a:lnSpc>
+              <a:spcBef>
+                <a:spcPts val="500"/>
+              </a:spcBef>
+              <a:buFont typeface="Arial" panose="020B0604020202020204" pitchFamily="34" charset="0"/>
+              <a:buChar char="•"/>
+              <a:defRPr sz="1800" kern="1200">
+                <a:solidFill>
+                  <a:schemeClr val="tx1"/>
+                </a:solidFill>
+                <a:latin typeface="+mn-lt"/>
+                <a:ea typeface="+mn-ea"/>
+                <a:cs typeface="+mn-cs"/>
+              </a:defRPr>
+            </a:lvl8pPr>
+            <a:lvl9pPr marL="3886200" indent="-228600" algn="l" defTabSz="914400" rtl="0" eaLnBrk="1" latinLnBrk="0" hangingPunct="1">
+              <a:lnSpc>
+                <a:spcPct val="90000"/>
+              </a:lnSpc>
+              <a:spcBef>
+                <a:spcPts val="500"/>
+              </a:spcBef>
+              <a:buFont typeface="Arial" panose="020B0604020202020204" pitchFamily="34" charset="0"/>
+              <a:buChar char="•"/>
+              <a:defRPr sz="1800" kern="1200">
+                <a:solidFill>
+                  <a:schemeClr val="tx1"/>
+                </a:solidFill>
+                <a:latin typeface="+mn-lt"/>
+                <a:ea typeface="+mn-ea"/>
+                <a:cs typeface="+mn-cs"/>
+              </a:defRPr>
+            </a:lvl9pPr>
+          </a:lstStyle>
+          <a:p>
+            <a:pPr>
+              <a:lnSpc>
+                <a:spcPct val="100000"/>
+              </a:lnSpc>
+              <a:spcBef>
+                <a:spcPts val="0"/>
+              </a:spcBef>
+            </a:pPr>
+            <a:r>
+              <a:rPr lang="pt-BR" dirty="0"/>
+              <a:t>Exibindo uma caixa de confirmação com "OK" e "Cancelar":</a:t>
+            </a:r>
+          </a:p>
+        </p:txBody>
+      </p:sp>
+      <p:sp>
+        <p:nvSpPr>
+          <p:cNvPr id="7" name="Espaço Reservado para Conteúdo 4">
+            <a:extLst>
+              <a:ext uri="{FF2B5EF4-FFF2-40B4-BE49-F238E27FC236}">
+                <a16:creationId xmlns:a16="http://schemas.microsoft.com/office/drawing/2014/main" id="{43DEA7A2-5E3C-4FD5-A5FC-8C049BE49EDD}"/>
+              </a:ext>
+            </a:extLst>
+          </p:cNvPr>
+          <p:cNvSpPr txBox="1">
+            <a:spLocks/>
+          </p:cNvSpPr>
+          <p:nvPr/>
+        </p:nvSpPr>
+        <p:spPr>
+          <a:xfrm>
+            <a:off x="592347" y="3740884"/>
+            <a:ext cx="11007306" cy="448573"/>
+          </a:xfrm>
+          <a:prstGeom prst="rect">
+            <a:avLst/>
+          </a:prstGeom>
+        </p:spPr>
+        <p:txBody>
+          <a:bodyPr/>
+          <a:lstStyle>
+            <a:lvl1pPr marL="0" indent="0" algn="just" defTabSz="914400" rtl="0" eaLnBrk="1" latinLnBrk="0" hangingPunct="1">
+              <a:lnSpc>
+                <a:spcPct val="150000"/>
+              </a:lnSpc>
+              <a:spcBef>
+                <a:spcPts val="1000"/>
+              </a:spcBef>
+              <a:buFont typeface="Arial" panose="020B0604020202020204" pitchFamily="34" charset="0"/>
+              <a:buNone/>
+              <a:defRPr sz="2000" kern="1200">
+                <a:solidFill>
+                  <a:schemeClr val="tx1"/>
+                </a:solidFill>
+                <a:latin typeface="Times New Roman" panose="02020603050405020304" pitchFamily="18" charset="0"/>
+                <a:ea typeface="+mn-ea"/>
+                <a:cs typeface="Times New Roman" panose="02020603050405020304" pitchFamily="18" charset="0"/>
+              </a:defRPr>
+            </a:lvl1pPr>
+            <a:lvl2pPr marL="685800" indent="-228600" algn="l" defTabSz="914400" rtl="0" eaLnBrk="1" latinLnBrk="0" hangingPunct="1">
+              <a:lnSpc>
+                <a:spcPct val="150000"/>
+              </a:lnSpc>
+              <a:spcBef>
+                <a:spcPts val="500"/>
+              </a:spcBef>
+              <a:buFont typeface="Arial" panose="020B0604020202020204" pitchFamily="34" charset="0"/>
+              <a:buChar char="•"/>
+              <a:defRPr sz="1600" kern="1200">
+                <a:solidFill>
+                  <a:schemeClr val="tx1"/>
+                </a:solidFill>
+                <a:latin typeface="Times New Roman" panose="02020603050405020304" pitchFamily="18" charset="0"/>
+                <a:ea typeface="+mn-ea"/>
+                <a:cs typeface="Times New Roman" panose="02020603050405020304" pitchFamily="18" charset="0"/>
+              </a:defRPr>
+            </a:lvl2pPr>
+            <a:lvl3pPr marL="1143000" indent="-228600" algn="l" defTabSz="914400" rtl="0" eaLnBrk="1" latinLnBrk="0" hangingPunct="1">
+              <a:lnSpc>
+                <a:spcPct val="150000"/>
+              </a:lnSpc>
+              <a:spcBef>
+                <a:spcPts val="500"/>
+              </a:spcBef>
+              <a:buFont typeface="Arial" panose="020B0604020202020204" pitchFamily="34" charset="0"/>
+              <a:buChar char="•"/>
+              <a:defRPr sz="1400" kern="1200">
+                <a:solidFill>
+                  <a:schemeClr val="tx1"/>
+                </a:solidFill>
+                <a:latin typeface="Times New Roman" panose="02020603050405020304" pitchFamily="18" charset="0"/>
+                <a:ea typeface="+mn-ea"/>
+                <a:cs typeface="Times New Roman" panose="02020603050405020304" pitchFamily="18" charset="0"/>
+              </a:defRPr>
+            </a:lvl3pPr>
+            <a:lvl4pPr marL="1600200" indent="-228600" algn="l" defTabSz="914400" rtl="0" eaLnBrk="1" latinLnBrk="0" hangingPunct="1">
+              <a:lnSpc>
+                <a:spcPct val="150000"/>
+              </a:lnSpc>
+              <a:spcBef>
+                <a:spcPts val="500"/>
+              </a:spcBef>
+              <a:buFont typeface="Arial" panose="020B0604020202020204" pitchFamily="34" charset="0"/>
+              <a:buChar char="•"/>
+              <a:defRPr sz="1200" kern="1200">
+                <a:solidFill>
+                  <a:schemeClr val="tx1"/>
+                </a:solidFill>
+                <a:latin typeface="Times New Roman" panose="02020603050405020304" pitchFamily="18" charset="0"/>
+                <a:ea typeface="+mn-ea"/>
+                <a:cs typeface="Times New Roman" panose="02020603050405020304" pitchFamily="18" charset="0"/>
+              </a:defRPr>
+            </a:lvl4pPr>
+            <a:lvl5pPr marL="2057400" indent="-228600" algn="l" defTabSz="914400" rtl="0" eaLnBrk="1" latinLnBrk="0" hangingPunct="1">
+              <a:lnSpc>
+                <a:spcPct val="150000"/>
+              </a:lnSpc>
+              <a:spcBef>
+                <a:spcPts val="500"/>
+              </a:spcBef>
+              <a:buFont typeface="Arial" panose="020B0604020202020204" pitchFamily="34" charset="0"/>
+              <a:buChar char="•"/>
+              <a:defRPr sz="1000" kern="1200">
+                <a:solidFill>
+                  <a:schemeClr val="tx1"/>
+                </a:solidFill>
+                <a:latin typeface="Times New Roman" panose="02020603050405020304" pitchFamily="18" charset="0"/>
+                <a:ea typeface="+mn-ea"/>
+                <a:cs typeface="Times New Roman" panose="02020603050405020304" pitchFamily="18" charset="0"/>
+              </a:defRPr>
+            </a:lvl5pPr>
+            <a:lvl6pPr marL="2514600" indent="-228600" algn="l" defTabSz="914400" rtl="0" eaLnBrk="1" latinLnBrk="0" hangingPunct="1">
+              <a:lnSpc>
+                <a:spcPct val="90000"/>
+              </a:lnSpc>
+              <a:spcBef>
+                <a:spcPts val="500"/>
+              </a:spcBef>
+              <a:buFont typeface="Arial" panose="020B0604020202020204" pitchFamily="34" charset="0"/>
+              <a:buChar char="•"/>
+              <a:defRPr sz="1800" kern="1200">
+                <a:solidFill>
+                  <a:schemeClr val="tx1"/>
+                </a:solidFill>
+                <a:latin typeface="+mn-lt"/>
+                <a:ea typeface="+mn-ea"/>
+                <a:cs typeface="+mn-cs"/>
+              </a:defRPr>
+            </a:lvl6pPr>
+            <a:lvl7pPr marL="2971800" indent="-228600" algn="l" defTabSz="914400" rtl="0" eaLnBrk="1" latinLnBrk="0" hangingPunct="1">
+              <a:lnSpc>
+                <a:spcPct val="90000"/>
+              </a:lnSpc>
+              <a:spcBef>
+                <a:spcPts val="500"/>
+              </a:spcBef>
+              <a:buFont typeface="Arial" panose="020B0604020202020204" pitchFamily="34" charset="0"/>
+              <a:buChar char="•"/>
+              <a:defRPr sz="1800" kern="1200">
+                <a:solidFill>
+                  <a:schemeClr val="tx1"/>
+                </a:solidFill>
+                <a:latin typeface="+mn-lt"/>
+                <a:ea typeface="+mn-ea"/>
+                <a:cs typeface="+mn-cs"/>
+              </a:defRPr>
+            </a:lvl7pPr>
+            <a:lvl8pPr marL="3429000" indent="-228600" algn="l" defTabSz="914400" rtl="0" eaLnBrk="1" latinLnBrk="0" hangingPunct="1">
+              <a:lnSpc>
+                <a:spcPct val="90000"/>
+              </a:lnSpc>
+              <a:spcBef>
+                <a:spcPts val="500"/>
+              </a:spcBef>
+              <a:buFont typeface="Arial" panose="020B0604020202020204" pitchFamily="34" charset="0"/>
+              <a:buChar char="•"/>
+              <a:defRPr sz="1800" kern="1200">
+                <a:solidFill>
+                  <a:schemeClr val="tx1"/>
+                </a:solidFill>
+                <a:latin typeface="+mn-lt"/>
+                <a:ea typeface="+mn-ea"/>
+                <a:cs typeface="+mn-cs"/>
+              </a:defRPr>
+            </a:lvl8pPr>
+            <a:lvl9pPr marL="3886200" indent="-228600" algn="l" defTabSz="914400" rtl="0" eaLnBrk="1" latinLnBrk="0" hangingPunct="1">
+              <a:lnSpc>
+                <a:spcPct val="90000"/>
+              </a:lnSpc>
+              <a:spcBef>
+                <a:spcPts val="500"/>
+              </a:spcBef>
+              <a:buFont typeface="Arial" panose="020B0604020202020204" pitchFamily="34" charset="0"/>
+              <a:buChar char="•"/>
+              <a:defRPr sz="1800" kern="1200">
+                <a:solidFill>
+                  <a:schemeClr val="tx1"/>
+                </a:solidFill>
+                <a:latin typeface="+mn-lt"/>
+                <a:ea typeface="+mn-ea"/>
+                <a:cs typeface="+mn-cs"/>
+              </a:defRPr>
+            </a:lvl9pPr>
+          </a:lstStyle>
+          <a:p>
+            <a:pPr>
+              <a:lnSpc>
+                <a:spcPct val="100000"/>
+              </a:lnSpc>
+              <a:spcBef>
+                <a:spcPts val="0"/>
+              </a:spcBef>
+            </a:pPr>
+            <a:r>
+              <a:rPr lang="pt-BR" dirty="0"/>
+              <a:t> Exibindo um campo para o usuário digitar um valor:</a:t>
+            </a:r>
+          </a:p>
+        </p:txBody>
+      </p:sp>
+      <p:sp>
+        <p:nvSpPr>
+          <p:cNvPr id="10" name="Retângulo 9">
+            <a:extLst>
+              <a:ext uri="{FF2B5EF4-FFF2-40B4-BE49-F238E27FC236}">
+                <a16:creationId xmlns:a16="http://schemas.microsoft.com/office/drawing/2014/main" id="{5F228DFD-4E80-4236-8B19-0E5EA618A921}"/>
+              </a:ext>
+            </a:extLst>
+          </p:cNvPr>
+          <p:cNvSpPr/>
+          <p:nvPr/>
+        </p:nvSpPr>
+        <p:spPr>
+          <a:xfrm>
+            <a:off x="2454571" y="2577651"/>
+            <a:ext cx="7282859" cy="878830"/>
+          </a:xfrm>
+          <a:prstGeom prst="rect">
+            <a:avLst/>
+          </a:prstGeom>
+        </p:spPr>
+        <p:txBody>
+          <a:bodyPr wrap="square">
+            <a:spAutoFit/>
+          </a:bodyPr>
           <a:lstStyle/>
           <a:p>
-            <a:r>
-              <a:rPr lang="pt-BR" dirty="0" err="1"/>
-              <a:t>Name</a:t>
-            </a:r>
-            <a:r>
-              <a:rPr lang="pt-BR" dirty="0"/>
-              <a:t> – Seleciona a partir do NOME da </a:t>
-            </a:r>
-            <a:r>
-              <a:rPr lang="pt-BR" dirty="0" err="1"/>
-              <a:t>tag</a:t>
-            </a:r>
-            <a:r>
-              <a:rPr lang="pt-BR" dirty="0"/>
-              <a:t> HTML.</a:t>
-            </a:r>
-          </a:p>
-          <a:p>
-            <a:r>
-              <a:rPr lang="pt-BR" dirty="0"/>
-              <a:t>	 </a:t>
-            </a:r>
-            <a:r>
-              <a:rPr lang="pt-BR" dirty="0" err="1"/>
-              <a:t>getElementsByName</a:t>
-            </a:r>
-            <a:r>
-              <a:rPr lang="pt-BR" dirty="0"/>
-              <a:t>(“</a:t>
-            </a:r>
-            <a:r>
-              <a:rPr lang="pt-BR" dirty="0" err="1"/>
-              <a:t>nomeElemento</a:t>
-            </a:r>
-            <a:r>
-              <a:rPr lang="pt-BR" dirty="0"/>
-              <a:t>”)</a:t>
-            </a:r>
-          </a:p>
-          <a:p>
-            <a:endParaRPr lang="pt-BR" dirty="0"/>
-          </a:p>
-          <a:p>
-            <a:endParaRPr lang="pt-BR" dirty="0"/>
-          </a:p>
-          <a:p>
-            <a:r>
-              <a:rPr lang="pt-BR" dirty="0" err="1"/>
-              <a:t>querySelector</a:t>
-            </a:r>
-            <a:r>
-              <a:rPr lang="pt-BR" dirty="0"/>
-              <a:t> - Seleciona a partir de uma CLASSE ou ID da </a:t>
-            </a:r>
-            <a:r>
-              <a:rPr lang="pt-BR" dirty="0" err="1"/>
-              <a:t>tag</a:t>
-            </a:r>
-            <a:r>
-              <a:rPr lang="pt-BR" dirty="0"/>
-              <a:t> </a:t>
-            </a:r>
-            <a:r>
-              <a:rPr lang="pt-BR" dirty="0" err="1"/>
-              <a:t>html</a:t>
-            </a:r>
-            <a:r>
-              <a:rPr lang="pt-BR" dirty="0"/>
-              <a:t>.</a:t>
-            </a:r>
-          </a:p>
-          <a:p>
-            <a:r>
-              <a:rPr lang="pt-BR" dirty="0"/>
-              <a:t>	</a:t>
-            </a:r>
-            <a:r>
-              <a:rPr lang="pt-BR" dirty="0" err="1"/>
-              <a:t>querySelector</a:t>
-            </a:r>
-            <a:r>
-              <a:rPr lang="pt-BR" dirty="0"/>
-              <a:t>(“</a:t>
-            </a:r>
-            <a:r>
-              <a:rPr lang="pt-BR" dirty="0" err="1"/>
-              <a:t>tag#nomeID</a:t>
-            </a:r>
-            <a:r>
-              <a:rPr lang="pt-BR" dirty="0"/>
-              <a:t>”) – Seleciona apenas uma </a:t>
-            </a:r>
-            <a:r>
-              <a:rPr lang="pt-BR" dirty="0" err="1"/>
-              <a:t>tag</a:t>
-            </a:r>
-            <a:r>
-              <a:rPr lang="pt-BR" dirty="0"/>
-              <a:t>.</a:t>
-            </a:r>
-          </a:p>
-          <a:p>
-            <a:r>
-              <a:rPr lang="pt-BR" dirty="0"/>
-              <a:t>	</a:t>
-            </a:r>
-            <a:r>
-              <a:rPr lang="pt-BR" dirty="0" err="1"/>
-              <a:t>querySelectorAll</a:t>
-            </a:r>
-            <a:r>
-              <a:rPr lang="pt-BR" dirty="0"/>
-              <a:t>(“</a:t>
-            </a:r>
-            <a:r>
-              <a:rPr lang="pt-BR" dirty="0" err="1"/>
-              <a:t>tag.nomeClasse</a:t>
-            </a:r>
-            <a:r>
-              <a:rPr lang="pt-BR" dirty="0"/>
-              <a:t>”) - Seleciona diversas as </a:t>
-            </a:r>
-            <a:r>
-              <a:rPr lang="pt-BR" dirty="0" err="1"/>
-              <a:t>tag</a:t>
-            </a:r>
-            <a:r>
-              <a:rPr lang="pt-BR" dirty="0"/>
-              <a:t>.</a:t>
-            </a:r>
-          </a:p>
-          <a:p>
-            <a:endParaRPr lang="pt-BR" dirty="0"/>
+            <a:pPr>
+              <a:lnSpc>
+                <a:spcPct val="150000"/>
+              </a:lnSpc>
+            </a:pPr>
+            <a:r>
+              <a:rPr lang="pt-BR" dirty="0">
+                <a:solidFill>
+                  <a:srgbClr val="0000FF"/>
+                </a:solidFill>
+                <a:latin typeface="Consolas" panose="020B0609020204030204" pitchFamily="49" charset="0"/>
+              </a:rPr>
+              <a:t>var</a:t>
+            </a:r>
+            <a:r>
+              <a:rPr lang="pt-BR" dirty="0">
+                <a:solidFill>
+                  <a:srgbClr val="000000"/>
+                </a:solidFill>
+                <a:latin typeface="Consolas" panose="020B0609020204030204" pitchFamily="49" charset="0"/>
+              </a:rPr>
+              <a:t> resposta = </a:t>
+            </a:r>
+            <a:r>
+              <a:rPr lang="pt-BR" dirty="0" err="1">
+                <a:solidFill>
+                  <a:srgbClr val="000000"/>
+                </a:solidFill>
+                <a:latin typeface="Consolas" panose="020B0609020204030204" pitchFamily="49" charset="0"/>
+              </a:rPr>
+              <a:t>window.confirm</a:t>
+            </a:r>
+            <a:r>
+              <a:rPr lang="pt-BR" dirty="0">
+                <a:solidFill>
+                  <a:srgbClr val="000000"/>
+                </a:solidFill>
+                <a:latin typeface="Consolas" panose="020B0609020204030204" pitchFamily="49" charset="0"/>
+              </a:rPr>
+              <a:t>(</a:t>
+            </a:r>
+            <a:r>
+              <a:rPr lang="pt-BR" dirty="0">
+                <a:solidFill>
+                  <a:srgbClr val="A31515"/>
+                </a:solidFill>
+                <a:latin typeface="Consolas" panose="020B0609020204030204" pitchFamily="49" charset="0"/>
+              </a:rPr>
+              <a:t>"Você deseja continuar?"</a:t>
+            </a:r>
+            <a:r>
+              <a:rPr lang="pt-BR" dirty="0">
+                <a:solidFill>
+                  <a:srgbClr val="000000"/>
+                </a:solidFill>
+                <a:latin typeface="Consolas" panose="020B0609020204030204" pitchFamily="49" charset="0"/>
+              </a:rPr>
+              <a:t>);</a:t>
+            </a:r>
+          </a:p>
+          <a:p>
+            <a:pPr>
+              <a:lnSpc>
+                <a:spcPct val="150000"/>
+              </a:lnSpc>
+            </a:pPr>
+            <a:r>
+              <a:rPr lang="pt-BR" dirty="0" err="1">
+                <a:solidFill>
+                  <a:srgbClr val="000000"/>
+                </a:solidFill>
+                <a:latin typeface="Consolas" panose="020B0609020204030204" pitchFamily="49" charset="0"/>
+              </a:rPr>
+              <a:t>window.alert</a:t>
+            </a:r>
+            <a:r>
+              <a:rPr lang="pt-BR" dirty="0">
+                <a:solidFill>
+                  <a:srgbClr val="000000"/>
+                </a:solidFill>
+                <a:latin typeface="Consolas" panose="020B0609020204030204" pitchFamily="49" charset="0"/>
+              </a:rPr>
+              <a:t>(</a:t>
+            </a:r>
+            <a:r>
+              <a:rPr lang="pt-BR" dirty="0">
+                <a:solidFill>
+                  <a:srgbClr val="A31515"/>
+                </a:solidFill>
+                <a:latin typeface="Consolas" panose="020B0609020204030204" pitchFamily="49" charset="0"/>
+              </a:rPr>
+              <a:t>"Resultado: "</a:t>
+            </a:r>
+            <a:r>
+              <a:rPr lang="pt-BR" dirty="0">
+                <a:solidFill>
+                  <a:srgbClr val="000000"/>
+                </a:solidFill>
+                <a:latin typeface="Consolas" panose="020B0609020204030204" pitchFamily="49" charset="0"/>
+              </a:rPr>
+              <a:t> + resposta); </a:t>
+            </a:r>
+            <a:endParaRPr lang="pt-BR" b="0" dirty="0">
+              <a:solidFill>
+                <a:srgbClr val="000000"/>
+              </a:solidFill>
+              <a:effectLst/>
+              <a:latin typeface="Consolas" panose="020B0609020204030204" pitchFamily="49" charset="0"/>
+            </a:endParaRPr>
+          </a:p>
+        </p:txBody>
+      </p:sp>
+      <p:sp>
+        <p:nvSpPr>
+          <p:cNvPr id="11" name="Retângulo 10">
+            <a:extLst>
+              <a:ext uri="{FF2B5EF4-FFF2-40B4-BE49-F238E27FC236}">
+                <a16:creationId xmlns:a16="http://schemas.microsoft.com/office/drawing/2014/main" id="{A56E5130-98AC-4F58-A2C1-B2818D13581F}"/>
+              </a:ext>
+            </a:extLst>
+          </p:cNvPr>
+          <p:cNvSpPr/>
+          <p:nvPr/>
+        </p:nvSpPr>
+        <p:spPr>
+          <a:xfrm>
+            <a:off x="3048000" y="4473859"/>
+            <a:ext cx="6096000" cy="878830"/>
+          </a:xfrm>
+          <a:prstGeom prst="rect">
+            <a:avLst/>
+          </a:prstGeom>
+        </p:spPr>
+        <p:txBody>
+          <a:bodyPr>
+            <a:spAutoFit/>
+          </a:bodyPr>
+          <a:lstStyle/>
+          <a:p>
+            <a:pPr>
+              <a:lnSpc>
+                <a:spcPct val="150000"/>
+              </a:lnSpc>
+            </a:pPr>
+            <a:r>
+              <a:rPr lang="pt-BR" dirty="0">
+                <a:solidFill>
+                  <a:srgbClr val="0000FF"/>
+                </a:solidFill>
+                <a:latin typeface="Consolas" panose="020B0609020204030204" pitchFamily="49" charset="0"/>
+              </a:rPr>
+              <a:t>var</a:t>
+            </a:r>
+            <a:r>
+              <a:rPr lang="pt-BR" dirty="0">
+                <a:solidFill>
+                  <a:srgbClr val="000000"/>
+                </a:solidFill>
+                <a:latin typeface="Consolas" panose="020B0609020204030204" pitchFamily="49" charset="0"/>
+              </a:rPr>
+              <a:t> nome = </a:t>
+            </a:r>
+            <a:r>
+              <a:rPr lang="pt-BR" dirty="0" err="1">
+                <a:solidFill>
+                  <a:srgbClr val="000000"/>
+                </a:solidFill>
+                <a:latin typeface="Consolas" panose="020B0609020204030204" pitchFamily="49" charset="0"/>
+              </a:rPr>
+              <a:t>window.prompt</a:t>
+            </a:r>
+            <a:r>
+              <a:rPr lang="pt-BR" dirty="0">
+                <a:solidFill>
+                  <a:srgbClr val="000000"/>
+                </a:solidFill>
+                <a:latin typeface="Consolas" panose="020B0609020204030204" pitchFamily="49" charset="0"/>
+              </a:rPr>
+              <a:t>(</a:t>
+            </a:r>
+            <a:r>
+              <a:rPr lang="pt-BR" dirty="0">
+                <a:solidFill>
+                  <a:srgbClr val="A31515"/>
+                </a:solidFill>
+                <a:latin typeface="Consolas" panose="020B0609020204030204" pitchFamily="49" charset="0"/>
+              </a:rPr>
+              <a:t>"Qual é o seu nome?"</a:t>
+            </a:r>
+            <a:r>
+              <a:rPr lang="pt-BR" dirty="0">
+                <a:solidFill>
+                  <a:srgbClr val="000000"/>
+                </a:solidFill>
+                <a:latin typeface="Consolas" panose="020B0609020204030204" pitchFamily="49" charset="0"/>
+              </a:rPr>
+              <a:t>);</a:t>
+            </a:r>
+          </a:p>
+          <a:p>
+            <a:pPr>
+              <a:lnSpc>
+                <a:spcPct val="150000"/>
+              </a:lnSpc>
+            </a:pPr>
+            <a:r>
+              <a:rPr lang="pt-BR" dirty="0" err="1">
+                <a:solidFill>
+                  <a:srgbClr val="000000"/>
+                </a:solidFill>
+                <a:latin typeface="Consolas" panose="020B0609020204030204" pitchFamily="49" charset="0"/>
+              </a:rPr>
+              <a:t>window.alert</a:t>
+            </a:r>
+            <a:r>
+              <a:rPr lang="pt-BR" dirty="0">
+                <a:solidFill>
+                  <a:srgbClr val="000000"/>
+                </a:solidFill>
+                <a:latin typeface="Consolas" panose="020B0609020204030204" pitchFamily="49" charset="0"/>
+              </a:rPr>
+              <a:t>(</a:t>
+            </a:r>
+            <a:r>
+              <a:rPr lang="pt-BR" dirty="0">
+                <a:solidFill>
+                  <a:srgbClr val="A31515"/>
+                </a:solidFill>
+                <a:latin typeface="Consolas" panose="020B0609020204030204" pitchFamily="49" charset="0"/>
+              </a:rPr>
+              <a:t>"Olá, "</a:t>
+            </a:r>
+            <a:r>
+              <a:rPr lang="pt-BR" dirty="0">
+                <a:solidFill>
+                  <a:srgbClr val="000000"/>
+                </a:solidFill>
+                <a:latin typeface="Consolas" panose="020B0609020204030204" pitchFamily="49" charset="0"/>
+              </a:rPr>
+              <a:t> + nome + </a:t>
+            </a:r>
+            <a:r>
+              <a:rPr lang="pt-BR" dirty="0">
+                <a:solidFill>
+                  <a:srgbClr val="A31515"/>
+                </a:solidFill>
+                <a:latin typeface="Consolas" panose="020B0609020204030204" pitchFamily="49" charset="0"/>
+              </a:rPr>
+              <a:t>"!"</a:t>
+            </a:r>
+            <a:r>
+              <a:rPr lang="pt-BR" dirty="0">
+                <a:solidFill>
+                  <a:srgbClr val="000000"/>
+                </a:solidFill>
+                <a:latin typeface="Consolas" panose="020B0609020204030204" pitchFamily="49" charset="0"/>
+              </a:rPr>
+              <a:t>);</a:t>
+            </a:r>
+            <a:endParaRPr lang="pt-BR" b="0" dirty="0">
+              <a:solidFill>
+                <a:srgbClr val="000000"/>
+              </a:solidFill>
+              <a:effectLst/>
+              <a:latin typeface="Consolas" panose="020B0609020204030204" pitchFamily="49" charset="0"/>
+            </a:endParaRPr>
           </a:p>
         </p:txBody>
       </p:sp>
     </p:spTree>
     <p:extLst>
       <p:ext uri="{BB962C8B-B14F-4D97-AF65-F5344CB8AC3E}">
-        <p14:creationId xmlns:p14="http://schemas.microsoft.com/office/powerpoint/2010/main" val="3133461796"/>
+        <p14:creationId xmlns:p14="http://schemas.microsoft.com/office/powerpoint/2010/main" val="285132170"/>
       </p:ext>
     </p:extLst>
   </p:cSld>
@@ -6090,10 +8192,10 @@
       </p:grpSpPr>
       <p:sp>
         <p:nvSpPr>
-          <p:cNvPr id="2" name="Título 1">
+          <p:cNvPr id="4" name="Título 3">
             <a:extLst>
               <a:ext uri="{FF2B5EF4-FFF2-40B4-BE49-F238E27FC236}">
-                <a16:creationId xmlns:a16="http://schemas.microsoft.com/office/drawing/2014/main" id="{1639EE9C-287D-49A2-BECA-00396D303B36}"/>
+                <a16:creationId xmlns:a16="http://schemas.microsoft.com/office/drawing/2014/main" id="{50D51956-D948-4924-9F4F-773332C45C6E}"/>
               </a:ext>
             </a:extLst>
           </p:cNvPr>
@@ -6106,24 +8208,22 @@
         </p:nvSpPr>
         <p:spPr/>
         <p:txBody>
-          <a:bodyPr>
-            <a:normAutofit fontScale="90000"/>
-          </a:bodyPr>
+          <a:bodyPr/>
           <a:lstStyle/>
           <a:p>
             <a:r>
-              <a:rPr lang="pt-BR" sz="3600" dirty="0"/>
-              <a:t>Desafio</a:t>
+              <a:rPr lang="pt-BR" dirty="0"/>
+              <a:t>Selecionando Elementos na Árvore DOM</a:t>
             </a:r>
           </a:p>
         </p:txBody>
       </p:sp>
       <p:sp>
         <p:nvSpPr>
-          <p:cNvPr id="4" name="Espaço Reservado para Conteúdo 3">
+          <p:cNvPr id="5" name="Espaço Reservado para Conteúdo 4">
             <a:extLst>
               <a:ext uri="{FF2B5EF4-FFF2-40B4-BE49-F238E27FC236}">
-                <a16:creationId xmlns:a16="http://schemas.microsoft.com/office/drawing/2014/main" id="{57D6A741-980D-4773-A9B7-5990CEEA8144}"/>
+                <a16:creationId xmlns:a16="http://schemas.microsoft.com/office/drawing/2014/main" id="{12C3A42A-B770-4D32-898B-D2A0A9DAC3DE}"/>
               </a:ext>
             </a:extLst>
           </p:cNvPr>
@@ -6136,8 +8236,8 @@
         </p:nvSpPr>
         <p:spPr>
           <a:xfrm>
-            <a:off x="592347" y="1844675"/>
-            <a:ext cx="11007306" cy="1286390"/>
+            <a:off x="592347" y="1844676"/>
+            <a:ext cx="11007306" cy="969750"/>
           </a:xfrm>
         </p:spPr>
         <p:txBody>
@@ -6145,200 +8245,2014 @@
           <a:lstStyle/>
           <a:p>
             <a:r>
-              <a:rPr lang="pt-BR" dirty="0"/>
-              <a:t>Utilizando o DOM, modifique a cor e o conteúdo dentro da </a:t>
-            </a:r>
-            <a:r>
-              <a:rPr lang="pt-BR" dirty="0" err="1"/>
+              <a:rPr lang="pt-BR" sz="1800" b="1" dirty="0" err="1"/>
+              <a:t>TagName</a:t>
+            </a:r>
+            <a:r>
+              <a:rPr lang="pt-BR" sz="1800" dirty="0"/>
+              <a:t> - Seleciona elementos com base na </a:t>
+            </a:r>
+            <a:r>
+              <a:rPr lang="pt-BR" sz="1800" b="1" dirty="0" err="1"/>
               <a:t>tag</a:t>
             </a:r>
             <a:r>
-              <a:rPr lang="pt-BR" dirty="0"/>
-              <a:t> &lt;</a:t>
-            </a:r>
-            <a:r>
-              <a:rPr lang="pt-BR" dirty="0" err="1"/>
-              <a:t>div</a:t>
-            </a:r>
-            <a:r>
-              <a:rPr lang="pt-BR" dirty="0"/>
-              <a:t>&gt; do arquivo HTML "index.html“ fornecido.</a:t>
-            </a:r>
-          </a:p>
-          <a:p>
-            <a:endParaRPr lang="pt-BR" dirty="0"/>
+              <a:rPr lang="pt-BR" sz="1800" b="1" dirty="0"/>
+              <a:t> HTML</a:t>
+            </a:r>
+            <a:r>
+              <a:rPr lang="pt-BR" sz="1800" dirty="0"/>
+              <a:t>. Retorna uma coleção de elementos que correspondem à </a:t>
+            </a:r>
+            <a:r>
+              <a:rPr lang="pt-BR" sz="1800" dirty="0" err="1"/>
+              <a:t>tag</a:t>
+            </a:r>
+            <a:r>
+              <a:rPr lang="pt-BR" sz="1800" dirty="0"/>
+              <a:t> fornecida, informe a posição do parágrafo que deseja alterar</a:t>
+            </a:r>
           </a:p>
         </p:txBody>
       </p:sp>
-      <p:grpSp>
-        <p:nvGrpSpPr>
-          <p:cNvPr id="11" name="Agrupar 10">
+      <p:sp>
+        <p:nvSpPr>
+          <p:cNvPr id="6" name="Retângulo 5">
             <a:extLst>
               <a:ext uri="{FF2B5EF4-FFF2-40B4-BE49-F238E27FC236}">
-                <a16:creationId xmlns:a16="http://schemas.microsoft.com/office/drawing/2014/main" id="{6699052F-958C-4545-AE64-16FA4168ED52}"/>
+                <a16:creationId xmlns:a16="http://schemas.microsoft.com/office/drawing/2014/main" id="{3D593F47-B80B-4D5A-8C4D-A08C2C56FF23}"/>
               </a:ext>
             </a:extLst>
           </p:cNvPr>
-          <p:cNvGrpSpPr/>
+          <p:cNvSpPr/>
           <p:nvPr/>
-        </p:nvGrpSpPr>
-        <p:grpSpPr>
+        </p:nvSpPr>
+        <p:spPr>
           <a:xfrm>
-            <a:off x="2690191" y="3340359"/>
-            <a:ext cx="6811618" cy="3157684"/>
-            <a:chOff x="1921835" y="1831544"/>
-            <a:chExt cx="8564405" cy="4106662"/>
+            <a:off x="2127380" y="3212524"/>
+            <a:ext cx="7937241" cy="791435"/>
           </a:xfrm>
-        </p:grpSpPr>
-        <p:pic>
-          <p:nvPicPr>
-            <p:cNvPr id="6" name="Imagem 5">
-              <a:extLst>
-                <a:ext uri="{FF2B5EF4-FFF2-40B4-BE49-F238E27FC236}">
-                  <a16:creationId xmlns:a16="http://schemas.microsoft.com/office/drawing/2014/main" id="{8C5A08B8-F8C2-4D96-9E51-4069F54C8F60}"/>
-                </a:ext>
-              </a:extLst>
-            </p:cNvPr>
-            <p:cNvPicPr>
-              <a:picLocks noChangeAspect="1"/>
-            </p:cNvPicPr>
-            <p:nvPr/>
-          </p:nvPicPr>
-          <p:blipFill>
-            <a:blip r:embed="rId2"/>
-            <a:stretch>
-              <a:fillRect/>
-            </a:stretch>
-          </p:blipFill>
-          <p:spPr>
-            <a:xfrm>
-              <a:off x="1921835" y="2334297"/>
-              <a:ext cx="3500941" cy="3603909"/>
-            </a:xfrm>
-            <a:prstGeom prst="rect">
-              <a:avLst/>
-            </a:prstGeom>
-          </p:spPr>
-        </p:pic>
-        <p:pic>
-          <p:nvPicPr>
-            <p:cNvPr id="7" name="Imagem 6">
-              <a:extLst>
-                <a:ext uri="{FF2B5EF4-FFF2-40B4-BE49-F238E27FC236}">
-                  <a16:creationId xmlns:a16="http://schemas.microsoft.com/office/drawing/2014/main" id="{8792C611-9B4E-465D-9485-DDD16B32CBF0}"/>
-                </a:ext>
-              </a:extLst>
-            </p:cNvPr>
-            <p:cNvPicPr>
-              <a:picLocks noChangeAspect="1"/>
-            </p:cNvPicPr>
-            <p:nvPr/>
-          </p:nvPicPr>
-          <p:blipFill>
-            <a:blip r:embed="rId3"/>
-            <a:stretch>
-              <a:fillRect/>
-            </a:stretch>
-          </p:blipFill>
-          <p:spPr>
-            <a:xfrm>
-              <a:off x="6985300" y="2328931"/>
-              <a:ext cx="3500940" cy="3609275"/>
-            </a:xfrm>
-            <a:prstGeom prst="rect">
-              <a:avLst/>
-            </a:prstGeom>
-          </p:spPr>
-        </p:pic>
-        <p:sp>
-          <p:nvSpPr>
-            <p:cNvPr id="9" name="CaixaDeTexto 8">
-              <a:extLst>
-                <a:ext uri="{FF2B5EF4-FFF2-40B4-BE49-F238E27FC236}">
-                  <a16:creationId xmlns:a16="http://schemas.microsoft.com/office/drawing/2014/main" id="{D7290006-C3FF-403D-A6C3-9EC5455A0772}"/>
-                </a:ext>
-              </a:extLst>
-            </p:cNvPr>
-            <p:cNvSpPr txBox="1"/>
-            <p:nvPr/>
-          </p:nvSpPr>
-          <p:spPr>
-            <a:xfrm>
-              <a:off x="3192256" y="1831544"/>
-              <a:ext cx="1212938" cy="440300"/>
-            </a:xfrm>
-            <a:prstGeom prst="rect">
-              <a:avLst/>
-            </a:prstGeom>
-            <a:noFill/>
-          </p:spPr>
-          <p:txBody>
-            <a:bodyPr wrap="square" rtlCol="0">
-              <a:spAutoFit/>
-            </a:bodyPr>
-            <a:lstStyle/>
-            <a:p>
-              <a:r>
-                <a:rPr lang="pt-BR" sz="1600" b="1" dirty="0">
-                  <a:latin typeface="Times New Roman" panose="02020603050405020304" pitchFamily="18" charset="0"/>
-                  <a:cs typeface="Times New Roman" panose="02020603050405020304" pitchFamily="18" charset="0"/>
-                </a:rPr>
-                <a:t>ATUAL</a:t>
-              </a:r>
-              <a:endParaRPr lang="pt-BR" b="1" dirty="0">
+          <a:prstGeom prst="rect">
+            <a:avLst/>
+          </a:prstGeom>
+        </p:spPr>
+        <p:txBody>
+          <a:bodyPr wrap="square">
+            <a:spAutoFit/>
+          </a:bodyPr>
+          <a:lstStyle/>
+          <a:p>
+            <a:pPr>
+              <a:lnSpc>
+                <a:spcPct val="150000"/>
+              </a:lnSpc>
+            </a:pPr>
+            <a:r>
+              <a:rPr lang="pt-BR" sz="1600" dirty="0" err="1">
+                <a:solidFill>
+                  <a:srgbClr val="0000FF"/>
+                </a:solidFill>
+                <a:latin typeface="Consolas" panose="020B0609020204030204" pitchFamily="49" charset="0"/>
+              </a:rPr>
+              <a:t>let</a:t>
+            </a:r>
+            <a:r>
+              <a:rPr lang="pt-BR" sz="1600" dirty="0">
+                <a:solidFill>
+                  <a:srgbClr val="0000FF"/>
+                </a:solidFill>
+                <a:latin typeface="Consolas" panose="020B0609020204030204" pitchFamily="49" charset="0"/>
+              </a:rPr>
+              <a:t> </a:t>
+            </a:r>
+            <a:r>
+              <a:rPr lang="pt-BR" sz="1600" dirty="0" err="1">
+                <a:solidFill>
+                  <a:srgbClr val="000000"/>
+                </a:solidFill>
+                <a:latin typeface="Consolas" panose="020B0609020204030204" pitchFamily="49" charset="0"/>
+              </a:rPr>
+              <a:t>paragrafos</a:t>
+            </a:r>
+            <a:r>
+              <a:rPr lang="pt-BR" sz="1600" dirty="0">
+                <a:solidFill>
+                  <a:srgbClr val="000000"/>
+                </a:solidFill>
+                <a:latin typeface="Consolas" panose="020B0609020204030204" pitchFamily="49" charset="0"/>
+              </a:rPr>
+              <a:t> = </a:t>
+            </a:r>
+            <a:r>
+              <a:rPr lang="pt-BR" sz="1600" dirty="0" err="1">
+                <a:solidFill>
+                  <a:srgbClr val="000000"/>
+                </a:solidFill>
+                <a:latin typeface="Consolas" panose="020B0609020204030204" pitchFamily="49" charset="0"/>
+              </a:rPr>
+              <a:t>window.document.getElementsByTagName</a:t>
+            </a:r>
+            <a:r>
+              <a:rPr lang="pt-BR" sz="1600" dirty="0">
+                <a:solidFill>
+                  <a:srgbClr val="000000"/>
+                </a:solidFill>
+                <a:latin typeface="Consolas" panose="020B0609020204030204" pitchFamily="49" charset="0"/>
+              </a:rPr>
+              <a:t>(</a:t>
+            </a:r>
+            <a:r>
+              <a:rPr lang="pt-BR" sz="1600" dirty="0">
+                <a:solidFill>
+                  <a:srgbClr val="A31515"/>
+                </a:solidFill>
+                <a:latin typeface="Consolas" panose="020B0609020204030204" pitchFamily="49" charset="0"/>
+              </a:rPr>
+              <a:t>"p"</a:t>
+            </a:r>
+            <a:r>
+              <a:rPr lang="pt-BR" sz="1600" dirty="0">
+                <a:solidFill>
+                  <a:srgbClr val="000000"/>
+                </a:solidFill>
+                <a:latin typeface="Consolas" panose="020B0609020204030204" pitchFamily="49" charset="0"/>
+              </a:rPr>
+              <a:t>);</a:t>
+            </a:r>
+          </a:p>
+          <a:p>
+            <a:pPr>
+              <a:lnSpc>
+                <a:spcPct val="150000"/>
+              </a:lnSpc>
+            </a:pPr>
+            <a:r>
+              <a:rPr lang="pt-BR" sz="1600" dirty="0" err="1">
+                <a:solidFill>
+                  <a:srgbClr val="000000"/>
+                </a:solidFill>
+                <a:latin typeface="Consolas" panose="020B0609020204030204" pitchFamily="49" charset="0"/>
+              </a:rPr>
+              <a:t>paragrafos</a:t>
+            </a:r>
+            <a:r>
+              <a:rPr lang="pt-BR" sz="1600" dirty="0">
+                <a:solidFill>
+                  <a:srgbClr val="000000"/>
+                </a:solidFill>
+                <a:latin typeface="Consolas" panose="020B0609020204030204" pitchFamily="49" charset="0"/>
+              </a:rPr>
+              <a:t>[</a:t>
+            </a:r>
+            <a:r>
+              <a:rPr lang="pt-BR" sz="1600" dirty="0">
+                <a:solidFill>
+                  <a:srgbClr val="098658"/>
+                </a:solidFill>
+                <a:latin typeface="Consolas" panose="020B0609020204030204" pitchFamily="49" charset="0"/>
+              </a:rPr>
+              <a:t>0</a:t>
+            </a:r>
+            <a:r>
+              <a:rPr lang="pt-BR" sz="1600" dirty="0">
+                <a:solidFill>
+                  <a:srgbClr val="000000"/>
+                </a:solidFill>
+                <a:latin typeface="Consolas" panose="020B0609020204030204" pitchFamily="49" charset="0"/>
+              </a:rPr>
+              <a:t>].</a:t>
+            </a:r>
+            <a:r>
+              <a:rPr lang="pt-BR" sz="1600" dirty="0" err="1">
+                <a:solidFill>
+                  <a:srgbClr val="000000"/>
+                </a:solidFill>
+                <a:latin typeface="Consolas" panose="020B0609020204030204" pitchFamily="49" charset="0"/>
+              </a:rPr>
+              <a:t>innerHTML</a:t>
+            </a:r>
+            <a:r>
+              <a:rPr lang="pt-BR" sz="1600" dirty="0">
+                <a:solidFill>
+                  <a:srgbClr val="000000"/>
+                </a:solidFill>
+                <a:latin typeface="Consolas" panose="020B0609020204030204" pitchFamily="49" charset="0"/>
+              </a:rPr>
+              <a:t> = </a:t>
+            </a:r>
+            <a:r>
+              <a:rPr lang="pt-BR" sz="1600" dirty="0">
+                <a:solidFill>
+                  <a:srgbClr val="A31515"/>
+                </a:solidFill>
+                <a:latin typeface="Consolas" panose="020B0609020204030204" pitchFamily="49" charset="0"/>
+              </a:rPr>
+              <a:t>"Conteúdo alterado do primeiro parágrafo."</a:t>
+            </a:r>
+            <a:r>
+              <a:rPr lang="pt-BR" sz="1600" dirty="0">
+                <a:solidFill>
+                  <a:srgbClr val="000000"/>
+                </a:solidFill>
+                <a:latin typeface="Consolas" panose="020B0609020204030204" pitchFamily="49" charset="0"/>
+              </a:rPr>
+              <a:t>;</a:t>
+            </a:r>
+            <a:endParaRPr lang="pt-BR" sz="1600" b="0" dirty="0">
+              <a:solidFill>
+                <a:srgbClr val="000000"/>
+              </a:solidFill>
+              <a:effectLst/>
+              <a:latin typeface="Consolas" panose="020B0609020204030204" pitchFamily="49" charset="0"/>
+            </a:endParaRPr>
+          </a:p>
+        </p:txBody>
+      </p:sp>
+      <p:sp>
+        <p:nvSpPr>
+          <p:cNvPr id="7" name="Espaço Reservado para Conteúdo 4">
+            <a:extLst>
+              <a:ext uri="{FF2B5EF4-FFF2-40B4-BE49-F238E27FC236}">
+                <a16:creationId xmlns:a16="http://schemas.microsoft.com/office/drawing/2014/main" id="{4FB3A243-0BE9-4547-9D67-CF70A0ECD6BB}"/>
+              </a:ext>
+            </a:extLst>
+          </p:cNvPr>
+          <p:cNvSpPr txBox="1">
+            <a:spLocks/>
+          </p:cNvSpPr>
+          <p:nvPr/>
+        </p:nvSpPr>
+        <p:spPr>
+          <a:xfrm>
+            <a:off x="592347" y="4402057"/>
+            <a:ext cx="11007306" cy="557093"/>
+          </a:xfrm>
+          <a:prstGeom prst="rect">
+            <a:avLst/>
+          </a:prstGeom>
+        </p:spPr>
+        <p:txBody>
+          <a:bodyPr/>
+          <a:lstStyle>
+            <a:lvl1pPr marL="0" indent="0" algn="just" defTabSz="914400" rtl="0" eaLnBrk="1" latinLnBrk="0" hangingPunct="1">
+              <a:lnSpc>
+                <a:spcPct val="150000"/>
+              </a:lnSpc>
+              <a:spcBef>
+                <a:spcPts val="1000"/>
+              </a:spcBef>
+              <a:buFont typeface="Arial" panose="020B0604020202020204" pitchFamily="34" charset="0"/>
+              <a:buNone/>
+              <a:defRPr sz="2000" kern="1200">
+                <a:solidFill>
+                  <a:schemeClr val="tx1"/>
+                </a:solidFill>
                 <a:latin typeface="Times New Roman" panose="02020603050405020304" pitchFamily="18" charset="0"/>
+                <a:ea typeface="+mn-ea"/>
                 <a:cs typeface="Times New Roman" panose="02020603050405020304" pitchFamily="18" charset="0"/>
-              </a:endParaRPr>
-            </a:p>
-          </p:txBody>
-        </p:sp>
-        <p:sp>
-          <p:nvSpPr>
-            <p:cNvPr id="10" name="CaixaDeTexto 9">
-              <a:extLst>
-                <a:ext uri="{FF2B5EF4-FFF2-40B4-BE49-F238E27FC236}">
-                  <a16:creationId xmlns:a16="http://schemas.microsoft.com/office/drawing/2014/main" id="{C25A8414-7BFD-465E-B799-51ABE83D5218}"/>
-                </a:ext>
-              </a:extLst>
-            </p:cNvPr>
-            <p:cNvSpPr txBox="1"/>
-            <p:nvPr/>
-          </p:nvSpPr>
-          <p:spPr>
-            <a:xfrm>
-              <a:off x="7860101" y="1831544"/>
-              <a:ext cx="2152796" cy="440300"/>
-            </a:xfrm>
-            <a:prstGeom prst="rect">
-              <a:avLst/>
-            </a:prstGeom>
-            <a:noFill/>
-          </p:spPr>
-          <p:txBody>
-            <a:bodyPr wrap="square" rtlCol="0">
-              <a:spAutoFit/>
-            </a:bodyPr>
-            <a:lstStyle/>
-            <a:p>
-              <a:r>
-                <a:rPr lang="pt-BR" sz="1600" b="1" dirty="0">
-                  <a:latin typeface="Times New Roman" panose="02020603050405020304" pitchFamily="18" charset="0"/>
-                  <a:cs typeface="Times New Roman" panose="02020603050405020304" pitchFamily="18" charset="0"/>
-                </a:rPr>
-                <a:t>MODIFICADO</a:t>
-              </a:r>
-              <a:endParaRPr lang="pt-BR" b="1" dirty="0">
+              </a:defRPr>
+            </a:lvl1pPr>
+            <a:lvl2pPr marL="685800" indent="-228600" algn="l" defTabSz="914400" rtl="0" eaLnBrk="1" latinLnBrk="0" hangingPunct="1">
+              <a:lnSpc>
+                <a:spcPct val="150000"/>
+              </a:lnSpc>
+              <a:spcBef>
+                <a:spcPts val="500"/>
+              </a:spcBef>
+              <a:buFont typeface="Arial" panose="020B0604020202020204" pitchFamily="34" charset="0"/>
+              <a:buChar char="•"/>
+              <a:defRPr sz="1600" kern="1200">
+                <a:solidFill>
+                  <a:schemeClr val="tx1"/>
+                </a:solidFill>
                 <a:latin typeface="Times New Roman" panose="02020603050405020304" pitchFamily="18" charset="0"/>
+                <a:ea typeface="+mn-ea"/>
                 <a:cs typeface="Times New Roman" panose="02020603050405020304" pitchFamily="18" charset="0"/>
-              </a:endParaRPr>
-            </a:p>
-          </p:txBody>
-        </p:sp>
-      </p:grpSp>
+              </a:defRPr>
+            </a:lvl2pPr>
+            <a:lvl3pPr marL="1143000" indent="-228600" algn="l" defTabSz="914400" rtl="0" eaLnBrk="1" latinLnBrk="0" hangingPunct="1">
+              <a:lnSpc>
+                <a:spcPct val="150000"/>
+              </a:lnSpc>
+              <a:spcBef>
+                <a:spcPts val="500"/>
+              </a:spcBef>
+              <a:buFont typeface="Arial" panose="020B0604020202020204" pitchFamily="34" charset="0"/>
+              <a:buChar char="•"/>
+              <a:defRPr sz="1400" kern="1200">
+                <a:solidFill>
+                  <a:schemeClr val="tx1"/>
+                </a:solidFill>
+                <a:latin typeface="Times New Roman" panose="02020603050405020304" pitchFamily="18" charset="0"/>
+                <a:ea typeface="+mn-ea"/>
+                <a:cs typeface="Times New Roman" panose="02020603050405020304" pitchFamily="18" charset="0"/>
+              </a:defRPr>
+            </a:lvl3pPr>
+            <a:lvl4pPr marL="1600200" indent="-228600" algn="l" defTabSz="914400" rtl="0" eaLnBrk="1" latinLnBrk="0" hangingPunct="1">
+              <a:lnSpc>
+                <a:spcPct val="150000"/>
+              </a:lnSpc>
+              <a:spcBef>
+                <a:spcPts val="500"/>
+              </a:spcBef>
+              <a:buFont typeface="Arial" panose="020B0604020202020204" pitchFamily="34" charset="0"/>
+              <a:buChar char="•"/>
+              <a:defRPr sz="1200" kern="1200">
+                <a:solidFill>
+                  <a:schemeClr val="tx1"/>
+                </a:solidFill>
+                <a:latin typeface="Times New Roman" panose="02020603050405020304" pitchFamily="18" charset="0"/>
+                <a:ea typeface="+mn-ea"/>
+                <a:cs typeface="Times New Roman" panose="02020603050405020304" pitchFamily="18" charset="0"/>
+              </a:defRPr>
+            </a:lvl4pPr>
+            <a:lvl5pPr marL="2057400" indent="-228600" algn="l" defTabSz="914400" rtl="0" eaLnBrk="1" latinLnBrk="0" hangingPunct="1">
+              <a:lnSpc>
+                <a:spcPct val="150000"/>
+              </a:lnSpc>
+              <a:spcBef>
+                <a:spcPts val="500"/>
+              </a:spcBef>
+              <a:buFont typeface="Arial" panose="020B0604020202020204" pitchFamily="34" charset="0"/>
+              <a:buChar char="•"/>
+              <a:defRPr sz="1000" kern="1200">
+                <a:solidFill>
+                  <a:schemeClr val="tx1"/>
+                </a:solidFill>
+                <a:latin typeface="Times New Roman" panose="02020603050405020304" pitchFamily="18" charset="0"/>
+                <a:ea typeface="+mn-ea"/>
+                <a:cs typeface="Times New Roman" panose="02020603050405020304" pitchFamily="18" charset="0"/>
+              </a:defRPr>
+            </a:lvl5pPr>
+            <a:lvl6pPr marL="2514600" indent="-228600" algn="l" defTabSz="914400" rtl="0" eaLnBrk="1" latinLnBrk="0" hangingPunct="1">
+              <a:lnSpc>
+                <a:spcPct val="90000"/>
+              </a:lnSpc>
+              <a:spcBef>
+                <a:spcPts val="500"/>
+              </a:spcBef>
+              <a:buFont typeface="Arial" panose="020B0604020202020204" pitchFamily="34" charset="0"/>
+              <a:buChar char="•"/>
+              <a:defRPr sz="1800" kern="1200">
+                <a:solidFill>
+                  <a:schemeClr val="tx1"/>
+                </a:solidFill>
+                <a:latin typeface="+mn-lt"/>
+                <a:ea typeface="+mn-ea"/>
+                <a:cs typeface="+mn-cs"/>
+              </a:defRPr>
+            </a:lvl6pPr>
+            <a:lvl7pPr marL="2971800" indent="-228600" algn="l" defTabSz="914400" rtl="0" eaLnBrk="1" latinLnBrk="0" hangingPunct="1">
+              <a:lnSpc>
+                <a:spcPct val="90000"/>
+              </a:lnSpc>
+              <a:spcBef>
+                <a:spcPts val="500"/>
+              </a:spcBef>
+              <a:buFont typeface="Arial" panose="020B0604020202020204" pitchFamily="34" charset="0"/>
+              <a:buChar char="•"/>
+              <a:defRPr sz="1800" kern="1200">
+                <a:solidFill>
+                  <a:schemeClr val="tx1"/>
+                </a:solidFill>
+                <a:latin typeface="+mn-lt"/>
+                <a:ea typeface="+mn-ea"/>
+                <a:cs typeface="+mn-cs"/>
+              </a:defRPr>
+            </a:lvl7pPr>
+            <a:lvl8pPr marL="3429000" indent="-228600" algn="l" defTabSz="914400" rtl="0" eaLnBrk="1" latinLnBrk="0" hangingPunct="1">
+              <a:lnSpc>
+                <a:spcPct val="90000"/>
+              </a:lnSpc>
+              <a:spcBef>
+                <a:spcPts val="500"/>
+              </a:spcBef>
+              <a:buFont typeface="Arial" panose="020B0604020202020204" pitchFamily="34" charset="0"/>
+              <a:buChar char="•"/>
+              <a:defRPr sz="1800" kern="1200">
+                <a:solidFill>
+                  <a:schemeClr val="tx1"/>
+                </a:solidFill>
+                <a:latin typeface="+mn-lt"/>
+                <a:ea typeface="+mn-ea"/>
+                <a:cs typeface="+mn-cs"/>
+              </a:defRPr>
+            </a:lvl8pPr>
+            <a:lvl9pPr marL="3886200" indent="-228600" algn="l" defTabSz="914400" rtl="0" eaLnBrk="1" latinLnBrk="0" hangingPunct="1">
+              <a:lnSpc>
+                <a:spcPct val="90000"/>
+              </a:lnSpc>
+              <a:spcBef>
+                <a:spcPts val="500"/>
+              </a:spcBef>
+              <a:buFont typeface="Arial" panose="020B0604020202020204" pitchFamily="34" charset="0"/>
+              <a:buChar char="•"/>
+              <a:defRPr sz="1800" kern="1200">
+                <a:solidFill>
+                  <a:schemeClr val="tx1"/>
+                </a:solidFill>
+                <a:latin typeface="+mn-lt"/>
+                <a:ea typeface="+mn-ea"/>
+                <a:cs typeface="+mn-cs"/>
+              </a:defRPr>
+            </a:lvl9pPr>
+          </a:lstStyle>
+          <a:p>
+            <a:r>
+              <a:rPr lang="pt-BR" sz="1800" b="1" dirty="0"/>
+              <a:t>ID</a:t>
+            </a:r>
+            <a:r>
+              <a:rPr lang="pt-BR" sz="1800" dirty="0"/>
+              <a:t> - Seleciona um único elemento com base no ID da </a:t>
+            </a:r>
+            <a:r>
+              <a:rPr lang="pt-BR" sz="1800" dirty="0" err="1"/>
+              <a:t>tag</a:t>
+            </a:r>
+            <a:r>
+              <a:rPr lang="pt-BR" sz="1800" dirty="0"/>
+              <a:t> HTML. O ID deve ser único dentro de um documento.</a:t>
+            </a:r>
+          </a:p>
+        </p:txBody>
+      </p:sp>
+      <p:sp>
+        <p:nvSpPr>
+          <p:cNvPr id="11" name="Retângulo 10">
+            <a:extLst>
+              <a:ext uri="{FF2B5EF4-FFF2-40B4-BE49-F238E27FC236}">
+                <a16:creationId xmlns:a16="http://schemas.microsoft.com/office/drawing/2014/main" id="{4A451174-AB2B-46DC-97D5-EDE5E238E172}"/>
+              </a:ext>
+            </a:extLst>
+          </p:cNvPr>
+          <p:cNvSpPr/>
+          <p:nvPr/>
+        </p:nvSpPr>
+        <p:spPr>
+          <a:xfrm>
+            <a:off x="2854232" y="5357249"/>
+            <a:ext cx="6483536" cy="791435"/>
+          </a:xfrm>
+          <a:prstGeom prst="rect">
+            <a:avLst/>
+          </a:prstGeom>
+        </p:spPr>
+        <p:txBody>
+          <a:bodyPr wrap="square">
+            <a:spAutoFit/>
+          </a:bodyPr>
+          <a:lstStyle/>
+          <a:p>
+            <a:pPr>
+              <a:lnSpc>
+                <a:spcPct val="150000"/>
+              </a:lnSpc>
+            </a:pPr>
+            <a:r>
+              <a:rPr lang="pt-BR" sz="1600" dirty="0" err="1">
+                <a:solidFill>
+                  <a:srgbClr val="0000FF"/>
+                </a:solidFill>
+                <a:latin typeface="Consolas" panose="020B0609020204030204" pitchFamily="49" charset="0"/>
+              </a:rPr>
+              <a:t>let</a:t>
+            </a:r>
+            <a:r>
+              <a:rPr lang="pt-BR" sz="1600" dirty="0">
+                <a:solidFill>
+                  <a:srgbClr val="000000"/>
+                </a:solidFill>
+                <a:latin typeface="Consolas" panose="020B0609020204030204" pitchFamily="49" charset="0"/>
+              </a:rPr>
+              <a:t> titulo = </a:t>
+            </a:r>
+            <a:r>
+              <a:rPr lang="pt-BR" sz="1600" dirty="0" err="1">
+                <a:solidFill>
+                  <a:srgbClr val="000000"/>
+                </a:solidFill>
+                <a:latin typeface="Consolas" panose="020B0609020204030204" pitchFamily="49" charset="0"/>
+              </a:rPr>
+              <a:t>window.document.getElementById</a:t>
+            </a:r>
+            <a:r>
+              <a:rPr lang="pt-BR" sz="1600" dirty="0">
+                <a:solidFill>
+                  <a:srgbClr val="000000"/>
+                </a:solidFill>
+                <a:latin typeface="Consolas" panose="020B0609020204030204" pitchFamily="49" charset="0"/>
+              </a:rPr>
+              <a:t>(</a:t>
+            </a:r>
+            <a:r>
+              <a:rPr lang="pt-BR" sz="1600" dirty="0">
+                <a:solidFill>
+                  <a:srgbClr val="A31515"/>
+                </a:solidFill>
+                <a:latin typeface="Consolas" panose="020B0609020204030204" pitchFamily="49" charset="0"/>
+              </a:rPr>
+              <a:t>"titulo"</a:t>
+            </a:r>
+            <a:r>
+              <a:rPr lang="pt-BR" sz="1600" dirty="0">
+                <a:solidFill>
+                  <a:srgbClr val="000000"/>
+                </a:solidFill>
+                <a:latin typeface="Consolas" panose="020B0609020204030204" pitchFamily="49" charset="0"/>
+              </a:rPr>
+              <a:t>);</a:t>
+            </a:r>
+          </a:p>
+          <a:p>
+            <a:pPr>
+              <a:lnSpc>
+                <a:spcPct val="150000"/>
+              </a:lnSpc>
+            </a:pPr>
+            <a:r>
+              <a:rPr lang="pt-BR" sz="1600" dirty="0" err="1">
+                <a:solidFill>
+                  <a:srgbClr val="000000"/>
+                </a:solidFill>
+                <a:latin typeface="Consolas" panose="020B0609020204030204" pitchFamily="49" charset="0"/>
+              </a:rPr>
+              <a:t>titulo.innerHTML</a:t>
+            </a:r>
+            <a:r>
+              <a:rPr lang="pt-BR" sz="1600" dirty="0">
+                <a:solidFill>
+                  <a:srgbClr val="000000"/>
+                </a:solidFill>
+                <a:latin typeface="Consolas" panose="020B0609020204030204" pitchFamily="49" charset="0"/>
+              </a:rPr>
+              <a:t> = </a:t>
+            </a:r>
+            <a:r>
+              <a:rPr lang="pt-BR" sz="1600" dirty="0">
+                <a:solidFill>
+                  <a:srgbClr val="A31515"/>
+                </a:solidFill>
+                <a:latin typeface="Consolas" panose="020B0609020204030204" pitchFamily="49" charset="0"/>
+              </a:rPr>
+              <a:t>"Título Modificado com JS"</a:t>
+            </a:r>
+            <a:r>
+              <a:rPr lang="pt-BR" sz="1600" dirty="0">
+                <a:solidFill>
+                  <a:srgbClr val="000000"/>
+                </a:solidFill>
+                <a:latin typeface="Consolas" panose="020B0609020204030204" pitchFamily="49" charset="0"/>
+              </a:rPr>
+              <a:t>;</a:t>
+            </a:r>
+            <a:endParaRPr lang="pt-BR" sz="1600" b="0" dirty="0">
+              <a:solidFill>
+                <a:srgbClr val="000000"/>
+              </a:solidFill>
+              <a:effectLst/>
+              <a:latin typeface="Consolas" panose="020B0609020204030204" pitchFamily="49" charset="0"/>
+            </a:endParaRPr>
+          </a:p>
+        </p:txBody>
+      </p:sp>
     </p:spTree>
     <p:extLst>
       <p:ext uri="{BB962C8B-B14F-4D97-AF65-F5344CB8AC3E}">
-        <p14:creationId xmlns:p14="http://schemas.microsoft.com/office/powerpoint/2010/main" val="817032575"/>
+        <p14:creationId xmlns:p14="http://schemas.microsoft.com/office/powerpoint/2010/main" val="3041910857"/>
+      </p:ext>
+    </p:extLst>
+  </p:cSld>
+  <p:clrMapOvr>
+    <a:masterClrMapping/>
+  </p:clrMapOvr>
+</p:sld>
+</file>
+
+<file path=ppt/slides/slide8.xml><?xml version="1.0" encoding="utf-8"?>
+<p:sld xmlns:a="http://schemas.openxmlformats.org/drawingml/2006/main" xmlns:r="http://schemas.openxmlformats.org/officeDocument/2006/relationships" xmlns:p="http://schemas.openxmlformats.org/presentationml/2006/main">
+  <p:cSld>
+    <p:spTree>
+      <p:nvGrpSpPr>
+        <p:cNvPr id="1" name=""/>
+        <p:cNvGrpSpPr/>
+        <p:nvPr/>
+      </p:nvGrpSpPr>
+      <p:grpSpPr>
+        <a:xfrm>
+          <a:off x="0" y="0"/>
+          <a:ext cx="0" cy="0"/>
+          <a:chOff x="0" y="0"/>
+          <a:chExt cx="0" cy="0"/>
+        </a:xfrm>
+      </p:grpSpPr>
+      <p:sp>
+        <p:nvSpPr>
+          <p:cNvPr id="4" name="Título 3">
+            <a:extLst>
+              <a:ext uri="{FF2B5EF4-FFF2-40B4-BE49-F238E27FC236}">
+                <a16:creationId xmlns:a16="http://schemas.microsoft.com/office/drawing/2014/main" id="{50D51956-D948-4924-9F4F-773332C45C6E}"/>
+              </a:ext>
+            </a:extLst>
+          </p:cNvPr>
+          <p:cNvSpPr>
+            <a:spLocks noGrp="1"/>
+          </p:cNvSpPr>
+          <p:nvPr>
+            <p:ph type="title"/>
+          </p:nvPr>
+        </p:nvSpPr>
+        <p:spPr/>
+        <p:txBody>
+          <a:bodyPr/>
+          <a:lstStyle/>
+          <a:p>
+            <a:r>
+              <a:rPr lang="pt-BR" dirty="0"/>
+              <a:t>Selecionando Elementos na Árvore DOM</a:t>
+            </a:r>
+          </a:p>
+        </p:txBody>
+      </p:sp>
+      <p:sp>
+        <p:nvSpPr>
+          <p:cNvPr id="5" name="Espaço Reservado para Conteúdo 4">
+            <a:extLst>
+              <a:ext uri="{FF2B5EF4-FFF2-40B4-BE49-F238E27FC236}">
+                <a16:creationId xmlns:a16="http://schemas.microsoft.com/office/drawing/2014/main" id="{12C3A42A-B770-4D32-898B-D2A0A9DAC3DE}"/>
+              </a:ext>
+            </a:extLst>
+          </p:cNvPr>
+          <p:cNvSpPr>
+            <a:spLocks noGrp="1"/>
+          </p:cNvSpPr>
+          <p:nvPr>
+            <p:ph idx="1"/>
+          </p:nvPr>
+        </p:nvSpPr>
+        <p:spPr>
+          <a:xfrm>
+            <a:off x="592347" y="1844676"/>
+            <a:ext cx="11007306" cy="969750"/>
+          </a:xfrm>
+        </p:spPr>
+        <p:txBody>
+          <a:bodyPr/>
+          <a:lstStyle/>
+          <a:p>
+            <a:r>
+              <a:rPr lang="pt-BR" sz="1800" b="1" dirty="0" err="1"/>
+              <a:t>ClassName</a:t>
+            </a:r>
+            <a:r>
+              <a:rPr lang="pt-BR" sz="1800" dirty="0"/>
+              <a:t> - Seleciona todos os elementos com uma classe específica. Retorna uma coleção de elementos que possuem a classe fornecida.</a:t>
+            </a:r>
+          </a:p>
+        </p:txBody>
+      </p:sp>
+      <p:sp>
+        <p:nvSpPr>
+          <p:cNvPr id="7" name="Espaço Reservado para Conteúdo 4">
+            <a:extLst>
+              <a:ext uri="{FF2B5EF4-FFF2-40B4-BE49-F238E27FC236}">
+                <a16:creationId xmlns:a16="http://schemas.microsoft.com/office/drawing/2014/main" id="{4FB3A243-0BE9-4547-9D67-CF70A0ECD6BB}"/>
+              </a:ext>
+            </a:extLst>
+          </p:cNvPr>
+          <p:cNvSpPr txBox="1">
+            <a:spLocks/>
+          </p:cNvSpPr>
+          <p:nvPr/>
+        </p:nvSpPr>
+        <p:spPr>
+          <a:xfrm>
+            <a:off x="592347" y="4402057"/>
+            <a:ext cx="11007306" cy="557093"/>
+          </a:xfrm>
+          <a:prstGeom prst="rect">
+            <a:avLst/>
+          </a:prstGeom>
+        </p:spPr>
+        <p:txBody>
+          <a:bodyPr/>
+          <a:lstStyle>
+            <a:lvl1pPr marL="0" indent="0" algn="just" defTabSz="914400" rtl="0" eaLnBrk="1" latinLnBrk="0" hangingPunct="1">
+              <a:lnSpc>
+                <a:spcPct val="150000"/>
+              </a:lnSpc>
+              <a:spcBef>
+                <a:spcPts val="1000"/>
+              </a:spcBef>
+              <a:buFont typeface="Arial" panose="020B0604020202020204" pitchFamily="34" charset="0"/>
+              <a:buNone/>
+              <a:defRPr sz="2000" kern="1200">
+                <a:solidFill>
+                  <a:schemeClr val="tx1"/>
+                </a:solidFill>
+                <a:latin typeface="Times New Roman" panose="02020603050405020304" pitchFamily="18" charset="0"/>
+                <a:ea typeface="+mn-ea"/>
+                <a:cs typeface="Times New Roman" panose="02020603050405020304" pitchFamily="18" charset="0"/>
+              </a:defRPr>
+            </a:lvl1pPr>
+            <a:lvl2pPr marL="685800" indent="-228600" algn="l" defTabSz="914400" rtl="0" eaLnBrk="1" latinLnBrk="0" hangingPunct="1">
+              <a:lnSpc>
+                <a:spcPct val="150000"/>
+              </a:lnSpc>
+              <a:spcBef>
+                <a:spcPts val="500"/>
+              </a:spcBef>
+              <a:buFont typeface="Arial" panose="020B0604020202020204" pitchFamily="34" charset="0"/>
+              <a:buChar char="•"/>
+              <a:defRPr sz="1600" kern="1200">
+                <a:solidFill>
+                  <a:schemeClr val="tx1"/>
+                </a:solidFill>
+                <a:latin typeface="Times New Roman" panose="02020603050405020304" pitchFamily="18" charset="0"/>
+                <a:ea typeface="+mn-ea"/>
+                <a:cs typeface="Times New Roman" panose="02020603050405020304" pitchFamily="18" charset="0"/>
+              </a:defRPr>
+            </a:lvl2pPr>
+            <a:lvl3pPr marL="1143000" indent="-228600" algn="l" defTabSz="914400" rtl="0" eaLnBrk="1" latinLnBrk="0" hangingPunct="1">
+              <a:lnSpc>
+                <a:spcPct val="150000"/>
+              </a:lnSpc>
+              <a:spcBef>
+                <a:spcPts val="500"/>
+              </a:spcBef>
+              <a:buFont typeface="Arial" panose="020B0604020202020204" pitchFamily="34" charset="0"/>
+              <a:buChar char="•"/>
+              <a:defRPr sz="1400" kern="1200">
+                <a:solidFill>
+                  <a:schemeClr val="tx1"/>
+                </a:solidFill>
+                <a:latin typeface="Times New Roman" panose="02020603050405020304" pitchFamily="18" charset="0"/>
+                <a:ea typeface="+mn-ea"/>
+                <a:cs typeface="Times New Roman" panose="02020603050405020304" pitchFamily="18" charset="0"/>
+              </a:defRPr>
+            </a:lvl3pPr>
+            <a:lvl4pPr marL="1600200" indent="-228600" algn="l" defTabSz="914400" rtl="0" eaLnBrk="1" latinLnBrk="0" hangingPunct="1">
+              <a:lnSpc>
+                <a:spcPct val="150000"/>
+              </a:lnSpc>
+              <a:spcBef>
+                <a:spcPts val="500"/>
+              </a:spcBef>
+              <a:buFont typeface="Arial" panose="020B0604020202020204" pitchFamily="34" charset="0"/>
+              <a:buChar char="•"/>
+              <a:defRPr sz="1200" kern="1200">
+                <a:solidFill>
+                  <a:schemeClr val="tx1"/>
+                </a:solidFill>
+                <a:latin typeface="Times New Roman" panose="02020603050405020304" pitchFamily="18" charset="0"/>
+                <a:ea typeface="+mn-ea"/>
+                <a:cs typeface="Times New Roman" panose="02020603050405020304" pitchFamily="18" charset="0"/>
+              </a:defRPr>
+            </a:lvl4pPr>
+            <a:lvl5pPr marL="2057400" indent="-228600" algn="l" defTabSz="914400" rtl="0" eaLnBrk="1" latinLnBrk="0" hangingPunct="1">
+              <a:lnSpc>
+                <a:spcPct val="150000"/>
+              </a:lnSpc>
+              <a:spcBef>
+                <a:spcPts val="500"/>
+              </a:spcBef>
+              <a:buFont typeface="Arial" panose="020B0604020202020204" pitchFamily="34" charset="0"/>
+              <a:buChar char="•"/>
+              <a:defRPr sz="1000" kern="1200">
+                <a:solidFill>
+                  <a:schemeClr val="tx1"/>
+                </a:solidFill>
+                <a:latin typeface="Times New Roman" panose="02020603050405020304" pitchFamily="18" charset="0"/>
+                <a:ea typeface="+mn-ea"/>
+                <a:cs typeface="Times New Roman" panose="02020603050405020304" pitchFamily="18" charset="0"/>
+              </a:defRPr>
+            </a:lvl5pPr>
+            <a:lvl6pPr marL="2514600" indent="-228600" algn="l" defTabSz="914400" rtl="0" eaLnBrk="1" latinLnBrk="0" hangingPunct="1">
+              <a:lnSpc>
+                <a:spcPct val="90000"/>
+              </a:lnSpc>
+              <a:spcBef>
+                <a:spcPts val="500"/>
+              </a:spcBef>
+              <a:buFont typeface="Arial" panose="020B0604020202020204" pitchFamily="34" charset="0"/>
+              <a:buChar char="•"/>
+              <a:defRPr sz="1800" kern="1200">
+                <a:solidFill>
+                  <a:schemeClr val="tx1"/>
+                </a:solidFill>
+                <a:latin typeface="+mn-lt"/>
+                <a:ea typeface="+mn-ea"/>
+                <a:cs typeface="+mn-cs"/>
+              </a:defRPr>
+            </a:lvl6pPr>
+            <a:lvl7pPr marL="2971800" indent="-228600" algn="l" defTabSz="914400" rtl="0" eaLnBrk="1" latinLnBrk="0" hangingPunct="1">
+              <a:lnSpc>
+                <a:spcPct val="90000"/>
+              </a:lnSpc>
+              <a:spcBef>
+                <a:spcPts val="500"/>
+              </a:spcBef>
+              <a:buFont typeface="Arial" panose="020B0604020202020204" pitchFamily="34" charset="0"/>
+              <a:buChar char="•"/>
+              <a:defRPr sz="1800" kern="1200">
+                <a:solidFill>
+                  <a:schemeClr val="tx1"/>
+                </a:solidFill>
+                <a:latin typeface="+mn-lt"/>
+                <a:ea typeface="+mn-ea"/>
+                <a:cs typeface="+mn-cs"/>
+              </a:defRPr>
+            </a:lvl7pPr>
+            <a:lvl8pPr marL="3429000" indent="-228600" algn="l" defTabSz="914400" rtl="0" eaLnBrk="1" latinLnBrk="0" hangingPunct="1">
+              <a:lnSpc>
+                <a:spcPct val="90000"/>
+              </a:lnSpc>
+              <a:spcBef>
+                <a:spcPts val="500"/>
+              </a:spcBef>
+              <a:buFont typeface="Arial" panose="020B0604020202020204" pitchFamily="34" charset="0"/>
+              <a:buChar char="•"/>
+              <a:defRPr sz="1800" kern="1200">
+                <a:solidFill>
+                  <a:schemeClr val="tx1"/>
+                </a:solidFill>
+                <a:latin typeface="+mn-lt"/>
+                <a:ea typeface="+mn-ea"/>
+                <a:cs typeface="+mn-cs"/>
+              </a:defRPr>
+            </a:lvl8pPr>
+            <a:lvl9pPr marL="3886200" indent="-228600" algn="l" defTabSz="914400" rtl="0" eaLnBrk="1" latinLnBrk="0" hangingPunct="1">
+              <a:lnSpc>
+                <a:spcPct val="90000"/>
+              </a:lnSpc>
+              <a:spcBef>
+                <a:spcPts val="500"/>
+              </a:spcBef>
+              <a:buFont typeface="Arial" panose="020B0604020202020204" pitchFamily="34" charset="0"/>
+              <a:buChar char="•"/>
+              <a:defRPr sz="1800" kern="1200">
+                <a:solidFill>
+                  <a:schemeClr val="tx1"/>
+                </a:solidFill>
+                <a:latin typeface="+mn-lt"/>
+                <a:ea typeface="+mn-ea"/>
+                <a:cs typeface="+mn-cs"/>
+              </a:defRPr>
+            </a:lvl9pPr>
+          </a:lstStyle>
+          <a:p>
+            <a:r>
+              <a:rPr lang="pt-BR" sz="1800" b="1" dirty="0" err="1"/>
+              <a:t>Name</a:t>
+            </a:r>
+            <a:r>
+              <a:rPr lang="pt-BR" sz="1800" dirty="0"/>
+              <a:t> - Seleciona todos os elementos com um nome específico, como atributos </a:t>
+            </a:r>
+            <a:r>
+              <a:rPr lang="pt-BR" sz="1800" dirty="0" err="1"/>
+              <a:t>name</a:t>
+            </a:r>
+            <a:r>
+              <a:rPr lang="pt-BR" sz="1800" dirty="0"/>
+              <a:t> de inputs, </a:t>
+            </a:r>
+            <a:r>
+              <a:rPr lang="pt-BR" sz="1800" dirty="0" err="1"/>
+              <a:t>selects</a:t>
+            </a:r>
+            <a:r>
+              <a:rPr lang="pt-BR" sz="1800" dirty="0"/>
+              <a:t>, etc.</a:t>
+            </a:r>
+          </a:p>
+        </p:txBody>
+      </p:sp>
+      <p:sp>
+        <p:nvSpPr>
+          <p:cNvPr id="2" name="Retângulo 1">
+            <a:extLst>
+              <a:ext uri="{FF2B5EF4-FFF2-40B4-BE49-F238E27FC236}">
+                <a16:creationId xmlns:a16="http://schemas.microsoft.com/office/drawing/2014/main" id="{EC55BD98-0525-43F8-AF15-9F0777347CC3}"/>
+              </a:ext>
+            </a:extLst>
+          </p:cNvPr>
+          <p:cNvSpPr/>
+          <p:nvPr/>
+        </p:nvSpPr>
+        <p:spPr>
+          <a:xfrm>
+            <a:off x="2604796" y="2960391"/>
+            <a:ext cx="6982408" cy="791435"/>
+          </a:xfrm>
+          <a:prstGeom prst="rect">
+            <a:avLst/>
+          </a:prstGeom>
+        </p:spPr>
+        <p:txBody>
+          <a:bodyPr wrap="square">
+            <a:spAutoFit/>
+          </a:bodyPr>
+          <a:lstStyle/>
+          <a:p>
+            <a:pPr>
+              <a:lnSpc>
+                <a:spcPct val="150000"/>
+              </a:lnSpc>
+            </a:pPr>
+            <a:r>
+              <a:rPr lang="en-US" sz="1600" dirty="0">
+                <a:solidFill>
+                  <a:srgbClr val="0000FF"/>
+                </a:solidFill>
+                <a:latin typeface="Consolas" panose="020B0609020204030204" pitchFamily="49" charset="0"/>
+              </a:rPr>
+              <a:t>let</a:t>
+            </a:r>
+            <a:r>
+              <a:rPr lang="en-US" sz="1600" dirty="0">
+                <a:solidFill>
+                  <a:srgbClr val="000000"/>
+                </a:solidFill>
+                <a:latin typeface="Consolas" panose="020B0609020204030204" pitchFamily="49" charset="0"/>
+              </a:rPr>
+              <a:t> </a:t>
+            </a:r>
+            <a:r>
+              <a:rPr lang="en-US" sz="1600" dirty="0" err="1">
+                <a:solidFill>
+                  <a:srgbClr val="000000"/>
+                </a:solidFill>
+                <a:latin typeface="Consolas" panose="020B0609020204030204" pitchFamily="49" charset="0"/>
+              </a:rPr>
+              <a:t>caixas</a:t>
+            </a:r>
+            <a:r>
+              <a:rPr lang="en-US" sz="1600" dirty="0">
+                <a:solidFill>
+                  <a:srgbClr val="000000"/>
+                </a:solidFill>
+                <a:latin typeface="Consolas" panose="020B0609020204030204" pitchFamily="49" charset="0"/>
+              </a:rPr>
+              <a:t> = </a:t>
+            </a:r>
+            <a:r>
+              <a:rPr lang="en-US" sz="1600" dirty="0" err="1">
+                <a:solidFill>
+                  <a:srgbClr val="000000"/>
+                </a:solidFill>
+                <a:latin typeface="Consolas" panose="020B0609020204030204" pitchFamily="49" charset="0"/>
+              </a:rPr>
+              <a:t>window.document.getElementsByClassName</a:t>
+            </a:r>
+            <a:r>
+              <a:rPr lang="en-US" sz="1600" dirty="0">
+                <a:solidFill>
+                  <a:srgbClr val="000000"/>
+                </a:solidFill>
+                <a:latin typeface="Consolas" panose="020B0609020204030204" pitchFamily="49" charset="0"/>
+              </a:rPr>
+              <a:t>(</a:t>
+            </a:r>
+            <a:r>
+              <a:rPr lang="en-US" sz="1600" dirty="0">
+                <a:solidFill>
+                  <a:srgbClr val="A31515"/>
+                </a:solidFill>
+                <a:latin typeface="Consolas" panose="020B0609020204030204" pitchFamily="49" charset="0"/>
+              </a:rPr>
+              <a:t>"</a:t>
+            </a:r>
+            <a:r>
+              <a:rPr lang="en-US" sz="1600" dirty="0" err="1">
+                <a:solidFill>
+                  <a:srgbClr val="A31515"/>
+                </a:solidFill>
+                <a:latin typeface="Consolas" panose="020B0609020204030204" pitchFamily="49" charset="0"/>
+              </a:rPr>
+              <a:t>caixa</a:t>
+            </a:r>
+            <a:r>
+              <a:rPr lang="en-US" sz="1600" dirty="0">
+                <a:solidFill>
+                  <a:srgbClr val="A31515"/>
+                </a:solidFill>
+                <a:latin typeface="Consolas" panose="020B0609020204030204" pitchFamily="49" charset="0"/>
+              </a:rPr>
+              <a:t>"</a:t>
+            </a:r>
+            <a:r>
+              <a:rPr lang="en-US" sz="1600" dirty="0">
+                <a:solidFill>
+                  <a:srgbClr val="000000"/>
+                </a:solidFill>
+                <a:latin typeface="Consolas" panose="020B0609020204030204" pitchFamily="49" charset="0"/>
+              </a:rPr>
+              <a:t>);</a:t>
+            </a:r>
+          </a:p>
+          <a:p>
+            <a:pPr>
+              <a:lnSpc>
+                <a:spcPct val="150000"/>
+              </a:lnSpc>
+            </a:pPr>
+            <a:r>
+              <a:rPr lang="en-US" sz="1600" dirty="0" err="1">
+                <a:solidFill>
+                  <a:srgbClr val="000000"/>
+                </a:solidFill>
+                <a:latin typeface="Consolas" panose="020B0609020204030204" pitchFamily="49" charset="0"/>
+              </a:rPr>
+              <a:t>caixas</a:t>
+            </a:r>
+            <a:r>
+              <a:rPr lang="en-US" sz="1600" dirty="0">
+                <a:solidFill>
+                  <a:srgbClr val="000000"/>
+                </a:solidFill>
+                <a:latin typeface="Consolas" panose="020B0609020204030204" pitchFamily="49" charset="0"/>
+              </a:rPr>
+              <a:t>[</a:t>
+            </a:r>
+            <a:r>
+              <a:rPr lang="en-US" sz="1600" dirty="0">
+                <a:solidFill>
+                  <a:srgbClr val="098658"/>
+                </a:solidFill>
+                <a:latin typeface="Consolas" panose="020B0609020204030204" pitchFamily="49" charset="0"/>
+              </a:rPr>
+              <a:t>1</a:t>
+            </a:r>
+            <a:r>
+              <a:rPr lang="en-US" sz="1600" dirty="0">
+                <a:solidFill>
+                  <a:srgbClr val="000000"/>
+                </a:solidFill>
+                <a:latin typeface="Consolas" panose="020B0609020204030204" pitchFamily="49" charset="0"/>
+              </a:rPr>
+              <a:t>].</a:t>
+            </a:r>
+            <a:r>
+              <a:rPr lang="en-US" sz="1600" dirty="0" err="1">
+                <a:solidFill>
+                  <a:srgbClr val="000000"/>
+                </a:solidFill>
+                <a:latin typeface="Consolas" panose="020B0609020204030204" pitchFamily="49" charset="0"/>
+              </a:rPr>
+              <a:t>style.backgroundColor</a:t>
+            </a:r>
+            <a:r>
+              <a:rPr lang="en-US" sz="1600" dirty="0">
+                <a:solidFill>
+                  <a:srgbClr val="000000"/>
+                </a:solidFill>
+                <a:latin typeface="Consolas" panose="020B0609020204030204" pitchFamily="49" charset="0"/>
+              </a:rPr>
+              <a:t> = </a:t>
+            </a:r>
+            <a:r>
+              <a:rPr lang="en-US" sz="1600" dirty="0">
+                <a:solidFill>
+                  <a:srgbClr val="A31515"/>
+                </a:solidFill>
+                <a:latin typeface="Consolas" panose="020B0609020204030204" pitchFamily="49" charset="0"/>
+              </a:rPr>
+              <a:t>"</a:t>
+            </a:r>
+            <a:r>
+              <a:rPr lang="en-US" sz="1600" dirty="0" err="1">
+                <a:solidFill>
+                  <a:srgbClr val="A31515"/>
+                </a:solidFill>
+                <a:latin typeface="Consolas" panose="020B0609020204030204" pitchFamily="49" charset="0"/>
+              </a:rPr>
+              <a:t>lightblue</a:t>
+            </a:r>
+            <a:r>
+              <a:rPr lang="en-US" sz="1600" dirty="0">
+                <a:solidFill>
+                  <a:srgbClr val="A31515"/>
+                </a:solidFill>
+                <a:latin typeface="Consolas" panose="020B0609020204030204" pitchFamily="49" charset="0"/>
+              </a:rPr>
+              <a:t>"</a:t>
+            </a:r>
+            <a:r>
+              <a:rPr lang="en-US" sz="1600" dirty="0">
+                <a:solidFill>
+                  <a:srgbClr val="000000"/>
+                </a:solidFill>
+                <a:latin typeface="Consolas" panose="020B0609020204030204" pitchFamily="49" charset="0"/>
+              </a:rPr>
+              <a:t>;</a:t>
+            </a:r>
+            <a:endParaRPr lang="en-US" sz="1600" b="0" dirty="0">
+              <a:solidFill>
+                <a:srgbClr val="000000"/>
+              </a:solidFill>
+              <a:effectLst/>
+              <a:latin typeface="Consolas" panose="020B0609020204030204" pitchFamily="49" charset="0"/>
+            </a:endParaRPr>
+          </a:p>
+        </p:txBody>
+      </p:sp>
+      <p:sp>
+        <p:nvSpPr>
+          <p:cNvPr id="3" name="Retângulo 2">
+            <a:extLst>
+              <a:ext uri="{FF2B5EF4-FFF2-40B4-BE49-F238E27FC236}">
+                <a16:creationId xmlns:a16="http://schemas.microsoft.com/office/drawing/2014/main" id="{7138FA5A-804B-4FAF-8F3D-1310AD0F2A0E}"/>
+              </a:ext>
+            </a:extLst>
+          </p:cNvPr>
+          <p:cNvSpPr/>
+          <p:nvPr/>
+        </p:nvSpPr>
+        <p:spPr>
+          <a:xfrm>
+            <a:off x="2745223" y="5286215"/>
+            <a:ext cx="6701555" cy="791435"/>
+          </a:xfrm>
+          <a:prstGeom prst="rect">
+            <a:avLst/>
+          </a:prstGeom>
+        </p:spPr>
+        <p:txBody>
+          <a:bodyPr wrap="square">
+            <a:spAutoFit/>
+          </a:bodyPr>
+          <a:lstStyle/>
+          <a:p>
+            <a:pPr>
+              <a:lnSpc>
+                <a:spcPct val="150000"/>
+              </a:lnSpc>
+            </a:pPr>
+            <a:r>
+              <a:rPr lang="pt-BR" sz="1600" dirty="0" err="1">
+                <a:solidFill>
+                  <a:srgbClr val="0000FF"/>
+                </a:solidFill>
+                <a:latin typeface="Consolas" panose="020B0609020204030204" pitchFamily="49" charset="0"/>
+              </a:rPr>
+              <a:t>let</a:t>
+            </a:r>
+            <a:r>
+              <a:rPr lang="pt-BR" sz="1600" dirty="0">
+                <a:solidFill>
+                  <a:srgbClr val="000000"/>
+                </a:solidFill>
+                <a:latin typeface="Consolas" panose="020B0609020204030204" pitchFamily="49" charset="0"/>
+              </a:rPr>
+              <a:t> </a:t>
+            </a:r>
+            <a:r>
+              <a:rPr lang="pt-BR" sz="1600" dirty="0" err="1">
+                <a:solidFill>
+                  <a:srgbClr val="000000"/>
+                </a:solidFill>
+                <a:latin typeface="Consolas" panose="020B0609020204030204" pitchFamily="49" charset="0"/>
+              </a:rPr>
+              <a:t>nomeInput</a:t>
+            </a:r>
+            <a:r>
+              <a:rPr lang="pt-BR" sz="1600" dirty="0">
+                <a:solidFill>
+                  <a:srgbClr val="000000"/>
+                </a:solidFill>
+                <a:latin typeface="Consolas" panose="020B0609020204030204" pitchFamily="49" charset="0"/>
+              </a:rPr>
+              <a:t> = </a:t>
+            </a:r>
+            <a:r>
+              <a:rPr lang="pt-BR" sz="1600" dirty="0" err="1">
+                <a:solidFill>
+                  <a:srgbClr val="000000"/>
+                </a:solidFill>
+                <a:latin typeface="Consolas" panose="020B0609020204030204" pitchFamily="49" charset="0"/>
+              </a:rPr>
+              <a:t>window.document.getElementsByName</a:t>
+            </a:r>
+            <a:r>
+              <a:rPr lang="pt-BR" sz="1600" dirty="0">
+                <a:solidFill>
+                  <a:srgbClr val="000000"/>
+                </a:solidFill>
+                <a:latin typeface="Consolas" panose="020B0609020204030204" pitchFamily="49" charset="0"/>
+              </a:rPr>
+              <a:t>(</a:t>
+            </a:r>
+            <a:r>
+              <a:rPr lang="pt-BR" sz="1600" dirty="0">
+                <a:solidFill>
+                  <a:srgbClr val="A31515"/>
+                </a:solidFill>
+                <a:latin typeface="Consolas" panose="020B0609020204030204" pitchFamily="49" charset="0"/>
+              </a:rPr>
+              <a:t>"nome"</a:t>
+            </a:r>
+            <a:r>
+              <a:rPr lang="pt-BR" sz="1600" dirty="0">
+                <a:solidFill>
+                  <a:srgbClr val="000000"/>
+                </a:solidFill>
+                <a:latin typeface="Consolas" panose="020B0609020204030204" pitchFamily="49" charset="0"/>
+              </a:rPr>
+              <a:t>);</a:t>
+            </a:r>
+          </a:p>
+          <a:p>
+            <a:pPr>
+              <a:lnSpc>
+                <a:spcPct val="150000"/>
+              </a:lnSpc>
+            </a:pPr>
+            <a:r>
+              <a:rPr lang="pt-BR" sz="1600" dirty="0" err="1">
+                <a:solidFill>
+                  <a:srgbClr val="000000"/>
+                </a:solidFill>
+                <a:latin typeface="Consolas" panose="020B0609020204030204" pitchFamily="49" charset="0"/>
+              </a:rPr>
+              <a:t>nomeInput</a:t>
+            </a:r>
+            <a:r>
+              <a:rPr lang="pt-BR" sz="1600" dirty="0">
+                <a:solidFill>
+                  <a:srgbClr val="000000"/>
+                </a:solidFill>
+                <a:latin typeface="Consolas" panose="020B0609020204030204" pitchFamily="49" charset="0"/>
+              </a:rPr>
+              <a:t>[</a:t>
+            </a:r>
+            <a:r>
+              <a:rPr lang="pt-BR" sz="1600" dirty="0">
+                <a:solidFill>
+                  <a:srgbClr val="098658"/>
+                </a:solidFill>
+                <a:latin typeface="Consolas" panose="020B0609020204030204" pitchFamily="49" charset="0"/>
+              </a:rPr>
+              <a:t>0</a:t>
+            </a:r>
+            <a:r>
+              <a:rPr lang="pt-BR" sz="1600" dirty="0">
+                <a:solidFill>
+                  <a:srgbClr val="000000"/>
+                </a:solidFill>
+                <a:latin typeface="Consolas" panose="020B0609020204030204" pitchFamily="49" charset="0"/>
+              </a:rPr>
+              <a:t>].</a:t>
+            </a:r>
+            <a:r>
+              <a:rPr lang="pt-BR" sz="1600" dirty="0" err="1">
+                <a:solidFill>
+                  <a:srgbClr val="000000"/>
+                </a:solidFill>
+                <a:latin typeface="Consolas" panose="020B0609020204030204" pitchFamily="49" charset="0"/>
+              </a:rPr>
+              <a:t>placeholder</a:t>
+            </a:r>
+            <a:r>
+              <a:rPr lang="pt-BR" sz="1600" dirty="0">
+                <a:solidFill>
+                  <a:srgbClr val="000000"/>
+                </a:solidFill>
+                <a:latin typeface="Consolas" panose="020B0609020204030204" pitchFamily="49" charset="0"/>
+              </a:rPr>
+              <a:t> = </a:t>
+            </a:r>
+            <a:r>
+              <a:rPr lang="pt-BR" sz="1600" dirty="0">
+                <a:solidFill>
+                  <a:srgbClr val="A31515"/>
+                </a:solidFill>
+                <a:latin typeface="Consolas" panose="020B0609020204030204" pitchFamily="49" charset="0"/>
+              </a:rPr>
+              <a:t>"Digite seu nome aqui"</a:t>
+            </a:r>
+            <a:r>
+              <a:rPr lang="pt-BR" sz="1600" dirty="0">
+                <a:solidFill>
+                  <a:srgbClr val="000000"/>
+                </a:solidFill>
+                <a:latin typeface="Consolas" panose="020B0609020204030204" pitchFamily="49" charset="0"/>
+              </a:rPr>
+              <a:t>;</a:t>
+            </a:r>
+            <a:endParaRPr lang="pt-BR" sz="1600" b="0" dirty="0">
+              <a:solidFill>
+                <a:srgbClr val="000000"/>
+              </a:solidFill>
+              <a:effectLst/>
+              <a:latin typeface="Consolas" panose="020B0609020204030204" pitchFamily="49" charset="0"/>
+            </a:endParaRPr>
+          </a:p>
+        </p:txBody>
+      </p:sp>
+    </p:spTree>
+    <p:extLst>
+      <p:ext uri="{BB962C8B-B14F-4D97-AF65-F5344CB8AC3E}">
+        <p14:creationId xmlns:p14="http://schemas.microsoft.com/office/powerpoint/2010/main" val="157624589"/>
+      </p:ext>
+    </p:extLst>
+  </p:cSld>
+  <p:clrMapOvr>
+    <a:masterClrMapping/>
+  </p:clrMapOvr>
+</p:sld>
+</file>
+
+<file path=ppt/slides/slide9.xml><?xml version="1.0" encoding="utf-8"?>
+<p:sld xmlns:a="http://schemas.openxmlformats.org/drawingml/2006/main" xmlns:r="http://schemas.openxmlformats.org/officeDocument/2006/relationships" xmlns:p="http://schemas.openxmlformats.org/presentationml/2006/main">
+  <p:cSld>
+    <p:spTree>
+      <p:nvGrpSpPr>
+        <p:cNvPr id="1" name=""/>
+        <p:cNvGrpSpPr/>
+        <p:nvPr/>
+      </p:nvGrpSpPr>
+      <p:grpSpPr>
+        <a:xfrm>
+          <a:off x="0" y="0"/>
+          <a:ext cx="0" cy="0"/>
+          <a:chOff x="0" y="0"/>
+          <a:chExt cx="0" cy="0"/>
+        </a:xfrm>
+      </p:grpSpPr>
+      <p:sp>
+        <p:nvSpPr>
+          <p:cNvPr id="4" name="Título 3">
+            <a:extLst>
+              <a:ext uri="{FF2B5EF4-FFF2-40B4-BE49-F238E27FC236}">
+                <a16:creationId xmlns:a16="http://schemas.microsoft.com/office/drawing/2014/main" id="{50D51956-D948-4924-9F4F-773332C45C6E}"/>
+              </a:ext>
+            </a:extLst>
+          </p:cNvPr>
+          <p:cNvSpPr>
+            <a:spLocks noGrp="1"/>
+          </p:cNvSpPr>
+          <p:nvPr>
+            <p:ph type="title"/>
+          </p:nvPr>
+        </p:nvSpPr>
+        <p:spPr/>
+        <p:txBody>
+          <a:bodyPr/>
+          <a:lstStyle/>
+          <a:p>
+            <a:r>
+              <a:rPr lang="pt-BR" dirty="0"/>
+              <a:t>Selecionando Elementos na Árvore DOM</a:t>
+            </a:r>
+          </a:p>
+        </p:txBody>
+      </p:sp>
+      <p:sp>
+        <p:nvSpPr>
+          <p:cNvPr id="5" name="Espaço Reservado para Conteúdo 4">
+            <a:extLst>
+              <a:ext uri="{FF2B5EF4-FFF2-40B4-BE49-F238E27FC236}">
+                <a16:creationId xmlns:a16="http://schemas.microsoft.com/office/drawing/2014/main" id="{12C3A42A-B770-4D32-898B-D2A0A9DAC3DE}"/>
+              </a:ext>
+            </a:extLst>
+          </p:cNvPr>
+          <p:cNvSpPr>
+            <a:spLocks noGrp="1"/>
+          </p:cNvSpPr>
+          <p:nvPr>
+            <p:ph idx="1"/>
+          </p:nvPr>
+        </p:nvSpPr>
+        <p:spPr>
+          <a:xfrm>
+            <a:off x="592347" y="1844676"/>
+            <a:ext cx="11007306" cy="969750"/>
+          </a:xfrm>
+        </p:spPr>
+        <p:txBody>
+          <a:bodyPr/>
+          <a:lstStyle/>
+          <a:p>
+            <a:r>
+              <a:rPr lang="pt-BR" sz="1800" dirty="0" err="1"/>
+              <a:t>querySelector</a:t>
+            </a:r>
+            <a:r>
+              <a:rPr lang="pt-BR" sz="1800" dirty="0"/>
+              <a:t> - Seleciona o primeiro elemento que corresponde a um seletor CSS. Pode ser utilizado com ID, classe ou </a:t>
+            </a:r>
+            <a:r>
+              <a:rPr lang="pt-BR" sz="1800" dirty="0" err="1"/>
+              <a:t>tag</a:t>
+            </a:r>
+            <a:r>
+              <a:rPr lang="pt-BR" sz="1800" dirty="0"/>
+              <a:t>.</a:t>
+            </a:r>
+          </a:p>
+        </p:txBody>
+      </p:sp>
+      <p:sp>
+        <p:nvSpPr>
+          <p:cNvPr id="7" name="Espaço Reservado para Conteúdo 4">
+            <a:extLst>
+              <a:ext uri="{FF2B5EF4-FFF2-40B4-BE49-F238E27FC236}">
+                <a16:creationId xmlns:a16="http://schemas.microsoft.com/office/drawing/2014/main" id="{4FB3A243-0BE9-4547-9D67-CF70A0ECD6BB}"/>
+              </a:ext>
+            </a:extLst>
+          </p:cNvPr>
+          <p:cNvSpPr txBox="1">
+            <a:spLocks/>
+          </p:cNvSpPr>
+          <p:nvPr/>
+        </p:nvSpPr>
+        <p:spPr>
+          <a:xfrm>
+            <a:off x="592347" y="4394037"/>
+            <a:ext cx="11007306" cy="557093"/>
+          </a:xfrm>
+          <a:prstGeom prst="rect">
+            <a:avLst/>
+          </a:prstGeom>
+        </p:spPr>
+        <p:txBody>
+          <a:bodyPr/>
+          <a:lstStyle>
+            <a:lvl1pPr marL="0" indent="0" algn="just" defTabSz="914400" rtl="0" eaLnBrk="1" latinLnBrk="0" hangingPunct="1">
+              <a:lnSpc>
+                <a:spcPct val="150000"/>
+              </a:lnSpc>
+              <a:spcBef>
+                <a:spcPts val="1000"/>
+              </a:spcBef>
+              <a:buFont typeface="Arial" panose="020B0604020202020204" pitchFamily="34" charset="0"/>
+              <a:buNone/>
+              <a:defRPr sz="2000" kern="1200">
+                <a:solidFill>
+                  <a:schemeClr val="tx1"/>
+                </a:solidFill>
+                <a:latin typeface="Times New Roman" panose="02020603050405020304" pitchFamily="18" charset="0"/>
+                <a:ea typeface="+mn-ea"/>
+                <a:cs typeface="Times New Roman" panose="02020603050405020304" pitchFamily="18" charset="0"/>
+              </a:defRPr>
+            </a:lvl1pPr>
+            <a:lvl2pPr marL="685800" indent="-228600" algn="l" defTabSz="914400" rtl="0" eaLnBrk="1" latinLnBrk="0" hangingPunct="1">
+              <a:lnSpc>
+                <a:spcPct val="150000"/>
+              </a:lnSpc>
+              <a:spcBef>
+                <a:spcPts val="500"/>
+              </a:spcBef>
+              <a:buFont typeface="Arial" panose="020B0604020202020204" pitchFamily="34" charset="0"/>
+              <a:buChar char="•"/>
+              <a:defRPr sz="1600" kern="1200">
+                <a:solidFill>
+                  <a:schemeClr val="tx1"/>
+                </a:solidFill>
+                <a:latin typeface="Times New Roman" panose="02020603050405020304" pitchFamily="18" charset="0"/>
+                <a:ea typeface="+mn-ea"/>
+                <a:cs typeface="Times New Roman" panose="02020603050405020304" pitchFamily="18" charset="0"/>
+              </a:defRPr>
+            </a:lvl2pPr>
+            <a:lvl3pPr marL="1143000" indent="-228600" algn="l" defTabSz="914400" rtl="0" eaLnBrk="1" latinLnBrk="0" hangingPunct="1">
+              <a:lnSpc>
+                <a:spcPct val="150000"/>
+              </a:lnSpc>
+              <a:spcBef>
+                <a:spcPts val="500"/>
+              </a:spcBef>
+              <a:buFont typeface="Arial" panose="020B0604020202020204" pitchFamily="34" charset="0"/>
+              <a:buChar char="•"/>
+              <a:defRPr sz="1400" kern="1200">
+                <a:solidFill>
+                  <a:schemeClr val="tx1"/>
+                </a:solidFill>
+                <a:latin typeface="Times New Roman" panose="02020603050405020304" pitchFamily="18" charset="0"/>
+                <a:ea typeface="+mn-ea"/>
+                <a:cs typeface="Times New Roman" panose="02020603050405020304" pitchFamily="18" charset="0"/>
+              </a:defRPr>
+            </a:lvl3pPr>
+            <a:lvl4pPr marL="1600200" indent="-228600" algn="l" defTabSz="914400" rtl="0" eaLnBrk="1" latinLnBrk="0" hangingPunct="1">
+              <a:lnSpc>
+                <a:spcPct val="150000"/>
+              </a:lnSpc>
+              <a:spcBef>
+                <a:spcPts val="500"/>
+              </a:spcBef>
+              <a:buFont typeface="Arial" panose="020B0604020202020204" pitchFamily="34" charset="0"/>
+              <a:buChar char="•"/>
+              <a:defRPr sz="1200" kern="1200">
+                <a:solidFill>
+                  <a:schemeClr val="tx1"/>
+                </a:solidFill>
+                <a:latin typeface="Times New Roman" panose="02020603050405020304" pitchFamily="18" charset="0"/>
+                <a:ea typeface="+mn-ea"/>
+                <a:cs typeface="Times New Roman" panose="02020603050405020304" pitchFamily="18" charset="0"/>
+              </a:defRPr>
+            </a:lvl4pPr>
+            <a:lvl5pPr marL="2057400" indent="-228600" algn="l" defTabSz="914400" rtl="0" eaLnBrk="1" latinLnBrk="0" hangingPunct="1">
+              <a:lnSpc>
+                <a:spcPct val="150000"/>
+              </a:lnSpc>
+              <a:spcBef>
+                <a:spcPts val="500"/>
+              </a:spcBef>
+              <a:buFont typeface="Arial" panose="020B0604020202020204" pitchFamily="34" charset="0"/>
+              <a:buChar char="•"/>
+              <a:defRPr sz="1000" kern="1200">
+                <a:solidFill>
+                  <a:schemeClr val="tx1"/>
+                </a:solidFill>
+                <a:latin typeface="Times New Roman" panose="02020603050405020304" pitchFamily="18" charset="0"/>
+                <a:ea typeface="+mn-ea"/>
+                <a:cs typeface="Times New Roman" panose="02020603050405020304" pitchFamily="18" charset="0"/>
+              </a:defRPr>
+            </a:lvl5pPr>
+            <a:lvl6pPr marL="2514600" indent="-228600" algn="l" defTabSz="914400" rtl="0" eaLnBrk="1" latinLnBrk="0" hangingPunct="1">
+              <a:lnSpc>
+                <a:spcPct val="90000"/>
+              </a:lnSpc>
+              <a:spcBef>
+                <a:spcPts val="500"/>
+              </a:spcBef>
+              <a:buFont typeface="Arial" panose="020B0604020202020204" pitchFamily="34" charset="0"/>
+              <a:buChar char="•"/>
+              <a:defRPr sz="1800" kern="1200">
+                <a:solidFill>
+                  <a:schemeClr val="tx1"/>
+                </a:solidFill>
+                <a:latin typeface="+mn-lt"/>
+                <a:ea typeface="+mn-ea"/>
+                <a:cs typeface="+mn-cs"/>
+              </a:defRPr>
+            </a:lvl6pPr>
+            <a:lvl7pPr marL="2971800" indent="-228600" algn="l" defTabSz="914400" rtl="0" eaLnBrk="1" latinLnBrk="0" hangingPunct="1">
+              <a:lnSpc>
+                <a:spcPct val="90000"/>
+              </a:lnSpc>
+              <a:spcBef>
+                <a:spcPts val="500"/>
+              </a:spcBef>
+              <a:buFont typeface="Arial" panose="020B0604020202020204" pitchFamily="34" charset="0"/>
+              <a:buChar char="•"/>
+              <a:defRPr sz="1800" kern="1200">
+                <a:solidFill>
+                  <a:schemeClr val="tx1"/>
+                </a:solidFill>
+                <a:latin typeface="+mn-lt"/>
+                <a:ea typeface="+mn-ea"/>
+                <a:cs typeface="+mn-cs"/>
+              </a:defRPr>
+            </a:lvl7pPr>
+            <a:lvl8pPr marL="3429000" indent="-228600" algn="l" defTabSz="914400" rtl="0" eaLnBrk="1" latinLnBrk="0" hangingPunct="1">
+              <a:lnSpc>
+                <a:spcPct val="90000"/>
+              </a:lnSpc>
+              <a:spcBef>
+                <a:spcPts val="500"/>
+              </a:spcBef>
+              <a:buFont typeface="Arial" panose="020B0604020202020204" pitchFamily="34" charset="0"/>
+              <a:buChar char="•"/>
+              <a:defRPr sz="1800" kern="1200">
+                <a:solidFill>
+                  <a:schemeClr val="tx1"/>
+                </a:solidFill>
+                <a:latin typeface="+mn-lt"/>
+                <a:ea typeface="+mn-ea"/>
+                <a:cs typeface="+mn-cs"/>
+              </a:defRPr>
+            </a:lvl8pPr>
+            <a:lvl9pPr marL="3886200" indent="-228600" algn="l" defTabSz="914400" rtl="0" eaLnBrk="1" latinLnBrk="0" hangingPunct="1">
+              <a:lnSpc>
+                <a:spcPct val="90000"/>
+              </a:lnSpc>
+              <a:spcBef>
+                <a:spcPts val="500"/>
+              </a:spcBef>
+              <a:buFont typeface="Arial" panose="020B0604020202020204" pitchFamily="34" charset="0"/>
+              <a:buChar char="•"/>
+              <a:defRPr sz="1800" kern="1200">
+                <a:solidFill>
+                  <a:schemeClr val="tx1"/>
+                </a:solidFill>
+                <a:latin typeface="+mn-lt"/>
+                <a:ea typeface="+mn-ea"/>
+                <a:cs typeface="+mn-cs"/>
+              </a:defRPr>
+            </a:lvl9pPr>
+          </a:lstStyle>
+          <a:p>
+            <a:r>
+              <a:rPr lang="pt-BR" sz="1800" dirty="0" err="1"/>
+              <a:t>querySelectorAll</a:t>
+            </a:r>
+            <a:r>
+              <a:rPr lang="pt-BR" sz="1800" dirty="0"/>
+              <a:t> - Seleciona todos os elementos que correspondem ao seletor.</a:t>
+            </a:r>
+          </a:p>
+        </p:txBody>
+      </p:sp>
+      <p:sp>
+        <p:nvSpPr>
+          <p:cNvPr id="6" name="Retângulo 5">
+            <a:extLst>
+              <a:ext uri="{FF2B5EF4-FFF2-40B4-BE49-F238E27FC236}">
+                <a16:creationId xmlns:a16="http://schemas.microsoft.com/office/drawing/2014/main" id="{21B24F7B-033C-4293-8564-BB6714F9C6D0}"/>
+              </a:ext>
+            </a:extLst>
+          </p:cNvPr>
+          <p:cNvSpPr/>
+          <p:nvPr/>
+        </p:nvSpPr>
+        <p:spPr>
+          <a:xfrm>
+            <a:off x="2024743" y="3208514"/>
+            <a:ext cx="8061649" cy="791435"/>
+          </a:xfrm>
+          <a:prstGeom prst="rect">
+            <a:avLst/>
+          </a:prstGeom>
+        </p:spPr>
+        <p:txBody>
+          <a:bodyPr wrap="square">
+            <a:spAutoFit/>
+          </a:bodyPr>
+          <a:lstStyle/>
+          <a:p>
+            <a:pPr>
+              <a:lnSpc>
+                <a:spcPct val="150000"/>
+              </a:lnSpc>
+            </a:pPr>
+            <a:r>
+              <a:rPr lang="pt-BR" sz="1600" dirty="0" err="1">
+                <a:solidFill>
+                  <a:srgbClr val="0000FF"/>
+                </a:solidFill>
+                <a:latin typeface="Consolas" panose="020B0609020204030204" pitchFamily="49" charset="0"/>
+              </a:rPr>
+              <a:t>let</a:t>
+            </a:r>
+            <a:r>
+              <a:rPr lang="pt-BR" sz="1600" dirty="0">
+                <a:solidFill>
+                  <a:srgbClr val="000000"/>
+                </a:solidFill>
+                <a:latin typeface="Consolas" panose="020B0609020204030204" pitchFamily="49" charset="0"/>
+              </a:rPr>
+              <a:t> </a:t>
+            </a:r>
+            <a:r>
+              <a:rPr lang="pt-BR" sz="1600" dirty="0" err="1">
+                <a:solidFill>
+                  <a:srgbClr val="000000"/>
+                </a:solidFill>
+                <a:latin typeface="Consolas" panose="020B0609020204030204" pitchFamily="49" charset="0"/>
+              </a:rPr>
+              <a:t>ParagrafoQuery</a:t>
+            </a:r>
+            <a:r>
+              <a:rPr lang="pt-BR" sz="1600" dirty="0">
+                <a:solidFill>
+                  <a:srgbClr val="000000"/>
+                </a:solidFill>
+                <a:latin typeface="Consolas" panose="020B0609020204030204" pitchFamily="49" charset="0"/>
+              </a:rPr>
+              <a:t> = </a:t>
+            </a:r>
+            <a:r>
+              <a:rPr lang="pt-BR" sz="1600" dirty="0" err="1">
+                <a:solidFill>
+                  <a:srgbClr val="000000"/>
+                </a:solidFill>
+                <a:latin typeface="Consolas" panose="020B0609020204030204" pitchFamily="49" charset="0"/>
+              </a:rPr>
+              <a:t>window.document.querySelector</a:t>
+            </a:r>
+            <a:r>
+              <a:rPr lang="pt-BR" sz="1600" dirty="0">
+                <a:solidFill>
+                  <a:srgbClr val="000000"/>
+                </a:solidFill>
+                <a:latin typeface="Consolas" panose="020B0609020204030204" pitchFamily="49" charset="0"/>
+              </a:rPr>
+              <a:t>(</a:t>
+            </a:r>
+            <a:r>
+              <a:rPr lang="pt-BR" sz="1600" dirty="0">
+                <a:solidFill>
+                  <a:srgbClr val="A31515"/>
+                </a:solidFill>
+                <a:latin typeface="Consolas" panose="020B0609020204030204" pitchFamily="49" charset="0"/>
+              </a:rPr>
+              <a:t>"#</a:t>
+            </a:r>
+            <a:r>
+              <a:rPr lang="pt-BR" sz="1600" dirty="0" err="1">
+                <a:solidFill>
+                  <a:srgbClr val="A31515"/>
+                </a:solidFill>
+                <a:latin typeface="Consolas" panose="020B0609020204030204" pitchFamily="49" charset="0"/>
+              </a:rPr>
+              <a:t>paragrafoQuery</a:t>
+            </a:r>
+            <a:r>
+              <a:rPr lang="pt-BR" sz="1600" dirty="0">
+                <a:solidFill>
+                  <a:srgbClr val="A31515"/>
+                </a:solidFill>
+                <a:latin typeface="Consolas" panose="020B0609020204030204" pitchFamily="49" charset="0"/>
+              </a:rPr>
+              <a:t>"</a:t>
+            </a:r>
+            <a:r>
+              <a:rPr lang="pt-BR" sz="1600" dirty="0">
+                <a:solidFill>
+                  <a:srgbClr val="000000"/>
+                </a:solidFill>
+                <a:latin typeface="Consolas" panose="020B0609020204030204" pitchFamily="49" charset="0"/>
+              </a:rPr>
+              <a:t>);</a:t>
+            </a:r>
+          </a:p>
+          <a:p>
+            <a:pPr>
+              <a:lnSpc>
+                <a:spcPct val="150000"/>
+              </a:lnSpc>
+            </a:pPr>
+            <a:r>
+              <a:rPr lang="pt-BR" sz="1600" dirty="0" err="1">
+                <a:solidFill>
+                  <a:srgbClr val="000000"/>
+                </a:solidFill>
+                <a:latin typeface="Consolas" panose="020B0609020204030204" pitchFamily="49" charset="0"/>
+              </a:rPr>
+              <a:t>ParagrafoQuery.style.backgroundColor</a:t>
+            </a:r>
+            <a:r>
+              <a:rPr lang="pt-BR" sz="1600" dirty="0">
+                <a:solidFill>
+                  <a:srgbClr val="000000"/>
+                </a:solidFill>
+                <a:latin typeface="Consolas" panose="020B0609020204030204" pitchFamily="49" charset="0"/>
+              </a:rPr>
+              <a:t> = </a:t>
+            </a:r>
+            <a:r>
+              <a:rPr lang="pt-BR" sz="1600" dirty="0">
+                <a:solidFill>
+                  <a:srgbClr val="A31515"/>
+                </a:solidFill>
+                <a:latin typeface="Consolas" panose="020B0609020204030204" pitchFamily="49" charset="0"/>
+              </a:rPr>
+              <a:t>"</a:t>
+            </a:r>
+            <a:r>
+              <a:rPr lang="pt-BR" sz="1600" dirty="0" err="1">
+                <a:solidFill>
+                  <a:srgbClr val="A31515"/>
+                </a:solidFill>
+                <a:latin typeface="Consolas" panose="020B0609020204030204" pitchFamily="49" charset="0"/>
+              </a:rPr>
+              <a:t>green</a:t>
+            </a:r>
+            <a:r>
+              <a:rPr lang="pt-BR" sz="1600" dirty="0">
+                <a:solidFill>
+                  <a:srgbClr val="A31515"/>
+                </a:solidFill>
+                <a:latin typeface="Consolas" panose="020B0609020204030204" pitchFamily="49" charset="0"/>
+              </a:rPr>
+              <a:t>"</a:t>
+            </a:r>
+            <a:r>
+              <a:rPr lang="pt-BR" sz="1600" dirty="0">
+                <a:solidFill>
+                  <a:srgbClr val="000000"/>
+                </a:solidFill>
+                <a:latin typeface="Consolas" panose="020B0609020204030204" pitchFamily="49" charset="0"/>
+              </a:rPr>
+              <a:t>;</a:t>
+            </a:r>
+            <a:endParaRPr lang="pt-BR" sz="1600" b="0" dirty="0">
+              <a:solidFill>
+                <a:srgbClr val="000000"/>
+              </a:solidFill>
+              <a:effectLst/>
+              <a:latin typeface="Consolas" panose="020B0609020204030204" pitchFamily="49" charset="0"/>
+            </a:endParaRPr>
+          </a:p>
+        </p:txBody>
+      </p:sp>
+      <p:sp>
+        <p:nvSpPr>
+          <p:cNvPr id="8" name="Retângulo 7">
+            <a:extLst>
+              <a:ext uri="{FF2B5EF4-FFF2-40B4-BE49-F238E27FC236}">
+                <a16:creationId xmlns:a16="http://schemas.microsoft.com/office/drawing/2014/main" id="{290F00FE-BDAA-4F96-87A2-C813B6273943}"/>
+              </a:ext>
+            </a:extLst>
+          </p:cNvPr>
+          <p:cNvSpPr/>
+          <p:nvPr/>
+        </p:nvSpPr>
+        <p:spPr>
+          <a:xfrm>
+            <a:off x="2282345" y="5345218"/>
+            <a:ext cx="7546443" cy="791435"/>
+          </a:xfrm>
+          <a:prstGeom prst="rect">
+            <a:avLst/>
+          </a:prstGeom>
+        </p:spPr>
+        <p:txBody>
+          <a:bodyPr wrap="square">
+            <a:spAutoFit/>
+          </a:bodyPr>
+          <a:lstStyle/>
+          <a:p>
+            <a:pPr>
+              <a:lnSpc>
+                <a:spcPct val="150000"/>
+              </a:lnSpc>
+            </a:pPr>
+            <a:r>
+              <a:rPr lang="en-US" sz="1600" dirty="0">
+                <a:solidFill>
+                  <a:srgbClr val="0000FF"/>
+                </a:solidFill>
+                <a:latin typeface="Consolas" panose="020B0609020204030204" pitchFamily="49" charset="0"/>
+              </a:rPr>
+              <a:t>let</a:t>
+            </a:r>
+            <a:r>
+              <a:rPr lang="en-US" sz="1600" dirty="0">
+                <a:solidFill>
+                  <a:srgbClr val="000000"/>
+                </a:solidFill>
+                <a:latin typeface="Consolas" panose="020B0609020204030204" pitchFamily="49" charset="0"/>
+              </a:rPr>
+              <a:t> </a:t>
+            </a:r>
+            <a:r>
+              <a:rPr lang="en-US" sz="1600" dirty="0" err="1">
+                <a:solidFill>
+                  <a:srgbClr val="000000"/>
+                </a:solidFill>
+                <a:latin typeface="Consolas" panose="020B0609020204030204" pitchFamily="49" charset="0"/>
+              </a:rPr>
+              <a:t>todasCaixas</a:t>
+            </a:r>
+            <a:r>
+              <a:rPr lang="en-US" sz="1600" dirty="0">
+                <a:solidFill>
+                  <a:srgbClr val="000000"/>
+                </a:solidFill>
+                <a:latin typeface="Consolas" panose="020B0609020204030204" pitchFamily="49" charset="0"/>
+              </a:rPr>
+              <a:t> = </a:t>
+            </a:r>
+            <a:r>
+              <a:rPr lang="en-US" sz="1600" dirty="0" err="1">
+                <a:solidFill>
+                  <a:srgbClr val="000000"/>
+                </a:solidFill>
+                <a:latin typeface="Consolas" panose="020B0609020204030204" pitchFamily="49" charset="0"/>
+              </a:rPr>
+              <a:t>window.document.querySelectorAll</a:t>
+            </a:r>
+            <a:r>
+              <a:rPr lang="en-US" sz="1600" dirty="0">
+                <a:solidFill>
+                  <a:srgbClr val="000000"/>
+                </a:solidFill>
+                <a:latin typeface="Consolas" panose="020B0609020204030204" pitchFamily="49" charset="0"/>
+              </a:rPr>
+              <a:t>(</a:t>
+            </a:r>
+            <a:r>
+              <a:rPr lang="en-US" sz="1600" dirty="0">
+                <a:solidFill>
+                  <a:srgbClr val="A31515"/>
+                </a:solidFill>
+                <a:latin typeface="Consolas" panose="020B0609020204030204" pitchFamily="49" charset="0"/>
+              </a:rPr>
+              <a:t>".</a:t>
+            </a:r>
+            <a:r>
+              <a:rPr lang="en-US" sz="1600" dirty="0" err="1">
+                <a:solidFill>
+                  <a:srgbClr val="A31515"/>
+                </a:solidFill>
+                <a:latin typeface="Consolas" panose="020B0609020204030204" pitchFamily="49" charset="0"/>
+              </a:rPr>
+              <a:t>caixaQuery</a:t>
+            </a:r>
+            <a:r>
+              <a:rPr lang="en-US" sz="1600" dirty="0">
+                <a:solidFill>
+                  <a:srgbClr val="A31515"/>
+                </a:solidFill>
+                <a:latin typeface="Consolas" panose="020B0609020204030204" pitchFamily="49" charset="0"/>
+              </a:rPr>
+              <a:t>"</a:t>
+            </a:r>
+            <a:r>
+              <a:rPr lang="en-US" sz="1600" dirty="0">
+                <a:solidFill>
+                  <a:srgbClr val="000000"/>
+                </a:solidFill>
+                <a:latin typeface="Consolas" panose="020B0609020204030204" pitchFamily="49" charset="0"/>
+              </a:rPr>
+              <a:t>);</a:t>
+            </a:r>
+          </a:p>
+          <a:p>
+            <a:pPr>
+              <a:lnSpc>
+                <a:spcPct val="150000"/>
+              </a:lnSpc>
+            </a:pPr>
+            <a:r>
+              <a:rPr lang="en-US" sz="1600" dirty="0" err="1">
+                <a:solidFill>
+                  <a:srgbClr val="000000"/>
+                </a:solidFill>
+                <a:latin typeface="Consolas" panose="020B0609020204030204" pitchFamily="49" charset="0"/>
+              </a:rPr>
+              <a:t>todasCaixas</a:t>
+            </a:r>
+            <a:r>
+              <a:rPr lang="en-US" sz="1600" dirty="0">
+                <a:solidFill>
+                  <a:srgbClr val="000000"/>
+                </a:solidFill>
+                <a:latin typeface="Consolas" panose="020B0609020204030204" pitchFamily="49" charset="0"/>
+              </a:rPr>
+              <a:t>[</a:t>
+            </a:r>
+            <a:r>
+              <a:rPr lang="en-US" sz="1600" dirty="0">
+                <a:solidFill>
+                  <a:srgbClr val="098658"/>
+                </a:solidFill>
+                <a:latin typeface="Consolas" panose="020B0609020204030204" pitchFamily="49" charset="0"/>
+              </a:rPr>
+              <a:t>0</a:t>
+            </a:r>
+            <a:r>
+              <a:rPr lang="en-US" sz="1600" dirty="0">
+                <a:solidFill>
+                  <a:srgbClr val="000000"/>
+                </a:solidFill>
+                <a:latin typeface="Consolas" panose="020B0609020204030204" pitchFamily="49" charset="0"/>
+              </a:rPr>
+              <a:t>].</a:t>
+            </a:r>
+            <a:r>
+              <a:rPr lang="en-US" sz="1600" dirty="0" err="1">
+                <a:solidFill>
+                  <a:srgbClr val="000000"/>
+                </a:solidFill>
+                <a:latin typeface="Consolas" panose="020B0609020204030204" pitchFamily="49" charset="0"/>
+              </a:rPr>
+              <a:t>style.backgroundColor</a:t>
+            </a:r>
+            <a:r>
+              <a:rPr lang="en-US" sz="1600" dirty="0">
+                <a:solidFill>
+                  <a:srgbClr val="000000"/>
+                </a:solidFill>
+                <a:latin typeface="Consolas" panose="020B0609020204030204" pitchFamily="49" charset="0"/>
+              </a:rPr>
+              <a:t> = </a:t>
+            </a:r>
+            <a:r>
+              <a:rPr lang="en-US" sz="1600" dirty="0">
+                <a:solidFill>
+                  <a:srgbClr val="A31515"/>
+                </a:solidFill>
+                <a:latin typeface="Consolas" panose="020B0609020204030204" pitchFamily="49" charset="0"/>
+              </a:rPr>
+              <a:t>"purple"</a:t>
+            </a:r>
+            <a:endParaRPr lang="en-US" sz="1600" b="0" dirty="0">
+              <a:solidFill>
+                <a:srgbClr val="000000"/>
+              </a:solidFill>
+              <a:effectLst/>
+              <a:latin typeface="Consolas" panose="020B0609020204030204" pitchFamily="49" charset="0"/>
+            </a:endParaRPr>
+          </a:p>
+        </p:txBody>
+      </p:sp>
+    </p:spTree>
+    <p:extLst>
+      <p:ext uri="{BB962C8B-B14F-4D97-AF65-F5344CB8AC3E}">
+        <p14:creationId xmlns:p14="http://schemas.microsoft.com/office/powerpoint/2010/main" val="4181338249"/>
       </p:ext>
     </p:extLst>
   </p:cSld>
